--- a/lesson1/Lesson1.pptx
+++ b/lesson1/Lesson1.pptx
@@ -32,16 +32,18 @@
     <p:sldId id="277" r:id="rId28"/>
     <p:sldId id="278" r:id="rId29"/>
     <p:sldId id="279" r:id="rId30"/>
+    <p:sldId id="280" r:id="rId31"/>
+    <p:sldId id="281" r:id="rId32"/>
   </p:sldIdLst>
   <p:sldSz cy="5143500" cx="9144000"/>
   <p:notesSz cx="6858000" cy="9144000"/>
   <p:embeddedFontLst>
     <p:embeddedFont>
       <p:font typeface="Roboto"/>
-      <p:regular r:id="rId31"/>
-      <p:bold r:id="rId32"/>
-      <p:italic r:id="rId33"/>
-      <p:boldItalic r:id="rId34"/>
+      <p:regular r:id="rId33"/>
+      <p:bold r:id="rId34"/>
+      <p:italic r:id="rId35"/>
+      <p:boldItalic r:id="rId36"/>
     </p:embeddedFont>
   </p:embeddedFontLst>
   <p:defaultTextStyle>
@@ -289,7 +291,7 @@
       </p15:sldGuideLst>
     </p:ext>
     <p:ext uri="GoogleSlidesCustomDataVersion2">
-      <go:slidesCustomData xmlns:go="http://customooxmlschemas.google.com/" r:id="rId35" roundtripDataSignature="AMtx7mh6KsWscrysTmoWBGcO5ftg8yyYkA=="/>
+      <go:slidesCustomData xmlns:go="http://customooxmlschemas.google.com/" r:id="rId37" roundtripDataSignature="AMtx7mjOOKsci/YV+FluhQfvyluQT/kUsA=="/>
     </p:ext>
   </p:extLst>
 </p:presentation>
@@ -978,7 +980,7 @@
   <p:cSld>
     <p:spTree>
       <p:nvGrpSpPr>
-        <p:cNvPr id="138" name="Shape 138"/>
+        <p:cNvPr id="132" name="Shape 132"/>
         <p:cNvGrpSpPr/>
         <p:nvPr/>
       </p:nvGrpSpPr>
@@ -992,7 +994,124 @@
       </p:grpSpPr>
       <p:sp>
         <p:nvSpPr>
-          <p:cNvPr id="139" name="Google Shape;139;p10:notes"/>
+          <p:cNvPr id="133" name="Google Shape;133;p8:notes"/>
+          <p:cNvSpPr txBox="1"/>
+          <p:nvPr>
+            <p:ph idx="1" type="body"/>
+          </p:nvPr>
+        </p:nvSpPr>
+        <p:spPr>
+          <a:xfrm>
+            <a:off x="685800" y="4400550"/>
+            <a:ext cx="5486400" cy="3600600"/>
+          </a:xfrm>
+          <a:prstGeom prst="rect">
+            <a:avLst/>
+          </a:prstGeom>
+          <a:noFill/>
+          <a:ln>
+            <a:noFill/>
+          </a:ln>
+        </p:spPr>
+        <p:txBody>
+          <a:bodyPr anchorCtr="0" anchor="ctr" bIns="91425" lIns="91425" spcFirstLastPara="1" rIns="91425" wrap="square" tIns="91425">
+            <a:noAutofit/>
+          </a:bodyPr>
+          <a:lstStyle/>
+          <a:p>
+            <a:pPr indent="0" lvl="0" marL="0" rtl="0" algn="l">
+              <a:lnSpc>
+                <a:spcPct val="100000"/>
+              </a:lnSpc>
+              <a:spcBef>
+                <a:spcPts val="0"/>
+              </a:spcBef>
+              <a:spcAft>
+                <a:spcPts val="0"/>
+              </a:spcAft>
+              <a:buSzPts val="1100"/>
+              <a:buNone/>
+            </a:pPr>
+            <a:r>
+              <a:t/>
+            </a:r>
+            <a:endParaRPr/>
+          </a:p>
+        </p:txBody>
+      </p:sp>
+      <p:sp>
+        <p:nvSpPr>
+          <p:cNvPr id="134" name="Google Shape;134;p8:notes"/>
+          <p:cNvSpPr/>
+          <p:nvPr>
+            <p:ph idx="2" type="sldImg"/>
+          </p:nvPr>
+        </p:nvSpPr>
+        <p:spPr>
+          <a:xfrm>
+            <a:off x="685800" y="1143000"/>
+            <a:ext cx="5486400" cy="3086100"/>
+          </a:xfrm>
+          <a:custGeom>
+            <a:rect b="b" l="l" r="r" t="t"/>
+            <a:pathLst>
+              <a:path extrusionOk="0" h="120000" w="120000">
+                <a:moveTo>
+                  <a:pt x="0" y="0"/>
+                </a:moveTo>
+                <a:lnTo>
+                  <a:pt x="120000" y="0"/>
+                </a:lnTo>
+                <a:lnTo>
+                  <a:pt x="120000" y="120000"/>
+                </a:lnTo>
+                <a:lnTo>
+                  <a:pt x="0" y="120000"/>
+                </a:lnTo>
+                <a:close/>
+              </a:path>
+            </a:pathLst>
+          </a:custGeom>
+          <a:noFill/>
+          <a:ln cap="flat" cmpd="sng" w="9525">
+            <a:solidFill>
+              <a:srgbClr val="000000"/>
+            </a:solidFill>
+            <a:prstDash val="solid"/>
+            <a:round/>
+            <a:headEnd len="sm" w="sm" type="none"/>
+            <a:tailEnd len="sm" w="sm" type="none"/>
+          </a:ln>
+        </p:spPr>
+      </p:sp>
+    </p:spTree>
+  </p:cSld>
+  <p:clrMapOvr>
+    <a:masterClrMapping/>
+  </p:clrMapOvr>
+</p:notes>
+</file>
+
+<file path=ppt/notesSlides/notesSlide11.xml><?xml version="1.0" encoding="utf-8"?>
+<p:notes xmlns:a="http://schemas.openxmlformats.org/drawingml/2006/main" xmlns:r="http://schemas.openxmlformats.org/officeDocument/2006/relationships" xmlns:mc="http://schemas.openxmlformats.org/markup-compatibility/2006" xmlns:mv="urn:schemas-microsoft-com:mac:vml" xmlns:p="http://schemas.openxmlformats.org/presentationml/2006/main" xmlns:c="http://schemas.openxmlformats.org/drawingml/2006/chart" xmlns:dgm="http://schemas.openxmlformats.org/drawingml/2006/diagram" xmlns:o="urn:schemas-microsoft-com:office:office" xmlns:v="urn:schemas-microsoft-com:vml" xmlns:pvml="urn:schemas-microsoft-com:office:powerpoint" xmlns:com="http://schemas.openxmlformats.org/drawingml/2006/compatibility" xmlns:p14="http://schemas.microsoft.com/office/powerpoint/2010/main" xmlns:p15="http://schemas.microsoft.com/office/powerpoint/2012/main" xmlns:ahyp="http://schemas.microsoft.com/office/drawing/2018/hyperlinkcolor" showMasterPhAnim="0" showMasterSp="0">
+  <p:cSld>
+    <p:spTree>
+      <p:nvGrpSpPr>
+        <p:cNvPr id="142" name="Shape 142"/>
+        <p:cNvGrpSpPr/>
+        <p:nvPr/>
+      </p:nvGrpSpPr>
+      <p:grpSpPr>
+        <a:xfrm>
+          <a:off x="0" y="0"/>
+          <a:ext cx="0" cy="0"/>
+          <a:chOff x="0" y="0"/>
+          <a:chExt cx="0" cy="0"/>
+        </a:xfrm>
+      </p:grpSpPr>
+      <p:sp>
+        <p:nvSpPr>
+          <p:cNvPr id="143" name="Google Shape;143;p9:notes"/>
           <p:cNvSpPr/>
           <p:nvPr>
             <p:ph idx="2" type="sldImg"/>
@@ -1037,7 +1156,7 @@
       </p:sp>
       <p:sp>
         <p:nvSpPr>
-          <p:cNvPr id="140" name="Google Shape;140;p10:notes"/>
+          <p:cNvPr id="144" name="Google Shape;144;p9:notes"/>
           <p:cNvSpPr txBox="1"/>
           <p:nvPr>
             <p:ph idx="1" type="body"/>
@@ -1076,52 +1195,9 @@
               <a:buNone/>
             </a:pPr>
             <a:r>
-              <a:rPr lang="en"/>
-              <a:t>If we create layers of neurons and connect them to subsequent layers, what we end up with is a neural network.  This is a powerful concept- each of these neurons is a non linear function, and taken together, this network  can model any function in the world.  The process of discovering the optimal weights of these networks for a given problem is called backpropagation. </a:t>
-            </a:r>
-            <a:endParaRPr/>
-          </a:p>
-          <a:p>
-            <a:pPr indent="0" lvl="0" marL="0" rtl="0" algn="l">
-              <a:lnSpc>
-                <a:spcPct val="100000"/>
-              </a:lnSpc>
-              <a:spcBef>
-                <a:spcPts val="0"/>
-              </a:spcBef>
-              <a:spcAft>
-                <a:spcPts val="0"/>
-              </a:spcAft>
-              <a:buSzPts val="1100"/>
-              <a:buNone/>
-            </a:pPr>
-            <a:r>
               <a:t/>
             </a:r>
             <a:endParaRPr/>
-          </a:p>
-          <a:p>
-            <a:pPr indent="0" lvl="0" marL="0" rtl="0" algn="l">
-              <a:lnSpc>
-                <a:spcPct val="100000"/>
-              </a:lnSpc>
-              <a:spcBef>
-                <a:spcPts val="0"/>
-              </a:spcBef>
-              <a:spcAft>
-                <a:spcPts val="0"/>
-              </a:spcAft>
-              <a:buClr>
-                <a:schemeClr val="dk1"/>
-              </a:buClr>
-              <a:buSzPts val="1100"/>
-              <a:buFont typeface="Arial"/>
-              <a:buNone/>
-            </a:pPr>
-            <a:r>
-              <a:t/>
-            </a:r>
-            <a:endParaRPr sz="1300"/>
           </a:p>
         </p:txBody>
       </p:sp>
@@ -1133,12 +1209,12 @@
 </p:notes>
 </file>
 
-<file path=ppt/notesSlides/notesSlide11.xml><?xml version="1.0" encoding="utf-8"?>
+<file path=ppt/notesSlides/notesSlide12.xml><?xml version="1.0" encoding="utf-8"?>
 <p:notes xmlns:a="http://schemas.openxmlformats.org/drawingml/2006/main" xmlns:r="http://schemas.openxmlformats.org/officeDocument/2006/relationships" xmlns:mc="http://schemas.openxmlformats.org/markup-compatibility/2006" xmlns:mv="urn:schemas-microsoft-com:mac:vml" xmlns:p="http://schemas.openxmlformats.org/presentationml/2006/main" xmlns:c="http://schemas.openxmlformats.org/drawingml/2006/chart" xmlns:dgm="http://schemas.openxmlformats.org/drawingml/2006/diagram" xmlns:o="urn:schemas-microsoft-com:office:office" xmlns:v="urn:schemas-microsoft-com:vml" xmlns:pvml="urn:schemas-microsoft-com:office:powerpoint" xmlns:com="http://schemas.openxmlformats.org/drawingml/2006/compatibility" xmlns:p14="http://schemas.microsoft.com/office/powerpoint/2010/main" xmlns:p15="http://schemas.microsoft.com/office/powerpoint/2012/main" xmlns:ahyp="http://schemas.microsoft.com/office/drawing/2018/hyperlinkcolor" showMasterPhAnim="0" showMasterSp="0">
   <p:cSld>
     <p:spTree>
       <p:nvGrpSpPr>
-        <p:cNvPr id="147" name="Shape 147"/>
+        <p:cNvPr id="150" name="Shape 150"/>
         <p:cNvGrpSpPr/>
         <p:nvPr/>
       </p:nvGrpSpPr>
@@ -1152,7 +1228,7 @@
       </p:grpSpPr>
       <p:sp>
         <p:nvSpPr>
-          <p:cNvPr id="148" name="Google Shape;148;p11:notes"/>
+          <p:cNvPr id="151" name="Google Shape;151;p10:notes"/>
           <p:cNvSpPr/>
           <p:nvPr>
             <p:ph idx="2" type="sldImg"/>
@@ -1197,7 +1273,7 @@
       </p:sp>
       <p:sp>
         <p:nvSpPr>
-          <p:cNvPr id="149" name="Google Shape;149;p11:notes"/>
+          <p:cNvPr id="152" name="Google Shape;152;p10:notes"/>
           <p:cNvSpPr txBox="1"/>
           <p:nvPr>
             <p:ph idx="1" type="body"/>
@@ -1237,9 +1313,51 @@
             </a:pPr>
             <a:r>
               <a:rPr lang="en"/>
-              <a:t>Each layer processes information and outputs  a summarized data, which is further processed till a final output layer</a:t>
+              <a:t>If we create layers of neurons and connect them to subsequent layers, what we end up with is a neural network.  This is a powerful concept- each of these neurons is a non linear function, and taken together, this network  can model any function in the world.  The process of discovering the optimal weights of these networks for a given problem is called backpropagation. </a:t>
             </a:r>
             <a:endParaRPr/>
+          </a:p>
+          <a:p>
+            <a:pPr indent="0" lvl="0" marL="0" rtl="0" algn="l">
+              <a:lnSpc>
+                <a:spcPct val="100000"/>
+              </a:lnSpc>
+              <a:spcBef>
+                <a:spcPts val="0"/>
+              </a:spcBef>
+              <a:spcAft>
+                <a:spcPts val="0"/>
+              </a:spcAft>
+              <a:buSzPts val="1100"/>
+              <a:buNone/>
+            </a:pPr>
+            <a:r>
+              <a:t/>
+            </a:r>
+            <a:endParaRPr/>
+          </a:p>
+          <a:p>
+            <a:pPr indent="0" lvl="0" marL="0" rtl="0" algn="l">
+              <a:lnSpc>
+                <a:spcPct val="100000"/>
+              </a:lnSpc>
+              <a:spcBef>
+                <a:spcPts val="0"/>
+              </a:spcBef>
+              <a:spcAft>
+                <a:spcPts val="0"/>
+              </a:spcAft>
+              <a:buClr>
+                <a:schemeClr val="dk1"/>
+              </a:buClr>
+              <a:buSzPts val="1100"/>
+              <a:buFont typeface="Arial"/>
+              <a:buNone/>
+            </a:pPr>
+            <a:r>
+              <a:t/>
+            </a:r>
+            <a:endParaRPr sz="1300"/>
           </a:p>
         </p:txBody>
       </p:sp>
@@ -1251,12 +1369,12 @@
 </p:notes>
 </file>
 
-<file path=ppt/notesSlides/notesSlide12.xml><?xml version="1.0" encoding="utf-8"?>
+<file path=ppt/notesSlides/notesSlide13.xml><?xml version="1.0" encoding="utf-8"?>
 <p:notes xmlns:a="http://schemas.openxmlformats.org/drawingml/2006/main" xmlns:r="http://schemas.openxmlformats.org/officeDocument/2006/relationships" xmlns:mc="http://schemas.openxmlformats.org/markup-compatibility/2006" xmlns:mv="urn:schemas-microsoft-com:mac:vml" xmlns:p="http://schemas.openxmlformats.org/presentationml/2006/main" xmlns:c="http://schemas.openxmlformats.org/drawingml/2006/chart" xmlns:dgm="http://schemas.openxmlformats.org/drawingml/2006/diagram" xmlns:o="urn:schemas-microsoft-com:office:office" xmlns:v="urn:schemas-microsoft-com:vml" xmlns:pvml="urn:schemas-microsoft-com:office:powerpoint" xmlns:com="http://schemas.openxmlformats.org/drawingml/2006/compatibility" xmlns:p14="http://schemas.microsoft.com/office/powerpoint/2010/main" xmlns:p15="http://schemas.microsoft.com/office/powerpoint/2012/main" xmlns:ahyp="http://schemas.microsoft.com/office/drawing/2018/hyperlinkcolor" showMasterPhAnim="0" showMasterSp="0">
   <p:cSld>
     <p:spTree>
       <p:nvGrpSpPr>
-        <p:cNvPr id="153" name="Shape 153"/>
+        <p:cNvPr id="159" name="Shape 159"/>
         <p:cNvGrpSpPr/>
         <p:nvPr/>
       </p:nvGrpSpPr>
@@ -1270,7 +1388,7 @@
       </p:grpSpPr>
       <p:sp>
         <p:nvSpPr>
-          <p:cNvPr id="154" name="Google Shape;154;p12:notes"/>
+          <p:cNvPr id="160" name="Google Shape;160;p11:notes"/>
           <p:cNvSpPr/>
           <p:nvPr>
             <p:ph idx="2" type="sldImg"/>
@@ -1315,7 +1433,7 @@
       </p:sp>
       <p:sp>
         <p:nvSpPr>
-          <p:cNvPr id="155" name="Google Shape;155;p12:notes"/>
+          <p:cNvPr id="161" name="Google Shape;161;p11:notes"/>
           <p:cNvSpPr txBox="1"/>
           <p:nvPr>
             <p:ph idx="1" type="body"/>
@@ -1354,7 +1472,8 @@
               <a:buNone/>
             </a:pPr>
             <a:r>
-              <a:t/>
+              <a:rPr lang="en"/>
+              <a:t>Each layer processes information and outputs  a summarized data, which is further processed till a final output layer</a:t>
             </a:r>
             <a:endParaRPr/>
           </a:p>
@@ -1368,12 +1487,12 @@
 </p:notes>
 </file>
 
-<file path=ppt/notesSlides/notesSlide13.xml><?xml version="1.0" encoding="utf-8"?>
+<file path=ppt/notesSlides/notesSlide14.xml><?xml version="1.0" encoding="utf-8"?>
 <p:notes xmlns:a="http://schemas.openxmlformats.org/drawingml/2006/main" xmlns:r="http://schemas.openxmlformats.org/officeDocument/2006/relationships" xmlns:mc="http://schemas.openxmlformats.org/markup-compatibility/2006" xmlns:mv="urn:schemas-microsoft-com:mac:vml" xmlns:p="http://schemas.openxmlformats.org/presentationml/2006/main" xmlns:c="http://schemas.openxmlformats.org/drawingml/2006/chart" xmlns:dgm="http://schemas.openxmlformats.org/drawingml/2006/diagram" xmlns:o="urn:schemas-microsoft-com:office:office" xmlns:v="urn:schemas-microsoft-com:vml" xmlns:pvml="urn:schemas-microsoft-com:office:powerpoint" xmlns:com="http://schemas.openxmlformats.org/drawingml/2006/compatibility" xmlns:p14="http://schemas.microsoft.com/office/powerpoint/2010/main" xmlns:p15="http://schemas.microsoft.com/office/powerpoint/2012/main" xmlns:ahyp="http://schemas.microsoft.com/office/drawing/2018/hyperlinkcolor" showMasterPhAnim="0" showMasterSp="0">
   <p:cSld>
     <p:spTree>
       <p:nvGrpSpPr>
-        <p:cNvPr id="159" name="Shape 159"/>
+        <p:cNvPr id="165" name="Shape 165"/>
         <p:cNvGrpSpPr/>
         <p:nvPr/>
       </p:nvGrpSpPr>
@@ -1387,7 +1506,7 @@
       </p:grpSpPr>
       <p:sp>
         <p:nvSpPr>
-          <p:cNvPr id="160" name="Google Shape;160;p13:notes"/>
+          <p:cNvPr id="166" name="Google Shape;166;p12:notes"/>
           <p:cNvSpPr/>
           <p:nvPr>
             <p:ph idx="2" type="sldImg"/>
@@ -1432,7 +1551,7 @@
       </p:sp>
       <p:sp>
         <p:nvSpPr>
-          <p:cNvPr id="161" name="Google Shape;161;p13:notes"/>
+          <p:cNvPr id="167" name="Google Shape;167;p12:notes"/>
           <p:cNvSpPr txBox="1"/>
           <p:nvPr>
             <p:ph idx="1" type="body"/>
@@ -1471,8 +1590,7 @@
               <a:buNone/>
             </a:pPr>
             <a:r>
-              <a:rPr lang="en"/>
-              <a:t>Now we can frame the next token given a current phrase as a classification problem.</a:t>
+              <a:t/>
             </a:r>
             <a:endParaRPr/>
           </a:p>
@@ -1486,12 +1604,12 @@
 </p:notes>
 </file>
 
-<file path=ppt/notesSlides/notesSlide14.xml><?xml version="1.0" encoding="utf-8"?>
+<file path=ppt/notesSlides/notesSlide15.xml><?xml version="1.0" encoding="utf-8"?>
 <p:notes xmlns:a="http://schemas.openxmlformats.org/drawingml/2006/main" xmlns:r="http://schemas.openxmlformats.org/officeDocument/2006/relationships" xmlns:mc="http://schemas.openxmlformats.org/markup-compatibility/2006" xmlns:mv="urn:schemas-microsoft-com:mac:vml" xmlns:p="http://schemas.openxmlformats.org/presentationml/2006/main" xmlns:c="http://schemas.openxmlformats.org/drawingml/2006/chart" xmlns:dgm="http://schemas.openxmlformats.org/drawingml/2006/diagram" xmlns:o="urn:schemas-microsoft-com:office:office" xmlns:v="urn:schemas-microsoft-com:vml" xmlns:pvml="urn:schemas-microsoft-com:office:powerpoint" xmlns:com="http://schemas.openxmlformats.org/drawingml/2006/compatibility" xmlns:p14="http://schemas.microsoft.com/office/powerpoint/2010/main" xmlns:p15="http://schemas.microsoft.com/office/powerpoint/2012/main" xmlns:ahyp="http://schemas.microsoft.com/office/drawing/2018/hyperlinkcolor" showMasterPhAnim="0" showMasterSp="0">
   <p:cSld>
     <p:spTree>
       <p:nvGrpSpPr>
-        <p:cNvPr id="165" name="Shape 165"/>
+        <p:cNvPr id="171" name="Shape 171"/>
         <p:cNvGrpSpPr/>
         <p:nvPr/>
       </p:nvGrpSpPr>
@@ -1505,7 +1623,7 @@
       </p:grpSpPr>
       <p:sp>
         <p:nvSpPr>
-          <p:cNvPr id="166" name="Google Shape;166;p14:notes"/>
+          <p:cNvPr id="172" name="Google Shape;172;p13:notes"/>
           <p:cNvSpPr/>
           <p:nvPr>
             <p:ph idx="2" type="sldImg"/>
@@ -1550,7 +1668,7 @@
       </p:sp>
       <p:sp>
         <p:nvSpPr>
-          <p:cNvPr id="167" name="Google Shape;167;p14:notes"/>
+          <p:cNvPr id="173" name="Google Shape;173;p13:notes"/>
           <p:cNvSpPr txBox="1"/>
           <p:nvPr>
             <p:ph idx="1" type="body"/>
@@ -1589,7 +1707,8 @@
               <a:buNone/>
             </a:pPr>
             <a:r>
-              <a:t/>
+              <a:rPr lang="en"/>
+              <a:t>Now we can frame the next token given a current phrase as a classification problem.</a:t>
             </a:r>
             <a:endParaRPr/>
           </a:p>
@@ -1603,12 +1722,12 @@
 </p:notes>
 </file>
 
-<file path=ppt/notesSlides/notesSlide15.xml><?xml version="1.0" encoding="utf-8"?>
+<file path=ppt/notesSlides/notesSlide16.xml><?xml version="1.0" encoding="utf-8"?>
 <p:notes xmlns:a="http://schemas.openxmlformats.org/drawingml/2006/main" xmlns:r="http://schemas.openxmlformats.org/officeDocument/2006/relationships" xmlns:mc="http://schemas.openxmlformats.org/markup-compatibility/2006" xmlns:mv="urn:schemas-microsoft-com:mac:vml" xmlns:p="http://schemas.openxmlformats.org/presentationml/2006/main" xmlns:c="http://schemas.openxmlformats.org/drawingml/2006/chart" xmlns:dgm="http://schemas.openxmlformats.org/drawingml/2006/diagram" xmlns:o="urn:schemas-microsoft-com:office:office" xmlns:v="urn:schemas-microsoft-com:vml" xmlns:pvml="urn:schemas-microsoft-com:office:powerpoint" xmlns:com="http://schemas.openxmlformats.org/drawingml/2006/compatibility" xmlns:p14="http://schemas.microsoft.com/office/powerpoint/2010/main" xmlns:p15="http://schemas.microsoft.com/office/powerpoint/2012/main" xmlns:ahyp="http://schemas.microsoft.com/office/drawing/2018/hyperlinkcolor" showMasterPhAnim="0" showMasterSp="0">
   <p:cSld>
     <p:spTree>
       <p:nvGrpSpPr>
-        <p:cNvPr id="170" name="Shape 170"/>
+        <p:cNvPr id="177" name="Shape 177"/>
         <p:cNvGrpSpPr/>
         <p:nvPr/>
       </p:nvGrpSpPr>
@@ -1622,7 +1741,7 @@
       </p:grpSpPr>
       <p:sp>
         <p:nvSpPr>
-          <p:cNvPr id="171" name="Google Shape;171;p15:notes"/>
+          <p:cNvPr id="178" name="Google Shape;178;p14:notes"/>
           <p:cNvSpPr/>
           <p:nvPr>
             <p:ph idx="2" type="sldImg"/>
@@ -1667,7 +1786,7 @@
       </p:sp>
       <p:sp>
         <p:nvSpPr>
-          <p:cNvPr id="172" name="Google Shape;172;p15:notes"/>
+          <p:cNvPr id="179" name="Google Shape;179;p14:notes"/>
           <p:cNvSpPr txBox="1"/>
           <p:nvPr>
             <p:ph idx="1" type="body"/>
@@ -1720,12 +1839,12 @@
 </p:notes>
 </file>
 
-<file path=ppt/notesSlides/notesSlide16.xml><?xml version="1.0" encoding="utf-8"?>
+<file path=ppt/notesSlides/notesSlide17.xml><?xml version="1.0" encoding="utf-8"?>
 <p:notes xmlns:a="http://schemas.openxmlformats.org/drawingml/2006/main" xmlns:r="http://schemas.openxmlformats.org/officeDocument/2006/relationships" xmlns:mc="http://schemas.openxmlformats.org/markup-compatibility/2006" xmlns:mv="urn:schemas-microsoft-com:mac:vml" xmlns:p="http://schemas.openxmlformats.org/presentationml/2006/main" xmlns:c="http://schemas.openxmlformats.org/drawingml/2006/chart" xmlns:dgm="http://schemas.openxmlformats.org/drawingml/2006/diagram" xmlns:o="urn:schemas-microsoft-com:office:office" xmlns:v="urn:schemas-microsoft-com:vml" xmlns:pvml="urn:schemas-microsoft-com:office:powerpoint" xmlns:com="http://schemas.openxmlformats.org/drawingml/2006/compatibility" xmlns:p14="http://schemas.microsoft.com/office/powerpoint/2010/main" xmlns:p15="http://schemas.microsoft.com/office/powerpoint/2012/main" xmlns:ahyp="http://schemas.microsoft.com/office/drawing/2018/hyperlinkcolor" showMasterPhAnim="0" showMasterSp="0">
   <p:cSld>
     <p:spTree>
       <p:nvGrpSpPr>
-        <p:cNvPr id="176" name="Shape 176"/>
+        <p:cNvPr id="182" name="Shape 182"/>
         <p:cNvGrpSpPr/>
         <p:nvPr/>
       </p:nvGrpSpPr>
@@ -1739,7 +1858,7 @@
       </p:grpSpPr>
       <p:sp>
         <p:nvSpPr>
-          <p:cNvPr id="177" name="Google Shape;177;p16:notes"/>
+          <p:cNvPr id="183" name="Google Shape;183;p15:notes"/>
           <p:cNvSpPr/>
           <p:nvPr>
             <p:ph idx="2" type="sldImg"/>
@@ -1784,7 +1903,7 @@
       </p:sp>
       <p:sp>
         <p:nvSpPr>
-          <p:cNvPr id="178" name="Google Shape;178;p16:notes"/>
+          <p:cNvPr id="184" name="Google Shape;184;p15:notes"/>
           <p:cNvSpPr txBox="1"/>
           <p:nvPr>
             <p:ph idx="1" type="body"/>
@@ -1837,12 +1956,12 @@
 </p:notes>
 </file>
 
-<file path=ppt/notesSlides/notesSlide17.xml><?xml version="1.0" encoding="utf-8"?>
+<file path=ppt/notesSlides/notesSlide18.xml><?xml version="1.0" encoding="utf-8"?>
 <p:notes xmlns:a="http://schemas.openxmlformats.org/drawingml/2006/main" xmlns:r="http://schemas.openxmlformats.org/officeDocument/2006/relationships" xmlns:mc="http://schemas.openxmlformats.org/markup-compatibility/2006" xmlns:mv="urn:schemas-microsoft-com:mac:vml" xmlns:p="http://schemas.openxmlformats.org/presentationml/2006/main" xmlns:c="http://schemas.openxmlformats.org/drawingml/2006/chart" xmlns:dgm="http://schemas.openxmlformats.org/drawingml/2006/diagram" xmlns:o="urn:schemas-microsoft-com:office:office" xmlns:v="urn:schemas-microsoft-com:vml" xmlns:pvml="urn:schemas-microsoft-com:office:powerpoint" xmlns:com="http://schemas.openxmlformats.org/drawingml/2006/compatibility" xmlns:p14="http://schemas.microsoft.com/office/powerpoint/2010/main" xmlns:p15="http://schemas.microsoft.com/office/powerpoint/2012/main" xmlns:ahyp="http://schemas.microsoft.com/office/drawing/2018/hyperlinkcolor" showMasterPhAnim="0" showMasterSp="0">
   <p:cSld>
     <p:spTree>
       <p:nvGrpSpPr>
-        <p:cNvPr id="181" name="Shape 181"/>
+        <p:cNvPr id="188" name="Shape 188"/>
         <p:cNvGrpSpPr/>
         <p:nvPr/>
       </p:nvGrpSpPr>
@@ -1856,7 +1975,7 @@
       </p:grpSpPr>
       <p:sp>
         <p:nvSpPr>
-          <p:cNvPr id="182" name="Google Shape;182;p17:notes"/>
+          <p:cNvPr id="189" name="Google Shape;189;p16:notes"/>
           <p:cNvSpPr/>
           <p:nvPr>
             <p:ph idx="2" type="sldImg"/>
@@ -1901,7 +2020,7 @@
       </p:sp>
       <p:sp>
         <p:nvSpPr>
-          <p:cNvPr id="183" name="Google Shape;183;p17:notes"/>
+          <p:cNvPr id="190" name="Google Shape;190;p16:notes"/>
           <p:cNvSpPr txBox="1"/>
           <p:nvPr>
             <p:ph idx="1" type="body"/>
@@ -1954,12 +2073,12 @@
 </p:notes>
 </file>
 
-<file path=ppt/notesSlides/notesSlide18.xml><?xml version="1.0" encoding="utf-8"?>
+<file path=ppt/notesSlides/notesSlide19.xml><?xml version="1.0" encoding="utf-8"?>
 <p:notes xmlns:a="http://schemas.openxmlformats.org/drawingml/2006/main" xmlns:r="http://schemas.openxmlformats.org/officeDocument/2006/relationships" xmlns:mc="http://schemas.openxmlformats.org/markup-compatibility/2006" xmlns:mv="urn:schemas-microsoft-com:mac:vml" xmlns:p="http://schemas.openxmlformats.org/presentationml/2006/main" xmlns:c="http://schemas.openxmlformats.org/drawingml/2006/chart" xmlns:dgm="http://schemas.openxmlformats.org/drawingml/2006/diagram" xmlns:o="urn:schemas-microsoft-com:office:office" xmlns:v="urn:schemas-microsoft-com:vml" xmlns:pvml="urn:schemas-microsoft-com:office:powerpoint" xmlns:com="http://schemas.openxmlformats.org/drawingml/2006/compatibility" xmlns:p14="http://schemas.microsoft.com/office/powerpoint/2010/main" xmlns:p15="http://schemas.microsoft.com/office/powerpoint/2012/main" xmlns:ahyp="http://schemas.microsoft.com/office/drawing/2018/hyperlinkcolor" showMasterPhAnim="0" showMasterSp="0">
   <p:cSld>
     <p:spTree>
       <p:nvGrpSpPr>
-        <p:cNvPr id="187" name="Shape 187"/>
+        <p:cNvPr id="193" name="Shape 193"/>
         <p:cNvGrpSpPr/>
         <p:nvPr/>
       </p:nvGrpSpPr>
@@ -1973,7 +2092,7 @@
       </p:grpSpPr>
       <p:sp>
         <p:nvSpPr>
-          <p:cNvPr id="188" name="Google Shape;188;p18:notes"/>
+          <p:cNvPr id="194" name="Google Shape;194;p17:notes"/>
           <p:cNvSpPr/>
           <p:nvPr>
             <p:ph idx="2" type="sldImg"/>
@@ -2018,124 +2137,7 @@
       </p:sp>
       <p:sp>
         <p:nvSpPr>
-          <p:cNvPr id="189" name="Google Shape;189;p18:notes"/>
-          <p:cNvSpPr txBox="1"/>
-          <p:nvPr>
-            <p:ph idx="1" type="body"/>
-          </p:nvPr>
-        </p:nvSpPr>
-        <p:spPr>
-          <a:xfrm>
-            <a:off x="685800" y="4343400"/>
-            <a:ext cx="5486400" cy="4114800"/>
-          </a:xfrm>
-          <a:prstGeom prst="rect">
-            <a:avLst/>
-          </a:prstGeom>
-          <a:noFill/>
-          <a:ln>
-            <a:noFill/>
-          </a:ln>
-        </p:spPr>
-        <p:txBody>
-          <a:bodyPr anchorCtr="0" anchor="t" bIns="91425" lIns="91425" spcFirstLastPara="1" rIns="91425" wrap="square" tIns="91425">
-            <a:noAutofit/>
-          </a:bodyPr>
-          <a:lstStyle/>
-          <a:p>
-            <a:pPr indent="0" lvl="0" marL="0" rtl="0" algn="l">
-              <a:lnSpc>
-                <a:spcPct val="100000"/>
-              </a:lnSpc>
-              <a:spcBef>
-                <a:spcPts val="0"/>
-              </a:spcBef>
-              <a:spcAft>
-                <a:spcPts val="0"/>
-              </a:spcAft>
-              <a:buSzPts val="1100"/>
-              <a:buNone/>
-            </a:pPr>
-            <a:r>
-              <a:t/>
-            </a:r>
-            <a:endParaRPr/>
-          </a:p>
-        </p:txBody>
-      </p:sp>
-    </p:spTree>
-  </p:cSld>
-  <p:clrMapOvr>
-    <a:masterClrMapping/>
-  </p:clrMapOvr>
-</p:notes>
-</file>
-
-<file path=ppt/notesSlides/notesSlide19.xml><?xml version="1.0" encoding="utf-8"?>
-<p:notes xmlns:a="http://schemas.openxmlformats.org/drawingml/2006/main" xmlns:r="http://schemas.openxmlformats.org/officeDocument/2006/relationships" xmlns:mc="http://schemas.openxmlformats.org/markup-compatibility/2006" xmlns:mv="urn:schemas-microsoft-com:mac:vml" xmlns:p="http://schemas.openxmlformats.org/presentationml/2006/main" xmlns:c="http://schemas.openxmlformats.org/drawingml/2006/chart" xmlns:dgm="http://schemas.openxmlformats.org/drawingml/2006/diagram" xmlns:o="urn:schemas-microsoft-com:office:office" xmlns:v="urn:schemas-microsoft-com:vml" xmlns:pvml="urn:schemas-microsoft-com:office:powerpoint" xmlns:com="http://schemas.openxmlformats.org/drawingml/2006/compatibility" xmlns:p14="http://schemas.microsoft.com/office/powerpoint/2010/main" xmlns:p15="http://schemas.microsoft.com/office/powerpoint/2012/main" xmlns:ahyp="http://schemas.microsoft.com/office/drawing/2018/hyperlinkcolor" showMasterPhAnim="0" showMasterSp="0">
-  <p:cSld>
-    <p:spTree>
-      <p:nvGrpSpPr>
-        <p:cNvPr id="192" name="Shape 192"/>
-        <p:cNvGrpSpPr/>
-        <p:nvPr/>
-      </p:nvGrpSpPr>
-      <p:grpSpPr>
-        <a:xfrm>
-          <a:off x="0" y="0"/>
-          <a:ext cx="0" cy="0"/>
-          <a:chOff x="0" y="0"/>
-          <a:chExt cx="0" cy="0"/>
-        </a:xfrm>
-      </p:grpSpPr>
-      <p:sp>
-        <p:nvSpPr>
-          <p:cNvPr id="193" name="Google Shape;193;p19:notes"/>
-          <p:cNvSpPr/>
-          <p:nvPr>
-            <p:ph idx="2" type="sldImg"/>
-          </p:nvPr>
-        </p:nvSpPr>
-        <p:spPr>
-          <a:xfrm>
-            <a:off x="381300" y="685800"/>
-            <a:ext cx="6096000" cy="3429000"/>
-          </a:xfrm>
-          <a:custGeom>
-            <a:rect b="b" l="l" r="r" t="t"/>
-            <a:pathLst>
-              <a:path extrusionOk="0" h="120000" w="120000">
-                <a:moveTo>
-                  <a:pt x="0" y="0"/>
-                </a:moveTo>
-                <a:lnTo>
-                  <a:pt x="120000" y="0"/>
-                </a:lnTo>
-                <a:lnTo>
-                  <a:pt x="120000" y="120000"/>
-                </a:lnTo>
-                <a:lnTo>
-                  <a:pt x="0" y="120000"/>
-                </a:lnTo>
-                <a:close/>
-              </a:path>
-            </a:pathLst>
-          </a:custGeom>
-          <a:noFill/>
-          <a:ln cap="flat" cmpd="sng" w="9525">
-            <a:solidFill>
-              <a:srgbClr val="000000"/>
-            </a:solidFill>
-            <a:prstDash val="solid"/>
-            <a:round/>
-            <a:headEnd len="sm" w="sm" type="none"/>
-            <a:tailEnd len="sm" w="sm" type="none"/>
-          </a:ln>
-        </p:spPr>
-      </p:sp>
-      <p:sp>
-        <p:nvSpPr>
-          <p:cNvPr id="194" name="Google Shape;194;p19:notes"/>
+          <p:cNvPr id="195" name="Google Shape;195;p17:notes"/>
           <p:cNvSpPr txBox="1"/>
           <p:nvPr>
             <p:ph idx="1" type="body"/>
@@ -2310,7 +2312,7 @@
   <p:cSld>
     <p:spTree>
       <p:nvGrpSpPr>
-        <p:cNvPr id="198" name="Shape 198"/>
+        <p:cNvPr id="199" name="Shape 199"/>
         <p:cNvGrpSpPr/>
         <p:nvPr/>
       </p:nvGrpSpPr>
@@ -2324,7 +2326,7 @@
       </p:grpSpPr>
       <p:sp>
         <p:nvSpPr>
-          <p:cNvPr id="199" name="Google Shape;199;p20:notes"/>
+          <p:cNvPr id="200" name="Google Shape;200;p18:notes"/>
           <p:cNvSpPr/>
           <p:nvPr>
             <p:ph idx="2" type="sldImg"/>
@@ -2369,7 +2371,7 @@
       </p:sp>
       <p:sp>
         <p:nvSpPr>
-          <p:cNvPr id="200" name="Google Shape;200;p20:notes"/>
+          <p:cNvPr id="201" name="Google Shape;201;p18:notes"/>
           <p:cNvSpPr txBox="1"/>
           <p:nvPr>
             <p:ph idx="1" type="body"/>
@@ -2441,7 +2443,7 @@
       </p:grpSpPr>
       <p:sp>
         <p:nvSpPr>
-          <p:cNvPr id="205" name="Google Shape;205;p21:notes"/>
+          <p:cNvPr id="205" name="Google Shape;205;p19:notes"/>
           <p:cNvSpPr/>
           <p:nvPr>
             <p:ph idx="2" type="sldImg"/>
@@ -2486,7 +2488,7 @@
       </p:sp>
       <p:sp>
         <p:nvSpPr>
-          <p:cNvPr id="206" name="Google Shape;206;p21:notes"/>
+          <p:cNvPr id="206" name="Google Shape;206;p19:notes"/>
           <p:cNvSpPr txBox="1"/>
           <p:nvPr>
             <p:ph idx="1" type="body"/>
@@ -2558,7 +2560,7 @@
       </p:grpSpPr>
       <p:sp>
         <p:nvSpPr>
-          <p:cNvPr id="211" name="Google Shape;211;p22:notes"/>
+          <p:cNvPr id="211" name="Google Shape;211;p20:notes"/>
           <p:cNvSpPr/>
           <p:nvPr>
             <p:ph idx="2" type="sldImg"/>
@@ -2603,7 +2605,7 @@
       </p:sp>
       <p:sp>
         <p:nvSpPr>
-          <p:cNvPr id="212" name="Google Shape;212;p22:notes"/>
+          <p:cNvPr id="212" name="Google Shape;212;p20:notes"/>
           <p:cNvSpPr txBox="1"/>
           <p:nvPr>
             <p:ph idx="1" type="body"/>
@@ -2675,7 +2677,7 @@
       </p:grpSpPr>
       <p:sp>
         <p:nvSpPr>
-          <p:cNvPr id="217" name="Google Shape;217;p23:notes"/>
+          <p:cNvPr id="217" name="Google Shape;217;p21:notes"/>
           <p:cNvSpPr/>
           <p:nvPr>
             <p:ph idx="2" type="sldImg"/>
@@ -2720,7 +2722,7 @@
       </p:sp>
       <p:sp>
         <p:nvSpPr>
-          <p:cNvPr id="218" name="Google Shape;218;p23:notes"/>
+          <p:cNvPr id="218" name="Google Shape;218;p21:notes"/>
           <p:cNvSpPr txBox="1"/>
           <p:nvPr>
             <p:ph idx="1" type="body"/>
@@ -2792,7 +2794,7 @@
       </p:grpSpPr>
       <p:sp>
         <p:nvSpPr>
-          <p:cNvPr id="223" name="Google Shape;223;p24:notes"/>
+          <p:cNvPr id="223" name="Google Shape;223;p22:notes"/>
           <p:cNvSpPr/>
           <p:nvPr>
             <p:ph idx="2" type="sldImg"/>
@@ -2837,7 +2839,7 @@
       </p:sp>
       <p:sp>
         <p:nvSpPr>
-          <p:cNvPr id="224" name="Google Shape;224;p24:notes"/>
+          <p:cNvPr id="224" name="Google Shape;224;p22:notes"/>
           <p:cNvSpPr txBox="1"/>
           <p:nvPr>
             <p:ph idx="1" type="body"/>
@@ -2890,12 +2892,12 @@
 </p:notes>
 </file>
 
-<file path=ppt/notesSlides/notesSlide3.xml><?xml version="1.0" encoding="utf-8"?>
+<file path=ppt/notesSlides/notesSlide25.xml><?xml version="1.0" encoding="utf-8"?>
 <p:notes xmlns:a="http://schemas.openxmlformats.org/drawingml/2006/main" xmlns:r="http://schemas.openxmlformats.org/officeDocument/2006/relationships" xmlns:mc="http://schemas.openxmlformats.org/markup-compatibility/2006" xmlns:mv="urn:schemas-microsoft-com:mac:vml" xmlns:p="http://schemas.openxmlformats.org/presentationml/2006/main" xmlns:c="http://schemas.openxmlformats.org/drawingml/2006/chart" xmlns:dgm="http://schemas.openxmlformats.org/drawingml/2006/diagram" xmlns:o="urn:schemas-microsoft-com:office:office" xmlns:v="urn:schemas-microsoft-com:vml" xmlns:pvml="urn:schemas-microsoft-com:office:powerpoint" xmlns:com="http://schemas.openxmlformats.org/drawingml/2006/compatibility" xmlns:p14="http://schemas.microsoft.com/office/powerpoint/2010/main" xmlns:p15="http://schemas.microsoft.com/office/powerpoint/2012/main" xmlns:ahyp="http://schemas.microsoft.com/office/drawing/2018/hyperlinkcolor" showMasterPhAnim="0" showMasterSp="0">
   <p:cSld>
     <p:spTree>
       <p:nvGrpSpPr>
-        <p:cNvPr id="85" name="Shape 85"/>
+        <p:cNvPr id="228" name="Shape 228"/>
         <p:cNvGrpSpPr/>
         <p:nvPr/>
       </p:nvGrpSpPr>
@@ -2909,7 +2911,7 @@
       </p:grpSpPr>
       <p:sp>
         <p:nvSpPr>
-          <p:cNvPr id="86" name="Google Shape;86;p3:notes"/>
+          <p:cNvPr id="229" name="Google Shape;229;p23:notes"/>
           <p:cNvSpPr/>
           <p:nvPr>
             <p:ph idx="2" type="sldImg"/>
@@ -2954,7 +2956,7 @@
       </p:sp>
       <p:sp>
         <p:nvSpPr>
-          <p:cNvPr id="87" name="Google Shape;87;p3:notes"/>
+          <p:cNvPr id="230" name="Google Shape;230;p23:notes"/>
           <p:cNvSpPr txBox="1"/>
           <p:nvPr>
             <p:ph idx="1" type="body"/>
@@ -3007,12 +3009,12 @@
 </p:notes>
 </file>
 
-<file path=ppt/notesSlides/notesSlide4.xml><?xml version="1.0" encoding="utf-8"?>
+<file path=ppt/notesSlides/notesSlide26.xml><?xml version="1.0" encoding="utf-8"?>
 <p:notes xmlns:a="http://schemas.openxmlformats.org/drawingml/2006/main" xmlns:r="http://schemas.openxmlformats.org/officeDocument/2006/relationships" xmlns:mc="http://schemas.openxmlformats.org/markup-compatibility/2006" xmlns:mv="urn:schemas-microsoft-com:mac:vml" xmlns:p="http://schemas.openxmlformats.org/presentationml/2006/main" xmlns:c="http://schemas.openxmlformats.org/drawingml/2006/chart" xmlns:dgm="http://schemas.openxmlformats.org/drawingml/2006/diagram" xmlns:o="urn:schemas-microsoft-com:office:office" xmlns:v="urn:schemas-microsoft-com:vml" xmlns:pvml="urn:schemas-microsoft-com:office:powerpoint" xmlns:com="http://schemas.openxmlformats.org/drawingml/2006/compatibility" xmlns:p14="http://schemas.microsoft.com/office/powerpoint/2010/main" xmlns:p15="http://schemas.microsoft.com/office/powerpoint/2012/main" xmlns:ahyp="http://schemas.microsoft.com/office/drawing/2018/hyperlinkcolor" showMasterPhAnim="0" showMasterSp="0">
   <p:cSld>
     <p:spTree>
       <p:nvGrpSpPr>
-        <p:cNvPr id="90" name="Shape 90"/>
+        <p:cNvPr id="234" name="Shape 234"/>
         <p:cNvGrpSpPr/>
         <p:nvPr/>
       </p:nvGrpSpPr>
@@ -3026,7 +3028,7 @@
       </p:grpSpPr>
       <p:sp>
         <p:nvSpPr>
-          <p:cNvPr id="91" name="Google Shape;91;p4:notes"/>
+          <p:cNvPr id="235" name="Google Shape;235;p24:notes"/>
           <p:cNvSpPr/>
           <p:nvPr>
             <p:ph idx="2" type="sldImg"/>
@@ -3071,7 +3073,7 @@
       </p:sp>
       <p:sp>
         <p:nvSpPr>
-          <p:cNvPr id="92" name="Google Shape;92;p4:notes"/>
+          <p:cNvPr id="236" name="Google Shape;236;p24:notes"/>
           <p:cNvSpPr txBox="1"/>
           <p:nvPr>
             <p:ph idx="1" type="body"/>
@@ -3124,12 +3126,12 @@
 </p:notes>
 </file>
 
-<file path=ppt/notesSlides/notesSlide5.xml><?xml version="1.0" encoding="utf-8"?>
+<file path=ppt/notesSlides/notesSlide3.xml><?xml version="1.0" encoding="utf-8"?>
 <p:notes xmlns:a="http://schemas.openxmlformats.org/drawingml/2006/main" xmlns:r="http://schemas.openxmlformats.org/officeDocument/2006/relationships" xmlns:mc="http://schemas.openxmlformats.org/markup-compatibility/2006" xmlns:mv="urn:schemas-microsoft-com:mac:vml" xmlns:p="http://schemas.openxmlformats.org/presentationml/2006/main" xmlns:c="http://schemas.openxmlformats.org/drawingml/2006/chart" xmlns:dgm="http://schemas.openxmlformats.org/drawingml/2006/diagram" xmlns:o="urn:schemas-microsoft-com:office:office" xmlns:v="urn:schemas-microsoft-com:vml" xmlns:pvml="urn:schemas-microsoft-com:office:powerpoint" xmlns:com="http://schemas.openxmlformats.org/drawingml/2006/compatibility" xmlns:p14="http://schemas.microsoft.com/office/powerpoint/2010/main" xmlns:p15="http://schemas.microsoft.com/office/powerpoint/2012/main" xmlns:ahyp="http://schemas.microsoft.com/office/drawing/2018/hyperlinkcolor" showMasterPhAnim="0" showMasterSp="0">
   <p:cSld>
     <p:spTree>
       <p:nvGrpSpPr>
-        <p:cNvPr id="97" name="Shape 97"/>
+        <p:cNvPr id="85" name="Shape 85"/>
         <p:cNvGrpSpPr/>
         <p:nvPr/>
       </p:nvGrpSpPr>
@@ -3143,7 +3145,7 @@
       </p:grpSpPr>
       <p:sp>
         <p:nvSpPr>
-          <p:cNvPr id="98" name="Google Shape;98;p5:notes"/>
+          <p:cNvPr id="86" name="Google Shape;86;g3b4a4261da7_0_5:notes"/>
           <p:cNvSpPr/>
           <p:nvPr>
             <p:ph idx="2" type="sldImg"/>
@@ -3188,7 +3190,7 @@
       </p:sp>
       <p:sp>
         <p:nvSpPr>
-          <p:cNvPr id="99" name="Google Shape;99;p5:notes"/>
+          <p:cNvPr id="87" name="Google Shape;87;g3b4a4261da7_0_5:notes"/>
           <p:cNvSpPr txBox="1"/>
           <p:nvPr>
             <p:ph idx="1" type="body"/>
@@ -3241,12 +3243,12 @@
 </p:notes>
 </file>
 
-<file path=ppt/notesSlides/notesSlide6.xml><?xml version="1.0" encoding="utf-8"?>
+<file path=ppt/notesSlides/notesSlide4.xml><?xml version="1.0" encoding="utf-8"?>
 <p:notes xmlns:a="http://schemas.openxmlformats.org/drawingml/2006/main" xmlns:r="http://schemas.openxmlformats.org/officeDocument/2006/relationships" xmlns:mc="http://schemas.openxmlformats.org/markup-compatibility/2006" xmlns:mv="urn:schemas-microsoft-com:mac:vml" xmlns:p="http://schemas.openxmlformats.org/presentationml/2006/main" xmlns:c="http://schemas.openxmlformats.org/drawingml/2006/chart" xmlns:dgm="http://schemas.openxmlformats.org/drawingml/2006/diagram" xmlns:o="urn:schemas-microsoft-com:office:office" xmlns:v="urn:schemas-microsoft-com:vml" xmlns:pvml="urn:schemas-microsoft-com:office:powerpoint" xmlns:com="http://schemas.openxmlformats.org/drawingml/2006/compatibility" xmlns:p14="http://schemas.microsoft.com/office/powerpoint/2010/main" xmlns:p15="http://schemas.microsoft.com/office/powerpoint/2012/main" xmlns:ahyp="http://schemas.microsoft.com/office/drawing/2018/hyperlinkcolor" showMasterPhAnim="0" showMasterSp="0">
   <p:cSld>
     <p:spTree>
       <p:nvGrpSpPr>
-        <p:cNvPr id="104" name="Shape 104"/>
+        <p:cNvPr id="91" name="Shape 91"/>
         <p:cNvGrpSpPr/>
         <p:nvPr/>
       </p:nvGrpSpPr>
@@ -3260,54 +3262,7 @@
       </p:grpSpPr>
       <p:sp>
         <p:nvSpPr>
-          <p:cNvPr id="105" name="Google Shape;105;p6:notes"/>
-          <p:cNvSpPr txBox="1"/>
-          <p:nvPr>
-            <p:ph idx="1" type="body"/>
-          </p:nvPr>
-        </p:nvSpPr>
-        <p:spPr>
-          <a:xfrm>
-            <a:off x="685800" y="4400550"/>
-            <a:ext cx="5486400" cy="3600600"/>
-          </a:xfrm>
-          <a:prstGeom prst="rect">
-            <a:avLst/>
-          </a:prstGeom>
-          <a:noFill/>
-          <a:ln>
-            <a:noFill/>
-          </a:ln>
-        </p:spPr>
-        <p:txBody>
-          <a:bodyPr anchorCtr="0" anchor="ctr" bIns="91425" lIns="91425" spcFirstLastPara="1" rIns="91425" wrap="square" tIns="91425">
-            <a:noAutofit/>
-          </a:bodyPr>
-          <a:lstStyle/>
-          <a:p>
-            <a:pPr indent="0" lvl="0" marL="0" rtl="0" algn="l">
-              <a:lnSpc>
-                <a:spcPct val="100000"/>
-              </a:lnSpc>
-              <a:spcBef>
-                <a:spcPts val="0"/>
-              </a:spcBef>
-              <a:spcAft>
-                <a:spcPts val="0"/>
-              </a:spcAft>
-              <a:buSzPts val="1100"/>
-              <a:buNone/>
-            </a:pPr>
-            <a:r>
-              <a:t/>
-            </a:r>
-            <a:endParaRPr/>
-          </a:p>
-        </p:txBody>
-      </p:sp>
-      <p:sp>
-        <p:nvSpPr>
-          <p:cNvPr id="106" name="Google Shape;106;p6:notes"/>
+          <p:cNvPr id="92" name="Google Shape;92;g3b4a4261da7_0_0:notes"/>
           <p:cNvSpPr/>
           <p:nvPr>
             <p:ph idx="2" type="sldImg"/>
@@ -3315,8 +3270,8 @@
         </p:nvSpPr>
         <p:spPr>
           <a:xfrm>
-            <a:off x="685800" y="1143000"/>
-            <a:ext cx="5486400" cy="3086100"/>
+            <a:off x="381300" y="685800"/>
+            <a:ext cx="6096000" cy="3429000"/>
           </a:xfrm>
           <a:custGeom>
             <a:rect b="b" l="l" r="r" t="t"/>
@@ -3338,17 +3293,46 @@
               </a:path>
             </a:pathLst>
           </a:custGeom>
-          <a:noFill/>
-          <a:ln cap="flat" cmpd="sng" w="9525">
-            <a:solidFill>
-              <a:srgbClr val="000000"/>
-            </a:solidFill>
-            <a:prstDash val="solid"/>
-            <a:round/>
-            <a:headEnd len="sm" w="sm" type="none"/>
-            <a:tailEnd len="sm" w="sm" type="none"/>
-          </a:ln>
         </p:spPr>
+      </p:sp>
+      <p:sp>
+        <p:nvSpPr>
+          <p:cNvPr id="93" name="Google Shape;93;g3b4a4261da7_0_0:notes"/>
+          <p:cNvSpPr txBox="1"/>
+          <p:nvPr>
+            <p:ph idx="1" type="body"/>
+          </p:nvPr>
+        </p:nvSpPr>
+        <p:spPr>
+          <a:xfrm>
+            <a:off x="685800" y="4343400"/>
+            <a:ext cx="5486400" cy="4114800"/>
+          </a:xfrm>
+          <a:prstGeom prst="rect">
+            <a:avLst/>
+          </a:prstGeom>
+        </p:spPr>
+        <p:txBody>
+          <a:bodyPr anchorCtr="0" anchor="t" bIns="91425" lIns="91425" spcFirstLastPara="1" rIns="91425" wrap="square" tIns="91425">
+            <a:noAutofit/>
+          </a:bodyPr>
+          <a:lstStyle/>
+          <a:p>
+            <a:pPr indent="0" lvl="0" marL="0" rtl="0" algn="l">
+              <a:spcBef>
+                <a:spcPts val="0"/>
+              </a:spcBef>
+              <a:spcAft>
+                <a:spcPts val="0"/>
+              </a:spcAft>
+              <a:buNone/>
+            </a:pPr>
+            <a:r>
+              <a:t/>
+            </a:r>
+            <a:endParaRPr/>
+          </a:p>
+        </p:txBody>
       </p:sp>
     </p:spTree>
   </p:cSld>
@@ -3358,12 +3342,12 @@
 </p:notes>
 </file>
 
-<file path=ppt/notesSlides/notesSlide7.xml><?xml version="1.0" encoding="utf-8"?>
+<file path=ppt/notesSlides/notesSlide5.xml><?xml version="1.0" encoding="utf-8"?>
 <p:notes xmlns:a="http://schemas.openxmlformats.org/drawingml/2006/main" xmlns:r="http://schemas.openxmlformats.org/officeDocument/2006/relationships" xmlns:mc="http://schemas.openxmlformats.org/markup-compatibility/2006" xmlns:mv="urn:schemas-microsoft-com:mac:vml" xmlns:p="http://schemas.openxmlformats.org/presentationml/2006/main" xmlns:c="http://schemas.openxmlformats.org/drawingml/2006/chart" xmlns:dgm="http://schemas.openxmlformats.org/drawingml/2006/diagram" xmlns:o="urn:schemas-microsoft-com:office:office" xmlns:v="urn:schemas-microsoft-com:vml" xmlns:pvml="urn:schemas-microsoft-com:office:powerpoint" xmlns:com="http://schemas.openxmlformats.org/drawingml/2006/compatibility" xmlns:p14="http://schemas.microsoft.com/office/powerpoint/2010/main" xmlns:p15="http://schemas.microsoft.com/office/powerpoint/2012/main" xmlns:ahyp="http://schemas.microsoft.com/office/drawing/2018/hyperlinkcolor" showMasterPhAnim="0" showMasterSp="0">
   <p:cSld>
     <p:spTree>
       <p:nvGrpSpPr>
-        <p:cNvPr id="110" name="Shape 110"/>
+        <p:cNvPr id="97" name="Shape 97"/>
         <p:cNvGrpSpPr/>
         <p:nvPr/>
       </p:nvGrpSpPr>
@@ -3377,7 +3361,7 @@
       </p:grpSpPr>
       <p:sp>
         <p:nvSpPr>
-          <p:cNvPr id="111" name="Google Shape;111;p7:notes"/>
+          <p:cNvPr id="98" name="Google Shape;98;p3:notes"/>
           <p:cNvSpPr/>
           <p:nvPr>
             <p:ph idx="2" type="sldImg"/>
@@ -3385,8 +3369,8 @@
         </p:nvSpPr>
         <p:spPr>
           <a:xfrm>
-            <a:off x="857406" y="685797"/>
-            <a:ext cx="3429300" cy="3429000"/>
+            <a:off x="381300" y="685800"/>
+            <a:ext cx="6096000" cy="3429000"/>
           </a:xfrm>
           <a:custGeom>
             <a:rect b="b" l="l" r="r" t="t"/>
@@ -3422,7 +3406,7 @@
       </p:sp>
       <p:sp>
         <p:nvSpPr>
-          <p:cNvPr id="112" name="Google Shape;112;p7:notes"/>
+          <p:cNvPr id="99" name="Google Shape;99;p3:notes"/>
           <p:cNvSpPr txBox="1"/>
           <p:nvPr>
             <p:ph idx="1" type="body"/>
@@ -3430,7 +3414,241 @@
         </p:nvSpPr>
         <p:spPr>
           <a:xfrm>
-            <a:off x="685792" y="4343391"/>
+            <a:off x="685800" y="4343400"/>
+            <a:ext cx="5486400" cy="4114800"/>
+          </a:xfrm>
+          <a:prstGeom prst="rect">
+            <a:avLst/>
+          </a:prstGeom>
+          <a:noFill/>
+          <a:ln>
+            <a:noFill/>
+          </a:ln>
+        </p:spPr>
+        <p:txBody>
+          <a:bodyPr anchorCtr="0" anchor="t" bIns="91425" lIns="91425" spcFirstLastPara="1" rIns="91425" wrap="square" tIns="91425">
+            <a:noAutofit/>
+          </a:bodyPr>
+          <a:lstStyle/>
+          <a:p>
+            <a:pPr indent="0" lvl="0" marL="0" rtl="0" algn="l">
+              <a:lnSpc>
+                <a:spcPct val="100000"/>
+              </a:lnSpc>
+              <a:spcBef>
+                <a:spcPts val="0"/>
+              </a:spcBef>
+              <a:spcAft>
+                <a:spcPts val="0"/>
+              </a:spcAft>
+              <a:buSzPts val="1100"/>
+              <a:buNone/>
+            </a:pPr>
+            <a:r>
+              <a:t/>
+            </a:r>
+            <a:endParaRPr/>
+          </a:p>
+        </p:txBody>
+      </p:sp>
+    </p:spTree>
+  </p:cSld>
+  <p:clrMapOvr>
+    <a:masterClrMapping/>
+  </p:clrMapOvr>
+</p:notes>
+</file>
+
+<file path=ppt/notesSlides/notesSlide6.xml><?xml version="1.0" encoding="utf-8"?>
+<p:notes xmlns:a="http://schemas.openxmlformats.org/drawingml/2006/main" xmlns:r="http://schemas.openxmlformats.org/officeDocument/2006/relationships" xmlns:mc="http://schemas.openxmlformats.org/markup-compatibility/2006" xmlns:mv="urn:schemas-microsoft-com:mac:vml" xmlns:p="http://schemas.openxmlformats.org/presentationml/2006/main" xmlns:c="http://schemas.openxmlformats.org/drawingml/2006/chart" xmlns:dgm="http://schemas.openxmlformats.org/drawingml/2006/diagram" xmlns:o="urn:schemas-microsoft-com:office:office" xmlns:v="urn:schemas-microsoft-com:vml" xmlns:pvml="urn:schemas-microsoft-com:office:powerpoint" xmlns:com="http://schemas.openxmlformats.org/drawingml/2006/compatibility" xmlns:p14="http://schemas.microsoft.com/office/powerpoint/2010/main" xmlns:p15="http://schemas.microsoft.com/office/powerpoint/2012/main" xmlns:ahyp="http://schemas.microsoft.com/office/drawing/2018/hyperlinkcolor" showMasterPhAnim="0" showMasterSp="0">
+  <p:cSld>
+    <p:spTree>
+      <p:nvGrpSpPr>
+        <p:cNvPr id="102" name="Shape 102"/>
+        <p:cNvGrpSpPr/>
+        <p:nvPr/>
+      </p:nvGrpSpPr>
+      <p:grpSpPr>
+        <a:xfrm>
+          <a:off x="0" y="0"/>
+          <a:ext cx="0" cy="0"/>
+          <a:chOff x="0" y="0"/>
+          <a:chExt cx="0" cy="0"/>
+        </a:xfrm>
+      </p:grpSpPr>
+      <p:sp>
+        <p:nvSpPr>
+          <p:cNvPr id="103" name="Google Shape;103;p4:notes"/>
+          <p:cNvSpPr/>
+          <p:nvPr>
+            <p:ph idx="2" type="sldImg"/>
+          </p:nvPr>
+        </p:nvSpPr>
+        <p:spPr>
+          <a:xfrm>
+            <a:off x="381300" y="685800"/>
+            <a:ext cx="6096000" cy="3429000"/>
+          </a:xfrm>
+          <a:custGeom>
+            <a:rect b="b" l="l" r="r" t="t"/>
+            <a:pathLst>
+              <a:path extrusionOk="0" h="120000" w="120000">
+                <a:moveTo>
+                  <a:pt x="0" y="0"/>
+                </a:moveTo>
+                <a:lnTo>
+                  <a:pt x="120000" y="0"/>
+                </a:lnTo>
+                <a:lnTo>
+                  <a:pt x="120000" y="120000"/>
+                </a:lnTo>
+                <a:lnTo>
+                  <a:pt x="0" y="120000"/>
+                </a:lnTo>
+                <a:close/>
+              </a:path>
+            </a:pathLst>
+          </a:custGeom>
+          <a:noFill/>
+          <a:ln cap="flat" cmpd="sng" w="9525">
+            <a:solidFill>
+              <a:srgbClr val="000000"/>
+            </a:solidFill>
+            <a:prstDash val="solid"/>
+            <a:round/>
+            <a:headEnd len="sm" w="sm" type="none"/>
+            <a:tailEnd len="sm" w="sm" type="none"/>
+          </a:ln>
+        </p:spPr>
+      </p:sp>
+      <p:sp>
+        <p:nvSpPr>
+          <p:cNvPr id="104" name="Google Shape;104;p4:notes"/>
+          <p:cNvSpPr txBox="1"/>
+          <p:nvPr>
+            <p:ph idx="1" type="body"/>
+          </p:nvPr>
+        </p:nvSpPr>
+        <p:spPr>
+          <a:xfrm>
+            <a:off x="685800" y="4343400"/>
+            <a:ext cx="5486400" cy="4114800"/>
+          </a:xfrm>
+          <a:prstGeom prst="rect">
+            <a:avLst/>
+          </a:prstGeom>
+          <a:noFill/>
+          <a:ln>
+            <a:noFill/>
+          </a:ln>
+        </p:spPr>
+        <p:txBody>
+          <a:bodyPr anchorCtr="0" anchor="t" bIns="91425" lIns="91425" spcFirstLastPara="1" rIns="91425" wrap="square" tIns="91425">
+            <a:noAutofit/>
+          </a:bodyPr>
+          <a:lstStyle/>
+          <a:p>
+            <a:pPr indent="0" lvl="0" marL="0" rtl="0" algn="l">
+              <a:lnSpc>
+                <a:spcPct val="100000"/>
+              </a:lnSpc>
+              <a:spcBef>
+                <a:spcPts val="0"/>
+              </a:spcBef>
+              <a:spcAft>
+                <a:spcPts val="0"/>
+              </a:spcAft>
+              <a:buSzPts val="1100"/>
+              <a:buNone/>
+            </a:pPr>
+            <a:r>
+              <a:t/>
+            </a:r>
+            <a:endParaRPr/>
+          </a:p>
+        </p:txBody>
+      </p:sp>
+    </p:spTree>
+  </p:cSld>
+  <p:clrMapOvr>
+    <a:masterClrMapping/>
+  </p:clrMapOvr>
+</p:notes>
+</file>
+
+<file path=ppt/notesSlides/notesSlide7.xml><?xml version="1.0" encoding="utf-8"?>
+<p:notes xmlns:a="http://schemas.openxmlformats.org/drawingml/2006/main" xmlns:r="http://schemas.openxmlformats.org/officeDocument/2006/relationships" xmlns:mc="http://schemas.openxmlformats.org/markup-compatibility/2006" xmlns:mv="urn:schemas-microsoft-com:mac:vml" xmlns:p="http://schemas.openxmlformats.org/presentationml/2006/main" xmlns:c="http://schemas.openxmlformats.org/drawingml/2006/chart" xmlns:dgm="http://schemas.openxmlformats.org/drawingml/2006/diagram" xmlns:o="urn:schemas-microsoft-com:office:office" xmlns:v="urn:schemas-microsoft-com:vml" xmlns:pvml="urn:schemas-microsoft-com:office:powerpoint" xmlns:com="http://schemas.openxmlformats.org/drawingml/2006/compatibility" xmlns:p14="http://schemas.microsoft.com/office/powerpoint/2010/main" xmlns:p15="http://schemas.microsoft.com/office/powerpoint/2012/main" xmlns:ahyp="http://schemas.microsoft.com/office/drawing/2018/hyperlinkcolor" showMasterPhAnim="0" showMasterSp="0">
+  <p:cSld>
+    <p:spTree>
+      <p:nvGrpSpPr>
+        <p:cNvPr id="109" name="Shape 109"/>
+        <p:cNvGrpSpPr/>
+        <p:nvPr/>
+      </p:nvGrpSpPr>
+      <p:grpSpPr>
+        <a:xfrm>
+          <a:off x="0" y="0"/>
+          <a:ext cx="0" cy="0"/>
+          <a:chOff x="0" y="0"/>
+          <a:chExt cx="0" cy="0"/>
+        </a:xfrm>
+      </p:grpSpPr>
+      <p:sp>
+        <p:nvSpPr>
+          <p:cNvPr id="110" name="Google Shape;110;p5:notes"/>
+          <p:cNvSpPr/>
+          <p:nvPr>
+            <p:ph idx="2" type="sldImg"/>
+          </p:nvPr>
+        </p:nvSpPr>
+        <p:spPr>
+          <a:xfrm>
+            <a:off x="381300" y="685800"/>
+            <a:ext cx="6096000" cy="3429000"/>
+          </a:xfrm>
+          <a:custGeom>
+            <a:rect b="b" l="l" r="r" t="t"/>
+            <a:pathLst>
+              <a:path extrusionOk="0" h="120000" w="120000">
+                <a:moveTo>
+                  <a:pt x="0" y="0"/>
+                </a:moveTo>
+                <a:lnTo>
+                  <a:pt x="120000" y="0"/>
+                </a:lnTo>
+                <a:lnTo>
+                  <a:pt x="120000" y="120000"/>
+                </a:lnTo>
+                <a:lnTo>
+                  <a:pt x="0" y="120000"/>
+                </a:lnTo>
+                <a:close/>
+              </a:path>
+            </a:pathLst>
+          </a:custGeom>
+          <a:noFill/>
+          <a:ln cap="flat" cmpd="sng" w="9525">
+            <a:solidFill>
+              <a:srgbClr val="000000"/>
+            </a:solidFill>
+            <a:prstDash val="solid"/>
+            <a:round/>
+            <a:headEnd len="sm" w="sm" type="none"/>
+            <a:tailEnd len="sm" w="sm" type="none"/>
+          </a:ln>
+        </p:spPr>
+      </p:sp>
+      <p:sp>
+        <p:nvSpPr>
+          <p:cNvPr id="111" name="Google Shape;111;p5:notes"/>
+          <p:cNvSpPr txBox="1"/>
+          <p:nvPr>
+            <p:ph idx="1" type="body"/>
+          </p:nvPr>
+        </p:nvSpPr>
+        <p:spPr>
+          <a:xfrm>
+            <a:off x="685800" y="4343400"/>
             <a:ext cx="5486400" cy="4114800"/>
           </a:xfrm>
           <a:prstGeom prst="rect">
@@ -3480,7 +3698,7 @@
   <p:cSld>
     <p:spTree>
       <p:nvGrpSpPr>
-        <p:cNvPr id="120" name="Shape 120"/>
+        <p:cNvPr id="116" name="Shape 116"/>
         <p:cNvGrpSpPr/>
         <p:nvPr/>
       </p:nvGrpSpPr>
@@ -3494,7 +3712,7 @@
       </p:grpSpPr>
       <p:sp>
         <p:nvSpPr>
-          <p:cNvPr id="121" name="Google Shape;121;p8:notes"/>
+          <p:cNvPr id="117" name="Google Shape;117;p6:notes"/>
           <p:cNvSpPr txBox="1"/>
           <p:nvPr>
             <p:ph idx="1" type="body"/>
@@ -3541,7 +3759,7 @@
       </p:sp>
       <p:sp>
         <p:nvSpPr>
-          <p:cNvPr id="122" name="Google Shape;122;p8:notes"/>
+          <p:cNvPr id="118" name="Google Shape;118;p6:notes"/>
           <p:cNvSpPr/>
           <p:nvPr>
             <p:ph idx="2" type="sldImg"/>
@@ -3597,7 +3815,7 @@
   <p:cSld>
     <p:spTree>
       <p:nvGrpSpPr>
-        <p:cNvPr id="130" name="Shape 130"/>
+        <p:cNvPr id="122" name="Shape 122"/>
         <p:cNvGrpSpPr/>
         <p:nvPr/>
       </p:nvGrpSpPr>
@@ -3611,7 +3829,7 @@
       </p:grpSpPr>
       <p:sp>
         <p:nvSpPr>
-          <p:cNvPr id="131" name="Google Shape;131;p9:notes"/>
+          <p:cNvPr id="123" name="Google Shape;123;p7:notes"/>
           <p:cNvSpPr/>
           <p:nvPr>
             <p:ph idx="2" type="sldImg"/>
@@ -3619,8 +3837,8 @@
         </p:nvSpPr>
         <p:spPr>
           <a:xfrm>
-            <a:off x="381300" y="685800"/>
-            <a:ext cx="6096000" cy="3429000"/>
+            <a:off x="857406" y="685797"/>
+            <a:ext cx="3429300" cy="3429000"/>
           </a:xfrm>
           <a:custGeom>
             <a:rect b="b" l="l" r="r" t="t"/>
@@ -3656,7 +3874,7 @@
       </p:sp>
       <p:sp>
         <p:nvSpPr>
-          <p:cNvPr id="132" name="Google Shape;132;p9:notes"/>
+          <p:cNvPr id="124" name="Google Shape;124;p7:notes"/>
           <p:cNvSpPr txBox="1"/>
           <p:nvPr>
             <p:ph idx="1" type="body"/>
@@ -3664,7 +3882,7 @@
         </p:nvSpPr>
         <p:spPr>
           <a:xfrm>
-            <a:off x="685800" y="4343400"/>
+            <a:off x="685792" y="4343391"/>
             <a:ext cx="5486400" cy="4114800"/>
           </a:xfrm>
           <a:prstGeom prst="rect">
@@ -13508,7 +13726,378 @@
   <p:cSld>
     <p:spTree>
       <p:nvGrpSpPr>
-        <p:cNvPr id="141" name="Shape 141"/>
+        <p:cNvPr id="135" name="Shape 135"/>
+        <p:cNvGrpSpPr/>
+        <p:nvPr/>
+      </p:nvGrpSpPr>
+      <p:grpSpPr>
+        <a:xfrm>
+          <a:off x="0" y="0"/>
+          <a:ext cx="0" cy="0"/>
+          <a:chOff x="0" y="0"/>
+          <a:chExt cx="0" cy="0"/>
+        </a:xfrm>
+      </p:grpSpPr>
+      <p:pic>
+        <p:nvPicPr>
+          <p:cNvPr id="136" name="Google Shape;136;p8"/>
+          <p:cNvPicPr preferRelativeResize="0"/>
+          <p:nvPr/>
+        </p:nvPicPr>
+        <p:blipFill rotWithShape="1">
+          <a:blip r:embed="rId3">
+            <a:alphaModFix/>
+          </a:blip>
+          <a:srcRect b="0" l="0" r="0" t="0"/>
+          <a:stretch/>
+        </p:blipFill>
+        <p:spPr>
+          <a:xfrm>
+            <a:off x="4898432" y="1539061"/>
+            <a:ext cx="4248058" cy="2272711"/>
+          </a:xfrm>
+          <a:prstGeom prst="rect">
+            <a:avLst/>
+          </a:prstGeom>
+          <a:noFill/>
+          <a:ln>
+            <a:noFill/>
+          </a:ln>
+        </p:spPr>
+      </p:pic>
+      <p:pic>
+        <p:nvPicPr>
+          <p:cNvPr id="137" name="Google Shape;137;p8"/>
+          <p:cNvPicPr preferRelativeResize="0"/>
+          <p:nvPr/>
+        </p:nvPicPr>
+        <p:blipFill rotWithShape="1">
+          <a:blip r:embed="rId4">
+            <a:alphaModFix/>
+          </a:blip>
+          <a:srcRect b="0" l="0" r="0" t="0"/>
+          <a:stretch/>
+        </p:blipFill>
+        <p:spPr>
+          <a:xfrm>
+            <a:off x="42947" y="1539062"/>
+            <a:ext cx="4789550" cy="2493564"/>
+          </a:xfrm>
+          <a:prstGeom prst="rect">
+            <a:avLst/>
+          </a:prstGeom>
+          <a:noFill/>
+          <a:ln>
+            <a:noFill/>
+          </a:ln>
+        </p:spPr>
+      </p:pic>
+      <p:sp>
+        <p:nvSpPr>
+          <p:cNvPr id="138" name="Google Shape;138;p8"/>
+          <p:cNvSpPr txBox="1"/>
+          <p:nvPr/>
+        </p:nvSpPr>
+        <p:spPr>
+          <a:xfrm>
+            <a:off x="733646" y="4218465"/>
+            <a:ext cx="3570900" cy="276900"/>
+          </a:xfrm>
+          <a:prstGeom prst="rect">
+            <a:avLst/>
+          </a:prstGeom>
+          <a:noFill/>
+          <a:ln>
+            <a:noFill/>
+          </a:ln>
+        </p:spPr>
+        <p:txBody>
+          <a:bodyPr anchorCtr="0" anchor="t" bIns="34275" lIns="68575" spcFirstLastPara="1" rIns="68575" wrap="square" tIns="34275">
+            <a:noAutofit/>
+          </a:bodyPr>
+          <a:lstStyle/>
+          <a:p>
+            <a:pPr indent="0" lvl="0" marL="0" marR="0" rtl="0" algn="l">
+              <a:lnSpc>
+                <a:spcPct val="100000"/>
+              </a:lnSpc>
+              <a:spcBef>
+                <a:spcPts val="0"/>
+              </a:spcBef>
+              <a:spcAft>
+                <a:spcPts val="0"/>
+              </a:spcAft>
+              <a:buClr>
+                <a:srgbClr val="000000"/>
+              </a:buClr>
+              <a:buSzPts val="1400"/>
+              <a:buFont typeface="Arial"/>
+              <a:buNone/>
+            </a:pPr>
+            <a:r>
+              <a:rPr b="0" i="0" lang="en" sz="1400" u="none" cap="none" strike="noStrike">
+                <a:solidFill>
+                  <a:schemeClr val="dk1"/>
+                </a:solidFill>
+                <a:latin typeface="Calibri"/>
+                <a:ea typeface="Calibri"/>
+                <a:cs typeface="Calibri"/>
+                <a:sym typeface="Calibri"/>
+              </a:rPr>
+              <a:t>Cost function plot with respect to input variables</a:t>
+            </a:r>
+            <a:endParaRPr b="0" i="0" sz="1100" u="none" cap="none" strike="noStrike">
+              <a:solidFill>
+                <a:srgbClr val="000000"/>
+              </a:solidFill>
+              <a:latin typeface="Arial"/>
+              <a:ea typeface="Arial"/>
+              <a:cs typeface="Arial"/>
+              <a:sym typeface="Arial"/>
+            </a:endParaRPr>
+          </a:p>
+        </p:txBody>
+      </p:sp>
+      <p:sp>
+        <p:nvSpPr>
+          <p:cNvPr id="139" name="Google Shape;139;p8"/>
+          <p:cNvSpPr txBox="1"/>
+          <p:nvPr/>
+        </p:nvSpPr>
+        <p:spPr>
+          <a:xfrm>
+            <a:off x="5236996" y="4218465"/>
+            <a:ext cx="3570900" cy="276900"/>
+          </a:xfrm>
+          <a:prstGeom prst="rect">
+            <a:avLst/>
+          </a:prstGeom>
+          <a:noFill/>
+          <a:ln>
+            <a:noFill/>
+          </a:ln>
+        </p:spPr>
+        <p:txBody>
+          <a:bodyPr anchorCtr="0" anchor="t" bIns="34275" lIns="68575" spcFirstLastPara="1" rIns="68575" wrap="square" tIns="34275">
+            <a:noAutofit/>
+          </a:bodyPr>
+          <a:lstStyle/>
+          <a:p>
+            <a:pPr indent="0" lvl="0" marL="0" marR="0" rtl="0" algn="l">
+              <a:lnSpc>
+                <a:spcPct val="100000"/>
+              </a:lnSpc>
+              <a:spcBef>
+                <a:spcPts val="0"/>
+              </a:spcBef>
+              <a:spcAft>
+                <a:spcPts val="0"/>
+              </a:spcAft>
+              <a:buClr>
+                <a:srgbClr val="000000"/>
+              </a:buClr>
+              <a:buSzPts val="1400"/>
+              <a:buFont typeface="Arial"/>
+              <a:buNone/>
+            </a:pPr>
+            <a:r>
+              <a:rPr b="0" i="0" lang="en" sz="1400" u="none" cap="none" strike="noStrike">
+                <a:solidFill>
+                  <a:schemeClr val="dk1"/>
+                </a:solidFill>
+                <a:latin typeface="Calibri"/>
+                <a:ea typeface="Calibri"/>
+                <a:cs typeface="Calibri"/>
+                <a:sym typeface="Calibri"/>
+              </a:rPr>
+              <a:t>Cost function plot with respect to input variables</a:t>
+            </a:r>
+            <a:endParaRPr b="0" i="0" sz="1100" u="none" cap="none" strike="noStrike">
+              <a:solidFill>
+                <a:srgbClr val="000000"/>
+              </a:solidFill>
+              <a:latin typeface="Arial"/>
+              <a:ea typeface="Arial"/>
+              <a:cs typeface="Arial"/>
+              <a:sym typeface="Arial"/>
+            </a:endParaRPr>
+          </a:p>
+        </p:txBody>
+      </p:sp>
+      <p:sp>
+        <p:nvSpPr>
+          <p:cNvPr id="140" name="Google Shape;140;p8"/>
+          <p:cNvSpPr txBox="1"/>
+          <p:nvPr/>
+        </p:nvSpPr>
+        <p:spPr>
+          <a:xfrm>
+            <a:off x="42947" y="4670081"/>
+            <a:ext cx="9028200" cy="392400"/>
+          </a:xfrm>
+          <a:prstGeom prst="rect">
+            <a:avLst/>
+          </a:prstGeom>
+          <a:noFill/>
+          <a:ln>
+            <a:noFill/>
+          </a:ln>
+        </p:spPr>
+        <p:txBody>
+          <a:bodyPr anchorCtr="0" anchor="t" bIns="34275" lIns="68575" spcFirstLastPara="1" rIns="68575" wrap="square" tIns="34275">
+            <a:noAutofit/>
+          </a:bodyPr>
+          <a:lstStyle/>
+          <a:p>
+            <a:pPr indent="0" lvl="0" marL="0" marR="0" rtl="0" algn="l">
+              <a:lnSpc>
+                <a:spcPct val="100000"/>
+              </a:lnSpc>
+              <a:spcBef>
+                <a:spcPts val="0"/>
+              </a:spcBef>
+              <a:spcAft>
+                <a:spcPts val="0"/>
+              </a:spcAft>
+              <a:buClr>
+                <a:srgbClr val="000000"/>
+              </a:buClr>
+              <a:buSzPts val="2100"/>
+              <a:buFont typeface="Arial"/>
+              <a:buNone/>
+            </a:pPr>
+            <a:r>
+              <a:rPr b="0" i="0" lang="en" sz="2100" u="none" cap="none" strike="noStrike">
+                <a:solidFill>
+                  <a:schemeClr val="dk1"/>
+                </a:solidFill>
+                <a:latin typeface="Calibri"/>
+                <a:ea typeface="Calibri"/>
+                <a:cs typeface="Calibri"/>
+                <a:sym typeface="Calibri"/>
+              </a:rPr>
+              <a:t>Moving in the opposite direction to gradient should lead us to the lowest point(s)!</a:t>
+            </a:r>
+            <a:endParaRPr b="0" i="0" sz="1100" u="none" cap="none" strike="noStrike">
+              <a:solidFill>
+                <a:srgbClr val="000000"/>
+              </a:solidFill>
+              <a:latin typeface="Arial"/>
+              <a:ea typeface="Arial"/>
+              <a:cs typeface="Arial"/>
+              <a:sym typeface="Arial"/>
+            </a:endParaRPr>
+          </a:p>
+        </p:txBody>
+      </p:sp>
+      <p:sp>
+        <p:nvSpPr>
+          <p:cNvPr id="141" name="Google Shape;141;p8"/>
+          <p:cNvSpPr txBox="1"/>
+          <p:nvPr>
+            <p:ph type="title"/>
+          </p:nvPr>
+        </p:nvSpPr>
+        <p:spPr>
+          <a:xfrm>
+            <a:off x="950700" y="432156"/>
+            <a:ext cx="7358400" cy="942300"/>
+          </a:xfrm>
+          <a:prstGeom prst="rect">
+            <a:avLst/>
+          </a:prstGeom>
+          <a:noFill/>
+          <a:ln>
+            <a:noFill/>
+          </a:ln>
+        </p:spPr>
+        <p:txBody>
+          <a:bodyPr anchorCtr="0" anchor="ctr" bIns="40800" lIns="81625" spcFirstLastPara="1" rIns="81625" wrap="square" tIns="40800">
+            <a:normAutofit fontScale="90000"/>
+          </a:bodyPr>
+          <a:lstStyle/>
+          <a:p>
+            <a:pPr indent="0" lvl="0" marL="0" rtl="0" algn="l">
+              <a:lnSpc>
+                <a:spcPct val="100000"/>
+              </a:lnSpc>
+              <a:spcBef>
+                <a:spcPts val="0"/>
+              </a:spcBef>
+              <a:spcAft>
+                <a:spcPts val="0"/>
+              </a:spcAft>
+              <a:buClr>
+                <a:schemeClr val="dk1"/>
+              </a:buClr>
+              <a:buSzPct val="39285"/>
+              <a:buFont typeface="Arial"/>
+              <a:buNone/>
+            </a:pPr>
+            <a:r>
+              <a:rPr lang="en"/>
+              <a:t>Gradient Descent: The best solution lies where cost function is lowest</a:t>
+            </a:r>
+            <a:endParaRPr/>
+          </a:p>
+          <a:p>
+            <a:pPr indent="0" lvl="0" marL="0" rtl="0" algn="l">
+              <a:lnSpc>
+                <a:spcPct val="100000"/>
+              </a:lnSpc>
+              <a:spcBef>
+                <a:spcPts val="0"/>
+              </a:spcBef>
+              <a:spcAft>
+                <a:spcPts val="0"/>
+              </a:spcAft>
+              <a:buClr>
+                <a:schemeClr val="dk1"/>
+              </a:buClr>
+              <a:buSzPct val="39285"/>
+              <a:buFont typeface="Arial"/>
+              <a:buNone/>
+            </a:pPr>
+            <a:r>
+              <a:t/>
+            </a:r>
+            <a:endParaRPr/>
+          </a:p>
+          <a:p>
+            <a:pPr indent="0" lvl="0" marL="0" rtl="0" algn="l">
+              <a:lnSpc>
+                <a:spcPct val="100000"/>
+              </a:lnSpc>
+              <a:spcBef>
+                <a:spcPts val="0"/>
+              </a:spcBef>
+              <a:spcAft>
+                <a:spcPts val="0"/>
+              </a:spcAft>
+              <a:buSzPct val="111111"/>
+              <a:buNone/>
+            </a:pPr>
+            <a:r>
+              <a:t/>
+            </a:r>
+            <a:endParaRPr/>
+          </a:p>
+        </p:txBody>
+      </p:sp>
+    </p:spTree>
+  </p:cSld>
+  <p:clrMapOvr>
+    <a:masterClrMapping/>
+  </p:clrMapOvr>
+</p:sld>
+</file>
+
+<file path=ppt/slides/slide11.xml><?xml version="1.0" encoding="utf-8"?>
+<p:sld xmlns:a="http://schemas.openxmlformats.org/drawingml/2006/main" xmlns:r="http://schemas.openxmlformats.org/officeDocument/2006/relationships" xmlns:mc="http://schemas.openxmlformats.org/markup-compatibility/2006" xmlns:mv="urn:schemas-microsoft-com:mac:vml" xmlns:p="http://schemas.openxmlformats.org/presentationml/2006/main" xmlns:c="http://schemas.openxmlformats.org/drawingml/2006/chart" xmlns:dgm="http://schemas.openxmlformats.org/drawingml/2006/diagram" xmlns:o="urn:schemas-microsoft-com:office:office" xmlns:v="urn:schemas-microsoft-com:vml" xmlns:pvml="urn:schemas-microsoft-com:office:powerpoint" xmlns:com="http://schemas.openxmlformats.org/drawingml/2006/compatibility" xmlns:p14="http://schemas.microsoft.com/office/powerpoint/2010/main" xmlns:p15="http://schemas.microsoft.com/office/powerpoint/2012/main" xmlns:ahyp="http://schemas.microsoft.com/office/drawing/2018/hyperlinkcolor">
+  <p:cSld>
+    <p:spTree>
+      <p:nvGrpSpPr>
+        <p:cNvPr id="145" name="Shape 145"/>
         <p:cNvGrpSpPr/>
         <p:nvPr/>
       </p:nvGrpSpPr>
@@ -13522,7 +14111,200 @@
       </p:grpSpPr>
       <p:sp>
         <p:nvSpPr>
-          <p:cNvPr id="142" name="Google Shape;142;p10"/>
+          <p:cNvPr id="146" name="Google Shape;146;p9"/>
+          <p:cNvSpPr txBox="1"/>
+          <p:nvPr>
+            <p:ph type="title"/>
+          </p:nvPr>
+        </p:nvSpPr>
+        <p:spPr>
+          <a:xfrm>
+            <a:off x="950708" y="432186"/>
+            <a:ext cx="7358400" cy="342900"/>
+          </a:xfrm>
+          <a:prstGeom prst="rect">
+            <a:avLst/>
+          </a:prstGeom>
+          <a:noFill/>
+          <a:ln>
+            <a:noFill/>
+          </a:ln>
+        </p:spPr>
+        <p:txBody>
+          <a:bodyPr anchorCtr="0" anchor="ctr" bIns="40800" lIns="81625" spcFirstLastPara="1" rIns="81625" wrap="square" tIns="40800">
+            <a:normAutofit fontScale="90000"/>
+          </a:bodyPr>
+          <a:lstStyle/>
+          <a:p>
+            <a:pPr indent="0" lvl="0" marL="0" rtl="0" algn="l">
+              <a:lnSpc>
+                <a:spcPct val="100000"/>
+              </a:lnSpc>
+              <a:spcBef>
+                <a:spcPts val="0"/>
+              </a:spcBef>
+              <a:spcAft>
+                <a:spcPts val="0"/>
+              </a:spcAft>
+              <a:buSzPct val="111111"/>
+              <a:buNone/>
+            </a:pPr>
+            <a:r>
+              <a:rPr lang="en"/>
+              <a:t>A mathematical model of a  single neuron</a:t>
+            </a:r>
+            <a:endParaRPr/>
+          </a:p>
+        </p:txBody>
+      </p:sp>
+      <p:pic>
+        <p:nvPicPr>
+          <p:cNvPr id="147" name="Google Shape;147;p9"/>
+          <p:cNvPicPr preferRelativeResize="0"/>
+          <p:nvPr/>
+        </p:nvPicPr>
+        <p:blipFill rotWithShape="1">
+          <a:blip r:embed="rId3">
+            <a:alphaModFix/>
+          </a:blip>
+          <a:srcRect b="0" l="0" r="0" t="0"/>
+          <a:stretch/>
+        </p:blipFill>
+        <p:spPr>
+          <a:xfrm>
+            <a:off x="4718600" y="1901850"/>
+            <a:ext cx="3860195" cy="2202475"/>
+          </a:xfrm>
+          <a:prstGeom prst="rect">
+            <a:avLst/>
+          </a:prstGeom>
+          <a:noFill/>
+          <a:ln>
+            <a:noFill/>
+          </a:ln>
+        </p:spPr>
+      </p:pic>
+      <p:pic>
+        <p:nvPicPr>
+          <p:cNvPr id="148" name="Google Shape;148;p9"/>
+          <p:cNvPicPr preferRelativeResize="0"/>
+          <p:nvPr/>
+        </p:nvPicPr>
+        <p:blipFill rotWithShape="1">
+          <a:blip r:embed="rId4">
+            <a:alphaModFix/>
+          </a:blip>
+          <a:srcRect b="0" l="0" r="0" t="0"/>
+          <a:stretch/>
+        </p:blipFill>
+        <p:spPr>
+          <a:xfrm>
+            <a:off x="314800" y="1901850"/>
+            <a:ext cx="4415274" cy="2278675"/>
+          </a:xfrm>
+          <a:prstGeom prst="rect">
+            <a:avLst/>
+          </a:prstGeom>
+          <a:noFill/>
+          <a:ln>
+            <a:noFill/>
+          </a:ln>
+        </p:spPr>
+      </p:pic>
+      <p:sp>
+        <p:nvSpPr>
+          <p:cNvPr id="149" name="Google Shape;149;p9"/>
+          <p:cNvSpPr txBox="1"/>
+          <p:nvPr/>
+        </p:nvSpPr>
+        <p:spPr>
+          <a:xfrm>
+            <a:off x="1937700" y="4389125"/>
+            <a:ext cx="5268600" cy="572700"/>
+          </a:xfrm>
+          <a:prstGeom prst="rect">
+            <a:avLst/>
+          </a:prstGeom>
+          <a:noFill/>
+          <a:ln>
+            <a:noFill/>
+          </a:ln>
+        </p:spPr>
+        <p:txBody>
+          <a:bodyPr anchorCtr="0" anchor="ctr" bIns="91425" lIns="91425" spcFirstLastPara="1" rIns="91425" wrap="square" tIns="91425">
+            <a:noAutofit/>
+          </a:bodyPr>
+          <a:lstStyle/>
+          <a:p>
+            <a:pPr indent="0" lvl="0" marL="38100" marR="38100" rtl="0" algn="just">
+              <a:lnSpc>
+                <a:spcPct val="115000"/>
+              </a:lnSpc>
+              <a:spcBef>
+                <a:spcPts val="1500"/>
+              </a:spcBef>
+              <a:spcAft>
+                <a:spcPts val="1500"/>
+              </a:spcAft>
+              <a:buClr>
+                <a:srgbClr val="000000"/>
+              </a:buClr>
+              <a:buSzPts val="1200"/>
+              <a:buFont typeface="Arial"/>
+              <a:buNone/>
+            </a:pPr>
+            <a:r>
+              <a:rPr b="0" i="0" lang="en" sz="1200" u="none" cap="none" strike="noStrike">
+                <a:solidFill>
+                  <a:srgbClr val="575651"/>
+                </a:solidFill>
+                <a:latin typeface="Arial"/>
+                <a:ea typeface="Arial"/>
+                <a:cs typeface="Arial"/>
+                <a:sym typeface="Arial"/>
+              </a:rPr>
+              <a:t>A drawing of a biological neuron (left) and its mathematical model (right).</a:t>
+            </a:r>
+            <a:endParaRPr b="0" i="0" sz="1050" u="none" cap="none" strike="noStrike">
+              <a:solidFill>
+                <a:srgbClr val="575651"/>
+              </a:solidFill>
+              <a:latin typeface="Roboto"/>
+              <a:ea typeface="Roboto"/>
+              <a:cs typeface="Roboto"/>
+              <a:sym typeface="Roboto"/>
+            </a:endParaRPr>
+          </a:p>
+        </p:txBody>
+      </p:sp>
+    </p:spTree>
+  </p:cSld>
+  <p:clrMapOvr>
+    <a:masterClrMapping/>
+  </p:clrMapOvr>
+</p:sld>
+</file>
+
+<file path=ppt/slides/slide12.xml><?xml version="1.0" encoding="utf-8"?>
+<p:sld xmlns:a="http://schemas.openxmlformats.org/drawingml/2006/main" xmlns:r="http://schemas.openxmlformats.org/officeDocument/2006/relationships" xmlns:mc="http://schemas.openxmlformats.org/markup-compatibility/2006" xmlns:mv="urn:schemas-microsoft-com:mac:vml" xmlns:p="http://schemas.openxmlformats.org/presentationml/2006/main" xmlns:c="http://schemas.openxmlformats.org/drawingml/2006/chart" xmlns:dgm="http://schemas.openxmlformats.org/drawingml/2006/diagram" xmlns:o="urn:schemas-microsoft-com:office:office" xmlns:v="urn:schemas-microsoft-com:vml" xmlns:pvml="urn:schemas-microsoft-com:office:powerpoint" xmlns:com="http://schemas.openxmlformats.org/drawingml/2006/compatibility" xmlns:p14="http://schemas.microsoft.com/office/powerpoint/2010/main" xmlns:p15="http://schemas.microsoft.com/office/powerpoint/2012/main" xmlns:ahyp="http://schemas.microsoft.com/office/drawing/2018/hyperlinkcolor">
+  <p:cSld>
+    <p:spTree>
+      <p:nvGrpSpPr>
+        <p:cNvPr id="153" name="Shape 153"/>
+        <p:cNvGrpSpPr/>
+        <p:nvPr/>
+      </p:nvGrpSpPr>
+      <p:grpSpPr>
+        <a:xfrm>
+          <a:off x="0" y="0"/>
+          <a:ext cx="0" cy="0"/>
+          <a:chOff x="0" y="0"/>
+          <a:chExt cx="0" cy="0"/>
+        </a:xfrm>
+      </p:grpSpPr>
+      <p:sp>
+        <p:nvSpPr>
+          <p:cNvPr id="154" name="Google Shape;154;p10"/>
           <p:cNvSpPr txBox="1"/>
           <p:nvPr>
             <p:ph type="title"/>
@@ -13570,7 +14352,7 @@
       </p:sp>
       <p:pic>
         <p:nvPicPr>
-          <p:cNvPr id="143" name="Google Shape;143;p10"/>
+          <p:cNvPr id="155" name="Google Shape;155;p10"/>
           <p:cNvPicPr preferRelativeResize="0"/>
           <p:nvPr/>
         </p:nvPicPr>
@@ -13597,7 +14379,7 @@
       </p:pic>
       <p:cxnSp>
         <p:nvCxnSpPr>
-          <p:cNvPr id="144" name="Google Shape;144;p10"/>
+          <p:cNvPr id="156" name="Google Shape;156;p10"/>
           <p:cNvCxnSpPr/>
           <p:nvPr/>
         </p:nvCxnSpPr>
@@ -13625,7 +14407,7 @@
       </p:cxnSp>
       <p:cxnSp>
         <p:nvCxnSpPr>
-          <p:cNvPr id="145" name="Google Shape;145;p10"/>
+          <p:cNvPr id="157" name="Google Shape;157;p10"/>
           <p:cNvCxnSpPr/>
           <p:nvPr/>
         </p:nvCxnSpPr>
@@ -13651,7 +14433,7 @@
       </p:cxnSp>
       <p:sp>
         <p:nvSpPr>
-          <p:cNvPr id="146" name="Google Shape;146;p10"/>
+          <p:cNvPr id="158" name="Google Shape;158;p10"/>
           <p:cNvSpPr txBox="1"/>
           <p:nvPr/>
         </p:nvSpPr>
@@ -13712,206 +14494,6 @@
               <a:cs typeface="Arial"/>
               <a:sym typeface="Arial"/>
             </a:endParaRPr>
-          </a:p>
-        </p:txBody>
-      </p:sp>
-    </p:spTree>
-  </p:cSld>
-  <p:clrMapOvr>
-    <a:masterClrMapping/>
-  </p:clrMapOvr>
-</p:sld>
-</file>
-
-<file path=ppt/slides/slide11.xml><?xml version="1.0" encoding="utf-8"?>
-<p:sld xmlns:a="http://schemas.openxmlformats.org/drawingml/2006/main" xmlns:r="http://schemas.openxmlformats.org/officeDocument/2006/relationships" xmlns:mc="http://schemas.openxmlformats.org/markup-compatibility/2006" xmlns:mv="urn:schemas-microsoft-com:mac:vml" xmlns:p="http://schemas.openxmlformats.org/presentationml/2006/main" xmlns:c="http://schemas.openxmlformats.org/drawingml/2006/chart" xmlns:dgm="http://schemas.openxmlformats.org/drawingml/2006/diagram" xmlns:o="urn:schemas-microsoft-com:office:office" xmlns:v="urn:schemas-microsoft-com:vml" xmlns:pvml="urn:schemas-microsoft-com:office:powerpoint" xmlns:com="http://schemas.openxmlformats.org/drawingml/2006/compatibility" xmlns:p14="http://schemas.microsoft.com/office/powerpoint/2010/main" xmlns:p15="http://schemas.microsoft.com/office/powerpoint/2012/main" xmlns:ahyp="http://schemas.microsoft.com/office/drawing/2018/hyperlinkcolor">
-  <p:cSld>
-    <p:spTree>
-      <p:nvGrpSpPr>
-        <p:cNvPr id="150" name="Shape 150"/>
-        <p:cNvGrpSpPr/>
-        <p:nvPr/>
-      </p:nvGrpSpPr>
-      <p:grpSpPr>
-        <a:xfrm>
-          <a:off x="0" y="0"/>
-          <a:ext cx="0" cy="0"/>
-          <a:chOff x="0" y="0"/>
-          <a:chExt cx="0" cy="0"/>
-        </a:xfrm>
-      </p:grpSpPr>
-      <p:sp>
-        <p:nvSpPr>
-          <p:cNvPr id="151" name="Google Shape;151;p11"/>
-          <p:cNvSpPr txBox="1"/>
-          <p:nvPr>
-            <p:ph type="title"/>
-          </p:nvPr>
-        </p:nvSpPr>
-        <p:spPr>
-          <a:xfrm>
-            <a:off x="950708" y="432186"/>
-            <a:ext cx="7358400" cy="342900"/>
-          </a:xfrm>
-          <a:prstGeom prst="rect">
-            <a:avLst/>
-          </a:prstGeom>
-          <a:noFill/>
-          <a:ln>
-            <a:noFill/>
-          </a:ln>
-        </p:spPr>
-        <p:txBody>
-          <a:bodyPr anchorCtr="0" anchor="ctr" bIns="40800" lIns="81625" spcFirstLastPara="1" rIns="81625" wrap="square" tIns="40800">
-            <a:normAutofit fontScale="90000"/>
-          </a:bodyPr>
-          <a:lstStyle/>
-          <a:p>
-            <a:pPr indent="0" lvl="0" marL="0" rtl="0" algn="l">
-              <a:lnSpc>
-                <a:spcPct val="100000"/>
-              </a:lnSpc>
-              <a:spcBef>
-                <a:spcPts val="0"/>
-              </a:spcBef>
-              <a:spcAft>
-                <a:spcPts val="0"/>
-              </a:spcAft>
-              <a:buSzPct val="111111"/>
-              <a:buNone/>
-            </a:pPr>
-            <a:r>
-              <a:rPr lang="en"/>
-              <a:t>Neural networks are like management hierarchies</a:t>
-            </a:r>
-            <a:endParaRPr/>
-          </a:p>
-        </p:txBody>
-      </p:sp>
-      <p:pic>
-        <p:nvPicPr>
-          <p:cNvPr id="152" name="Google Shape;152;p11"/>
-          <p:cNvPicPr preferRelativeResize="0"/>
-          <p:nvPr/>
-        </p:nvPicPr>
-        <p:blipFill rotWithShape="1">
-          <a:blip r:embed="rId3">
-            <a:alphaModFix/>
-          </a:blip>
-          <a:srcRect b="0" l="0" r="0" t="0"/>
-          <a:stretch/>
-        </p:blipFill>
-        <p:spPr>
-          <a:xfrm>
-            <a:off x="1998501" y="1859000"/>
-            <a:ext cx="5753424" cy="3154801"/>
-          </a:xfrm>
-          <a:prstGeom prst="rect">
-            <a:avLst/>
-          </a:prstGeom>
-          <a:noFill/>
-          <a:ln>
-            <a:noFill/>
-          </a:ln>
-        </p:spPr>
-      </p:pic>
-    </p:spTree>
-  </p:cSld>
-  <p:clrMapOvr>
-    <a:masterClrMapping/>
-  </p:clrMapOvr>
-</p:sld>
-</file>
-
-<file path=ppt/slides/slide12.xml><?xml version="1.0" encoding="utf-8"?>
-<p:sld xmlns:a="http://schemas.openxmlformats.org/drawingml/2006/main" xmlns:r="http://schemas.openxmlformats.org/officeDocument/2006/relationships" xmlns:mc="http://schemas.openxmlformats.org/markup-compatibility/2006" xmlns:mv="urn:schemas-microsoft-com:mac:vml" xmlns:p="http://schemas.openxmlformats.org/presentationml/2006/main" xmlns:c="http://schemas.openxmlformats.org/drawingml/2006/chart" xmlns:dgm="http://schemas.openxmlformats.org/drawingml/2006/diagram" xmlns:o="urn:schemas-microsoft-com:office:office" xmlns:v="urn:schemas-microsoft-com:vml" xmlns:pvml="urn:schemas-microsoft-com:office:powerpoint" xmlns:com="http://schemas.openxmlformats.org/drawingml/2006/compatibility" xmlns:p14="http://schemas.microsoft.com/office/powerpoint/2010/main" xmlns:p15="http://schemas.microsoft.com/office/powerpoint/2012/main" xmlns:ahyp="http://schemas.microsoft.com/office/drawing/2018/hyperlinkcolor">
-  <p:cSld>
-    <p:spTree>
-      <p:nvGrpSpPr>
-        <p:cNvPr id="156" name="Shape 156"/>
-        <p:cNvGrpSpPr/>
-        <p:nvPr/>
-      </p:nvGrpSpPr>
-      <p:grpSpPr>
-        <a:xfrm>
-          <a:off x="0" y="0"/>
-          <a:ext cx="0" cy="0"/>
-          <a:chOff x="0" y="0"/>
-          <a:chExt cx="0" cy="0"/>
-        </a:xfrm>
-      </p:grpSpPr>
-      <p:pic>
-        <p:nvPicPr>
-          <p:cNvPr id="157" name="Google Shape;157;p12"/>
-          <p:cNvPicPr preferRelativeResize="0"/>
-          <p:nvPr/>
-        </p:nvPicPr>
-        <p:blipFill rotWithShape="1">
-          <a:blip r:embed="rId3">
-            <a:alphaModFix/>
-          </a:blip>
-          <a:srcRect b="0" l="0" r="0" t="0"/>
-          <a:stretch/>
-        </p:blipFill>
-        <p:spPr>
-          <a:xfrm>
-            <a:off x="913975" y="944775"/>
-            <a:ext cx="7316051" cy="4110299"/>
-          </a:xfrm>
-          <a:prstGeom prst="rect">
-            <a:avLst/>
-          </a:prstGeom>
-          <a:noFill/>
-          <a:ln>
-            <a:noFill/>
-          </a:ln>
-        </p:spPr>
-      </p:pic>
-      <p:sp>
-        <p:nvSpPr>
-          <p:cNvPr id="158" name="Google Shape;158;p12"/>
-          <p:cNvSpPr txBox="1"/>
-          <p:nvPr>
-            <p:ph type="title"/>
-          </p:nvPr>
-        </p:nvSpPr>
-        <p:spPr>
-          <a:xfrm>
-            <a:off x="311700" y="445025"/>
-            <a:ext cx="8520600" cy="572700"/>
-          </a:xfrm>
-          <a:prstGeom prst="rect">
-            <a:avLst/>
-          </a:prstGeom>
-          <a:noFill/>
-          <a:ln>
-            <a:noFill/>
-          </a:ln>
-        </p:spPr>
-        <p:txBody>
-          <a:bodyPr anchorCtr="0" anchor="t" bIns="91425" lIns="91425" spcFirstLastPara="1" rIns="91425" wrap="square" tIns="91425">
-            <a:normAutofit fontScale="90000"/>
-          </a:bodyPr>
-          <a:lstStyle/>
-          <a:p>
-            <a:pPr indent="0" lvl="0" marL="0" rtl="0" algn="l">
-              <a:lnSpc>
-                <a:spcPct val="100000"/>
-              </a:lnSpc>
-              <a:spcBef>
-                <a:spcPts val="0"/>
-              </a:spcBef>
-              <a:spcAft>
-                <a:spcPts val="0"/>
-              </a:spcAft>
-              <a:buSzPct val="111111"/>
-              <a:buNone/>
-            </a:pPr>
-            <a:r>
-              <a:rPr lang="en"/>
-              <a:t>Neural networks can solve classification Problems</a:t>
-            </a:r>
-            <a:endParaRPr/>
           </a:p>
         </p:txBody>
       </p:sp>
@@ -13942,7 +14524,7 @@
       </p:grpSpPr>
       <p:sp>
         <p:nvSpPr>
-          <p:cNvPr id="163" name="Google Shape;163;p13"/>
+          <p:cNvPr id="163" name="Google Shape;163;p11"/>
           <p:cNvSpPr txBox="1"/>
           <p:nvPr>
             <p:ph type="title"/>
@@ -13950,8 +14532,8 @@
         </p:nvSpPr>
         <p:spPr>
           <a:xfrm>
-            <a:off x="311700" y="445025"/>
-            <a:ext cx="8520600" cy="572700"/>
+            <a:off x="950708" y="432186"/>
+            <a:ext cx="7358400" cy="342900"/>
           </a:xfrm>
           <a:prstGeom prst="rect">
             <a:avLst/>
@@ -13962,7 +14544,7 @@
           </a:ln>
         </p:spPr>
         <p:txBody>
-          <a:bodyPr anchorCtr="0" anchor="t" bIns="91425" lIns="91425" spcFirstLastPara="1" rIns="91425" wrap="square" tIns="91425">
+          <a:bodyPr anchorCtr="0" anchor="ctr" bIns="40800" lIns="81625" spcFirstLastPara="1" rIns="81625" wrap="square" tIns="40800">
             <a:normAutofit fontScale="90000"/>
           </a:bodyPr>
           <a:lstStyle/>
@@ -13982,7 +14564,7 @@
             </a:pPr>
             <a:r>
               <a:rPr lang="en"/>
-              <a:t>Next token prediction given some text </a:t>
+              <a:t>Neural networks are like management hierarchies</a:t>
             </a:r>
             <a:endParaRPr/>
           </a:p>
@@ -13990,7 +14572,7 @@
       </p:sp>
       <p:pic>
         <p:nvPicPr>
-          <p:cNvPr id="164" name="Google Shape;164;p13"/>
+          <p:cNvPr id="164" name="Google Shape;164;p11"/>
           <p:cNvPicPr preferRelativeResize="0"/>
           <p:nvPr/>
         </p:nvPicPr>
@@ -14003,8 +14585,8 @@
         </p:blipFill>
         <p:spPr>
           <a:xfrm>
-            <a:off x="3057092" y="1017725"/>
-            <a:ext cx="2821382" cy="4125776"/>
+            <a:off x="1998501" y="1859000"/>
+            <a:ext cx="5753424" cy="3154801"/>
           </a:xfrm>
           <a:prstGeom prst="rect">
             <a:avLst/>
@@ -14040,9 +14622,209 @@
           <a:chExt cx="0" cy="0"/>
         </a:xfrm>
       </p:grpSpPr>
+      <p:pic>
+        <p:nvPicPr>
+          <p:cNvPr id="169" name="Google Shape;169;p12"/>
+          <p:cNvPicPr preferRelativeResize="0"/>
+          <p:nvPr/>
+        </p:nvPicPr>
+        <p:blipFill rotWithShape="1">
+          <a:blip r:embed="rId3">
+            <a:alphaModFix/>
+          </a:blip>
+          <a:srcRect b="0" l="0" r="0" t="0"/>
+          <a:stretch/>
+        </p:blipFill>
+        <p:spPr>
+          <a:xfrm>
+            <a:off x="913975" y="944775"/>
+            <a:ext cx="7316051" cy="4110299"/>
+          </a:xfrm>
+          <a:prstGeom prst="rect">
+            <a:avLst/>
+          </a:prstGeom>
+          <a:noFill/>
+          <a:ln>
+            <a:noFill/>
+          </a:ln>
+        </p:spPr>
+      </p:pic>
       <p:sp>
         <p:nvSpPr>
-          <p:cNvPr id="169" name="Google Shape;169;p14"/>
+          <p:cNvPr id="170" name="Google Shape;170;p12"/>
+          <p:cNvSpPr txBox="1"/>
+          <p:nvPr>
+            <p:ph type="title"/>
+          </p:nvPr>
+        </p:nvSpPr>
+        <p:spPr>
+          <a:xfrm>
+            <a:off x="311700" y="445025"/>
+            <a:ext cx="8520600" cy="572700"/>
+          </a:xfrm>
+          <a:prstGeom prst="rect">
+            <a:avLst/>
+          </a:prstGeom>
+          <a:noFill/>
+          <a:ln>
+            <a:noFill/>
+          </a:ln>
+        </p:spPr>
+        <p:txBody>
+          <a:bodyPr anchorCtr="0" anchor="t" bIns="91425" lIns="91425" spcFirstLastPara="1" rIns="91425" wrap="square" tIns="91425">
+            <a:normAutofit fontScale="90000"/>
+          </a:bodyPr>
+          <a:lstStyle/>
+          <a:p>
+            <a:pPr indent="0" lvl="0" marL="0" rtl="0" algn="l">
+              <a:lnSpc>
+                <a:spcPct val="100000"/>
+              </a:lnSpc>
+              <a:spcBef>
+                <a:spcPts val="0"/>
+              </a:spcBef>
+              <a:spcAft>
+                <a:spcPts val="0"/>
+              </a:spcAft>
+              <a:buSzPct val="111111"/>
+              <a:buNone/>
+            </a:pPr>
+            <a:r>
+              <a:rPr lang="en"/>
+              <a:t>Neural networks can solve classification Problems</a:t>
+            </a:r>
+            <a:endParaRPr/>
+          </a:p>
+        </p:txBody>
+      </p:sp>
+    </p:spTree>
+  </p:cSld>
+  <p:clrMapOvr>
+    <a:masterClrMapping/>
+  </p:clrMapOvr>
+</p:sld>
+</file>
+
+<file path=ppt/slides/slide15.xml><?xml version="1.0" encoding="utf-8"?>
+<p:sld xmlns:a="http://schemas.openxmlformats.org/drawingml/2006/main" xmlns:r="http://schemas.openxmlformats.org/officeDocument/2006/relationships" xmlns:mc="http://schemas.openxmlformats.org/markup-compatibility/2006" xmlns:mv="urn:schemas-microsoft-com:mac:vml" xmlns:p="http://schemas.openxmlformats.org/presentationml/2006/main" xmlns:c="http://schemas.openxmlformats.org/drawingml/2006/chart" xmlns:dgm="http://schemas.openxmlformats.org/drawingml/2006/diagram" xmlns:o="urn:schemas-microsoft-com:office:office" xmlns:v="urn:schemas-microsoft-com:vml" xmlns:pvml="urn:schemas-microsoft-com:office:powerpoint" xmlns:com="http://schemas.openxmlformats.org/drawingml/2006/compatibility" xmlns:p14="http://schemas.microsoft.com/office/powerpoint/2010/main" xmlns:p15="http://schemas.microsoft.com/office/powerpoint/2012/main" xmlns:ahyp="http://schemas.microsoft.com/office/drawing/2018/hyperlinkcolor">
+  <p:cSld>
+    <p:spTree>
+      <p:nvGrpSpPr>
+        <p:cNvPr id="174" name="Shape 174"/>
+        <p:cNvGrpSpPr/>
+        <p:nvPr/>
+      </p:nvGrpSpPr>
+      <p:grpSpPr>
+        <a:xfrm>
+          <a:off x="0" y="0"/>
+          <a:ext cx="0" cy="0"/>
+          <a:chOff x="0" y="0"/>
+          <a:chExt cx="0" cy="0"/>
+        </a:xfrm>
+      </p:grpSpPr>
+      <p:sp>
+        <p:nvSpPr>
+          <p:cNvPr id="175" name="Google Shape;175;p13"/>
+          <p:cNvSpPr txBox="1"/>
+          <p:nvPr>
+            <p:ph type="title"/>
+          </p:nvPr>
+        </p:nvSpPr>
+        <p:spPr>
+          <a:xfrm>
+            <a:off x="311700" y="445025"/>
+            <a:ext cx="8520600" cy="572700"/>
+          </a:xfrm>
+          <a:prstGeom prst="rect">
+            <a:avLst/>
+          </a:prstGeom>
+          <a:noFill/>
+          <a:ln>
+            <a:noFill/>
+          </a:ln>
+        </p:spPr>
+        <p:txBody>
+          <a:bodyPr anchorCtr="0" anchor="t" bIns="91425" lIns="91425" spcFirstLastPara="1" rIns="91425" wrap="square" tIns="91425">
+            <a:normAutofit fontScale="90000"/>
+          </a:bodyPr>
+          <a:lstStyle/>
+          <a:p>
+            <a:pPr indent="0" lvl="0" marL="0" rtl="0" algn="l">
+              <a:lnSpc>
+                <a:spcPct val="100000"/>
+              </a:lnSpc>
+              <a:spcBef>
+                <a:spcPts val="0"/>
+              </a:spcBef>
+              <a:spcAft>
+                <a:spcPts val="0"/>
+              </a:spcAft>
+              <a:buSzPct val="111111"/>
+              <a:buNone/>
+            </a:pPr>
+            <a:r>
+              <a:rPr lang="en"/>
+              <a:t>Next token prediction given some text </a:t>
+            </a:r>
+            <a:endParaRPr/>
+          </a:p>
+        </p:txBody>
+      </p:sp>
+      <p:pic>
+        <p:nvPicPr>
+          <p:cNvPr id="176" name="Google Shape;176;p13"/>
+          <p:cNvPicPr preferRelativeResize="0"/>
+          <p:nvPr/>
+        </p:nvPicPr>
+        <p:blipFill rotWithShape="1">
+          <a:blip r:embed="rId3">
+            <a:alphaModFix/>
+          </a:blip>
+          <a:srcRect b="0" l="0" r="0" t="0"/>
+          <a:stretch/>
+        </p:blipFill>
+        <p:spPr>
+          <a:xfrm>
+            <a:off x="3057092" y="1017725"/>
+            <a:ext cx="2821382" cy="4125776"/>
+          </a:xfrm>
+          <a:prstGeom prst="rect">
+            <a:avLst/>
+          </a:prstGeom>
+          <a:noFill/>
+          <a:ln>
+            <a:noFill/>
+          </a:ln>
+        </p:spPr>
+      </p:pic>
+    </p:spTree>
+  </p:cSld>
+  <p:clrMapOvr>
+    <a:masterClrMapping/>
+  </p:clrMapOvr>
+</p:sld>
+</file>
+
+<file path=ppt/slides/slide16.xml><?xml version="1.0" encoding="utf-8"?>
+<p:sld xmlns:a="http://schemas.openxmlformats.org/drawingml/2006/main" xmlns:r="http://schemas.openxmlformats.org/officeDocument/2006/relationships" xmlns:mc="http://schemas.openxmlformats.org/markup-compatibility/2006" xmlns:mv="urn:schemas-microsoft-com:mac:vml" xmlns:p="http://schemas.openxmlformats.org/presentationml/2006/main" xmlns:c="http://schemas.openxmlformats.org/drawingml/2006/chart" xmlns:dgm="http://schemas.openxmlformats.org/drawingml/2006/diagram" xmlns:o="urn:schemas-microsoft-com:office:office" xmlns:v="urn:schemas-microsoft-com:vml" xmlns:pvml="urn:schemas-microsoft-com:office:powerpoint" xmlns:com="http://schemas.openxmlformats.org/drawingml/2006/compatibility" xmlns:p14="http://schemas.microsoft.com/office/powerpoint/2010/main" xmlns:p15="http://schemas.microsoft.com/office/powerpoint/2012/main" xmlns:ahyp="http://schemas.microsoft.com/office/drawing/2018/hyperlinkcolor">
+  <p:cSld>
+    <p:spTree>
+      <p:nvGrpSpPr>
+        <p:cNvPr id="180" name="Shape 180"/>
+        <p:cNvGrpSpPr/>
+        <p:nvPr/>
+      </p:nvGrpSpPr>
+      <p:grpSpPr>
+        <a:xfrm>
+          <a:off x="0" y="0"/>
+          <a:ext cx="0" cy="0"/>
+          <a:chOff x="0" y="0"/>
+          <a:chExt cx="0" cy="0"/>
+        </a:xfrm>
+      </p:grpSpPr>
+      <p:sp>
+        <p:nvSpPr>
+          <p:cNvPr id="181" name="Google Shape;181;p14"/>
           <p:cNvSpPr txBox="1"/>
           <p:nvPr>
             <p:ph type="title"/>
@@ -14100,12 +14882,12 @@
 </p:sld>
 </file>
 
-<file path=ppt/slides/slide15.xml><?xml version="1.0" encoding="utf-8"?>
+<file path=ppt/slides/slide17.xml><?xml version="1.0" encoding="utf-8"?>
 <p:sld xmlns:a="http://schemas.openxmlformats.org/drawingml/2006/main" xmlns:r="http://schemas.openxmlformats.org/officeDocument/2006/relationships" xmlns:mc="http://schemas.openxmlformats.org/markup-compatibility/2006" xmlns:mv="urn:schemas-microsoft-com:mac:vml" xmlns:p="http://schemas.openxmlformats.org/presentationml/2006/main" xmlns:c="http://schemas.openxmlformats.org/drawingml/2006/chart" xmlns:dgm="http://schemas.openxmlformats.org/drawingml/2006/diagram" xmlns:o="urn:schemas-microsoft-com:office:office" xmlns:v="urn:schemas-microsoft-com:vml" xmlns:pvml="urn:schemas-microsoft-com:office:powerpoint" xmlns:com="http://schemas.openxmlformats.org/drawingml/2006/compatibility" xmlns:p14="http://schemas.microsoft.com/office/powerpoint/2010/main" xmlns:p15="http://schemas.microsoft.com/office/powerpoint/2012/main" xmlns:ahyp="http://schemas.microsoft.com/office/drawing/2018/hyperlinkcolor">
   <p:cSld>
     <p:spTree>
       <p:nvGrpSpPr>
-        <p:cNvPr id="173" name="Shape 173"/>
+        <p:cNvPr id="185" name="Shape 185"/>
         <p:cNvGrpSpPr/>
         <p:nvPr/>
       </p:nvGrpSpPr>
@@ -14119,7 +14901,7 @@
       </p:grpSpPr>
       <p:sp>
         <p:nvSpPr>
-          <p:cNvPr id="174" name="Google Shape;174;p15"/>
+          <p:cNvPr id="186" name="Google Shape;186;p15"/>
           <p:cNvSpPr txBox="1"/>
           <p:nvPr>
             <p:ph type="title"/>
@@ -14167,7 +14949,7 @@
       </p:sp>
       <p:sp>
         <p:nvSpPr>
-          <p:cNvPr id="175" name="Google Shape;175;p15"/>
+          <p:cNvPr id="187" name="Google Shape;187;p15"/>
           <p:cNvSpPr txBox="1"/>
           <p:nvPr>
             <p:ph idx="1" type="body"/>
@@ -14439,12 +15221,12 @@
 </p:sld>
 </file>
 
-<file path=ppt/slides/slide16.xml><?xml version="1.0" encoding="utf-8"?>
+<file path=ppt/slides/slide18.xml><?xml version="1.0" encoding="utf-8"?>
 <p:sld xmlns:a="http://schemas.openxmlformats.org/drawingml/2006/main" xmlns:r="http://schemas.openxmlformats.org/officeDocument/2006/relationships" xmlns:mc="http://schemas.openxmlformats.org/markup-compatibility/2006" xmlns:mv="urn:schemas-microsoft-com:mac:vml" xmlns:p="http://schemas.openxmlformats.org/presentationml/2006/main" xmlns:c="http://schemas.openxmlformats.org/drawingml/2006/chart" xmlns:dgm="http://schemas.openxmlformats.org/drawingml/2006/diagram" xmlns:o="urn:schemas-microsoft-com:office:office" xmlns:v="urn:schemas-microsoft-com:vml" xmlns:pvml="urn:schemas-microsoft-com:office:powerpoint" xmlns:com="http://schemas.openxmlformats.org/drawingml/2006/compatibility" xmlns:p14="http://schemas.microsoft.com/office/powerpoint/2010/main" xmlns:p15="http://schemas.microsoft.com/office/powerpoint/2012/main" xmlns:ahyp="http://schemas.microsoft.com/office/drawing/2018/hyperlinkcolor">
   <p:cSld>
     <p:spTree>
       <p:nvGrpSpPr>
-        <p:cNvPr id="179" name="Shape 179"/>
+        <p:cNvPr id="191" name="Shape 191"/>
         <p:cNvGrpSpPr/>
         <p:nvPr/>
       </p:nvGrpSpPr>
@@ -14458,7 +15240,7 @@
       </p:grpSpPr>
       <p:sp>
         <p:nvSpPr>
-          <p:cNvPr id="180" name="Google Shape;180;p16"/>
+          <p:cNvPr id="192" name="Google Shape;192;p16"/>
           <p:cNvSpPr txBox="1"/>
           <p:nvPr>
             <p:ph idx="1" type="body"/>
@@ -14880,12 +15662,12 @@
 </p:sld>
 </file>
 
-<file path=ppt/slides/slide17.xml><?xml version="1.0" encoding="utf-8"?>
+<file path=ppt/slides/slide19.xml><?xml version="1.0" encoding="utf-8"?>
 <p:sld xmlns:a="http://schemas.openxmlformats.org/drawingml/2006/main" xmlns:r="http://schemas.openxmlformats.org/officeDocument/2006/relationships" xmlns:mc="http://schemas.openxmlformats.org/markup-compatibility/2006" xmlns:mv="urn:schemas-microsoft-com:mac:vml" xmlns:p="http://schemas.openxmlformats.org/presentationml/2006/main" xmlns:c="http://schemas.openxmlformats.org/drawingml/2006/chart" xmlns:dgm="http://schemas.openxmlformats.org/drawingml/2006/diagram" xmlns:o="urn:schemas-microsoft-com:office:office" xmlns:v="urn:schemas-microsoft-com:vml" xmlns:pvml="urn:schemas-microsoft-com:office:powerpoint" xmlns:com="http://schemas.openxmlformats.org/drawingml/2006/compatibility" xmlns:p14="http://schemas.microsoft.com/office/powerpoint/2010/main" xmlns:p15="http://schemas.microsoft.com/office/powerpoint/2012/main" xmlns:ahyp="http://schemas.microsoft.com/office/drawing/2018/hyperlinkcolor">
   <p:cSld>
     <p:spTree>
       <p:nvGrpSpPr>
-        <p:cNvPr id="184" name="Shape 184"/>
+        <p:cNvPr id="196" name="Shape 196"/>
         <p:cNvGrpSpPr/>
         <p:nvPr/>
       </p:nvGrpSpPr>
@@ -14899,7 +15681,7 @@
       </p:grpSpPr>
       <p:sp>
         <p:nvSpPr>
-          <p:cNvPr id="185" name="Google Shape;185;p17"/>
+          <p:cNvPr id="197" name="Google Shape;197;p17"/>
           <p:cNvSpPr txBox="1"/>
           <p:nvPr>
             <p:ph type="title"/>
@@ -14947,7 +15729,7 @@
       </p:sp>
       <p:sp>
         <p:nvSpPr>
-          <p:cNvPr id="186" name="Google Shape;186;p17"/>
+          <p:cNvPr id="198" name="Google Shape;198;p17"/>
           <p:cNvSpPr txBox="1"/>
           <p:nvPr>
             <p:ph idx="1" type="body"/>
@@ -15418,261 +16200,6 @@
               </a:solidFill>
               <a:highlight>
                 <a:schemeClr val="lt1"/>
-              </a:highlight>
-            </a:endParaRPr>
-          </a:p>
-        </p:txBody>
-      </p:sp>
-    </p:spTree>
-  </p:cSld>
-  <p:clrMapOvr>
-    <a:masterClrMapping/>
-  </p:clrMapOvr>
-</p:sld>
-</file>
-
-<file path=ppt/slides/slide18.xml><?xml version="1.0" encoding="utf-8"?>
-<p:sld xmlns:a="http://schemas.openxmlformats.org/drawingml/2006/main" xmlns:r="http://schemas.openxmlformats.org/officeDocument/2006/relationships" xmlns:mc="http://schemas.openxmlformats.org/markup-compatibility/2006" xmlns:mv="urn:schemas-microsoft-com:mac:vml" xmlns:p="http://schemas.openxmlformats.org/presentationml/2006/main" xmlns:c="http://schemas.openxmlformats.org/drawingml/2006/chart" xmlns:dgm="http://schemas.openxmlformats.org/drawingml/2006/diagram" xmlns:o="urn:schemas-microsoft-com:office:office" xmlns:v="urn:schemas-microsoft-com:vml" xmlns:pvml="urn:schemas-microsoft-com:office:powerpoint" xmlns:com="http://schemas.openxmlformats.org/drawingml/2006/compatibility" xmlns:p14="http://schemas.microsoft.com/office/powerpoint/2010/main" xmlns:p15="http://schemas.microsoft.com/office/powerpoint/2012/main" xmlns:ahyp="http://schemas.microsoft.com/office/drawing/2018/hyperlinkcolor">
-  <p:cSld>
-    <p:spTree>
-      <p:nvGrpSpPr>
-        <p:cNvPr id="190" name="Shape 190"/>
-        <p:cNvGrpSpPr/>
-        <p:nvPr/>
-      </p:nvGrpSpPr>
-      <p:grpSpPr>
-        <a:xfrm>
-          <a:off x="0" y="0"/>
-          <a:ext cx="0" cy="0"/>
-          <a:chOff x="0" y="0"/>
-          <a:chExt cx="0" cy="0"/>
-        </a:xfrm>
-      </p:grpSpPr>
-      <p:pic>
-        <p:nvPicPr>
-          <p:cNvPr id="191" name="Google Shape;191;p18"/>
-          <p:cNvPicPr preferRelativeResize="0"/>
-          <p:nvPr/>
-        </p:nvPicPr>
-        <p:blipFill rotWithShape="1">
-          <a:blip r:embed="rId3">
-            <a:alphaModFix/>
-          </a:blip>
-          <a:srcRect b="0" l="0" r="0" t="0"/>
-          <a:stretch/>
-        </p:blipFill>
-        <p:spPr>
-          <a:xfrm>
-            <a:off x="2235668" y="235425"/>
-            <a:ext cx="4672676" cy="4672651"/>
-          </a:xfrm>
-          <a:prstGeom prst="rect">
-            <a:avLst/>
-          </a:prstGeom>
-          <a:noFill/>
-          <a:ln>
-            <a:noFill/>
-          </a:ln>
-        </p:spPr>
-      </p:pic>
-    </p:spTree>
-  </p:cSld>
-  <p:clrMapOvr>
-    <a:masterClrMapping/>
-  </p:clrMapOvr>
-</p:sld>
-</file>
-
-<file path=ppt/slides/slide19.xml><?xml version="1.0" encoding="utf-8"?>
-<p:sld xmlns:a="http://schemas.openxmlformats.org/drawingml/2006/main" xmlns:r="http://schemas.openxmlformats.org/officeDocument/2006/relationships" xmlns:mc="http://schemas.openxmlformats.org/markup-compatibility/2006" xmlns:mv="urn:schemas-microsoft-com:mac:vml" xmlns:p="http://schemas.openxmlformats.org/presentationml/2006/main" xmlns:c="http://schemas.openxmlformats.org/drawingml/2006/chart" xmlns:dgm="http://schemas.openxmlformats.org/drawingml/2006/diagram" xmlns:o="urn:schemas-microsoft-com:office:office" xmlns:v="urn:schemas-microsoft-com:vml" xmlns:pvml="urn:schemas-microsoft-com:office:powerpoint" xmlns:com="http://schemas.openxmlformats.org/drawingml/2006/compatibility" xmlns:p14="http://schemas.microsoft.com/office/powerpoint/2010/main" xmlns:p15="http://schemas.microsoft.com/office/powerpoint/2012/main" xmlns:ahyp="http://schemas.microsoft.com/office/drawing/2018/hyperlinkcolor">
-  <p:cSld>
-    <p:spTree>
-      <p:nvGrpSpPr>
-        <p:cNvPr id="195" name="Shape 195"/>
-        <p:cNvGrpSpPr/>
-        <p:nvPr/>
-      </p:nvGrpSpPr>
-      <p:grpSpPr>
-        <a:xfrm>
-          <a:off x="0" y="0"/>
-          <a:ext cx="0" cy="0"/>
-          <a:chOff x="0" y="0"/>
-          <a:chExt cx="0" cy="0"/>
-        </a:xfrm>
-      </p:grpSpPr>
-      <p:sp>
-        <p:nvSpPr>
-          <p:cNvPr id="196" name="Google Shape;196;p19"/>
-          <p:cNvSpPr txBox="1"/>
-          <p:nvPr>
-            <p:ph type="title"/>
-          </p:nvPr>
-        </p:nvSpPr>
-        <p:spPr>
-          <a:xfrm>
-            <a:off x="311700" y="445025"/>
-            <a:ext cx="8520600" cy="572700"/>
-          </a:xfrm>
-          <a:prstGeom prst="rect">
-            <a:avLst/>
-          </a:prstGeom>
-          <a:noFill/>
-          <a:ln>
-            <a:noFill/>
-          </a:ln>
-        </p:spPr>
-        <p:txBody>
-          <a:bodyPr anchorCtr="0" anchor="t" bIns="91425" lIns="91425" spcFirstLastPara="1" rIns="91425" wrap="square" tIns="91425">
-            <a:normAutofit fontScale="90000"/>
-          </a:bodyPr>
-          <a:lstStyle/>
-          <a:p>
-            <a:pPr indent="0" lvl="0" marL="0" rtl="0" algn="l">
-              <a:lnSpc>
-                <a:spcPct val="100000"/>
-              </a:lnSpc>
-              <a:spcBef>
-                <a:spcPts val="0"/>
-              </a:spcBef>
-              <a:spcAft>
-                <a:spcPts val="0"/>
-              </a:spcAft>
-              <a:buSzPct val="111111"/>
-              <a:buNone/>
-            </a:pPr>
-            <a:r>
-              <a:rPr lang="en"/>
-              <a:t>Tokenizing Text input </a:t>
-            </a:r>
-            <a:endParaRPr/>
-          </a:p>
-        </p:txBody>
-      </p:sp>
-      <p:sp>
-        <p:nvSpPr>
-          <p:cNvPr id="197" name="Google Shape;197;p19"/>
-          <p:cNvSpPr txBox="1"/>
-          <p:nvPr>
-            <p:ph idx="1" type="body"/>
-          </p:nvPr>
-        </p:nvSpPr>
-        <p:spPr>
-          <a:xfrm>
-            <a:off x="311700" y="1152475"/>
-            <a:ext cx="8520600" cy="3416400"/>
-          </a:xfrm>
-          <a:prstGeom prst="rect">
-            <a:avLst/>
-          </a:prstGeom>
-          <a:noFill/>
-          <a:ln>
-            <a:noFill/>
-          </a:ln>
-        </p:spPr>
-        <p:txBody>
-          <a:bodyPr anchorCtr="0" anchor="t" bIns="91425" lIns="91425" spcFirstLastPara="1" rIns="91425" wrap="square" tIns="91425">
-            <a:normAutofit/>
-          </a:bodyPr>
-          <a:lstStyle/>
-          <a:p>
-            <a:pPr indent="0" lvl="0" marL="0" rtl="0" algn="l">
-              <a:lnSpc>
-                <a:spcPct val="115000"/>
-              </a:lnSpc>
-              <a:spcBef>
-                <a:spcPts val="0"/>
-              </a:spcBef>
-              <a:spcAft>
-                <a:spcPts val="0"/>
-              </a:spcAft>
-              <a:buSzPts val="1800"/>
-              <a:buNone/>
-            </a:pPr>
-            <a:r>
-              <a:rPr lang="en">
-                <a:solidFill>
-                  <a:schemeClr val="dk1"/>
-                </a:solidFill>
-                <a:highlight>
-                  <a:srgbClr val="FFFFFF"/>
-                </a:highlight>
-              </a:rPr>
-              <a:t>Tokenizing a text is splitting it into words or subwords, which then are converted to ids through a look-up table</a:t>
-            </a:r>
-            <a:endParaRPr>
-              <a:solidFill>
-                <a:schemeClr val="dk1"/>
-              </a:solidFill>
-              <a:highlight>
-                <a:srgbClr val="FFFFFF"/>
-              </a:highlight>
-            </a:endParaRPr>
-          </a:p>
-          <a:p>
-            <a:pPr indent="0" lvl="0" marL="0" rtl="0" algn="l">
-              <a:lnSpc>
-                <a:spcPct val="115000"/>
-              </a:lnSpc>
-              <a:spcBef>
-                <a:spcPts val="1200"/>
-              </a:spcBef>
-              <a:spcAft>
-                <a:spcPts val="0"/>
-              </a:spcAft>
-              <a:buSzPts val="1800"/>
-              <a:buNone/>
-            </a:pPr>
-            <a:r>
-              <a:rPr lang="en">
-                <a:solidFill>
-                  <a:schemeClr val="dk1"/>
-                </a:solidFill>
-                <a:highlight>
-                  <a:srgbClr val="FFFFFF"/>
-                </a:highlight>
-              </a:rPr>
-              <a:t>The tokenizer does this compression by constructing a one-to-one map of token strings (combinations of characters) to token IDs (a number).</a:t>
-            </a:r>
-            <a:endParaRPr>
-              <a:solidFill>
-                <a:schemeClr val="dk1"/>
-              </a:solidFill>
-              <a:highlight>
-                <a:srgbClr val="FFFFFF"/>
-              </a:highlight>
-            </a:endParaRPr>
-          </a:p>
-          <a:p>
-            <a:pPr indent="0" lvl="0" marL="0" rtl="0" algn="l">
-              <a:lnSpc>
-                <a:spcPct val="115000"/>
-              </a:lnSpc>
-              <a:spcBef>
-                <a:spcPts val="1200"/>
-              </a:spcBef>
-              <a:spcAft>
-                <a:spcPts val="1200"/>
-              </a:spcAft>
-              <a:buSzPts val="1800"/>
-              <a:buNone/>
-            </a:pPr>
-            <a:r>
-              <a:rPr lang="en">
-                <a:solidFill>
-                  <a:schemeClr val="dk1"/>
-                </a:solidFill>
-                <a:highlight>
-                  <a:srgbClr val="FFFFFF"/>
-                </a:highlight>
-              </a:rPr>
-              <a:t>A pretrained language model’s subword vocabulary cannot be altered: any downstream application of these models must tokenize input or generate output using the original subword vocabulary, </a:t>
-            </a:r>
-            <a:endParaRPr>
-              <a:solidFill>
-                <a:schemeClr val="dk1"/>
-              </a:solidFill>
-              <a:highlight>
-                <a:srgbClr val="FFFFFF"/>
               </a:highlight>
             </a:endParaRPr>
           </a:p>
@@ -15745,7 +16272,7 @@
             </a:pPr>
             <a:r>
               <a:rPr lang="en"/>
-              <a:t>What will we cover ?</a:t>
+              <a:t>Course goal</a:t>
             </a:r>
             <a:endParaRPr/>
           </a:p>
@@ -15783,7 +16310,7 @@
                 <a:spcPct val="115000"/>
               </a:lnSpc>
               <a:spcBef>
-                <a:spcPts val="0"/>
+                <a:spcPts val="1200"/>
               </a:spcBef>
               <a:spcAft>
                 <a:spcPts val="0"/>
@@ -15793,7 +16320,7 @@
             </a:pPr>
             <a:r>
               <a:rPr lang="en"/>
-              <a:t>Session 1:  Quick review of ML, Neural  networks, Text Processing , environment setup</a:t>
+              <a:t>A hands on introduction to LLMs ( LLM inference with open AI and open source Hugging Face models,Function calling LLMs, RAG, LLM fine tuning)  </a:t>
             </a:r>
             <a:endParaRPr/>
           </a:p>
@@ -15803,7 +16330,7 @@
                 <a:spcPct val="115000"/>
               </a:lnSpc>
               <a:spcBef>
-                <a:spcPts val="0"/>
+                <a:spcPts val="1200"/>
               </a:spcBef>
               <a:spcAft>
                 <a:spcPts val="0"/>
@@ -15813,7 +16340,7 @@
             </a:pPr>
             <a:r>
               <a:rPr lang="en"/>
-              <a:t>Session 2:  Hands on Ollama Jupyter notebook</a:t>
+              <a:t>Expects you to know what vectors are and what a dot product is. </a:t>
             </a:r>
             <a:endParaRPr/>
           </a:p>
@@ -15833,7 +16360,7 @@
             </a:pPr>
             <a:r>
               <a:rPr lang="en"/>
-              <a:t>Session 3:  Gradio, Function calling LLMs </a:t>
+              <a:t>Past deep learning, NLP  exposure is obviously helpful. </a:t>
             </a:r>
             <a:endParaRPr/>
           </a:p>
@@ -15846,54 +16373,27 @@
                 <a:spcPts val="1200"/>
               </a:spcBef>
               <a:spcAft>
-                <a:spcPts val="0"/>
+                <a:spcPts val="1200"/>
               </a:spcAft>
               <a:buSzPts val="1800"/>
               <a:buNone/>
             </a:pPr>
             <a:r>
               <a:rPr lang="en"/>
-              <a:t>Session 4: HuggingFace Open source LLMs</a:t>
+              <a:t>Will not cover MCPs, Agents , Langgraph, </a:t>
             </a:r>
-            <a:endParaRPr/>
-          </a:p>
-          <a:p>
-            <a:pPr indent="0" lvl="0" marL="0" rtl="0" algn="l">
-              <a:lnSpc>
-                <a:spcPct val="115000"/>
-              </a:lnSpc>
-              <a:spcBef>
-                <a:spcPts val="1200"/>
-              </a:spcBef>
-              <a:spcAft>
-                <a:spcPts val="0"/>
-              </a:spcAft>
-              <a:buSzPts val="1800"/>
-              <a:buNone/>
-            </a:pPr>
+            <a:r>
+              <a:rPr lang="en" u="sng">
+                <a:solidFill>
+                  <a:schemeClr val="hlink"/>
+                </a:solidFill>
+                <a:hlinkClick r:id="rId3"/>
+              </a:rPr>
+              <a:t>Crew.ai</a:t>
+            </a:r>
             <a:r>
               <a:rPr lang="en"/>
-              <a:t>Session 5: RAG</a:t>
-            </a:r>
-            <a:endParaRPr/>
-          </a:p>
-          <a:p>
-            <a:pPr indent="0" lvl="0" marL="0" rtl="0" algn="l">
-              <a:lnSpc>
-                <a:spcPct val="115000"/>
-              </a:lnSpc>
-              <a:spcBef>
-                <a:spcPts val="1200"/>
-              </a:spcBef>
-              <a:spcAft>
-                <a:spcPts val="1200"/>
-              </a:spcAft>
-              <a:buSzPts val="1800"/>
-              <a:buNone/>
-            </a:pPr>
-            <a:r>
-              <a:rPr lang="en"/>
-              <a:t>Session 6:  LLM fine tuning</a:t>
+              <a:t> , autogen.  </a:t>
             </a:r>
             <a:endParaRPr/>
           </a:p>
@@ -15912,7 +16412,7 @@
   <p:cSld>
     <p:spTree>
       <p:nvGrpSpPr>
-        <p:cNvPr id="201" name="Shape 201"/>
+        <p:cNvPr id="202" name="Shape 202"/>
         <p:cNvGrpSpPr/>
         <p:nvPr/>
       </p:nvGrpSpPr>
@@ -15924,18 +16424,23 @@
           <a:chExt cx="0" cy="0"/>
         </a:xfrm>
       </p:grpSpPr>
-      <p:sp>
-        <p:nvSpPr>
-          <p:cNvPr id="202" name="Google Shape;202;p20"/>
-          <p:cNvSpPr txBox="1"/>
-          <p:nvPr>
-            <p:ph type="title"/>
-          </p:nvPr>
-        </p:nvSpPr>
+      <p:pic>
+        <p:nvPicPr>
+          <p:cNvPr id="203" name="Google Shape;203;p18"/>
+          <p:cNvPicPr preferRelativeResize="0"/>
+          <p:nvPr/>
+        </p:nvPicPr>
+        <p:blipFill rotWithShape="1">
+          <a:blip r:embed="rId3">
+            <a:alphaModFix/>
+          </a:blip>
+          <a:srcRect b="0" l="0" r="0" t="0"/>
+          <a:stretch/>
+        </p:blipFill>
         <p:spPr>
           <a:xfrm>
-            <a:off x="311700" y="445025"/>
-            <a:ext cx="8520600" cy="572700"/>
+            <a:off x="2235668" y="235425"/>
+            <a:ext cx="4672676" cy="4672651"/>
           </a:xfrm>
           <a:prstGeom prst="rect">
             <a:avLst/>
@@ -15945,354 +16450,7 @@
             <a:noFill/>
           </a:ln>
         </p:spPr>
-        <p:txBody>
-          <a:bodyPr anchorCtr="0" anchor="t" bIns="91425" lIns="91425" spcFirstLastPara="1" rIns="91425" wrap="square" tIns="91425">
-            <a:normAutofit fontScale="90000"/>
-          </a:bodyPr>
-          <a:lstStyle/>
-          <a:p>
-            <a:pPr indent="0" lvl="0" marL="0" rtl="0" algn="l">
-              <a:lnSpc>
-                <a:spcPct val="100000"/>
-              </a:lnSpc>
-              <a:spcBef>
-                <a:spcPts val="0"/>
-              </a:spcBef>
-              <a:spcAft>
-                <a:spcPts val="0"/>
-              </a:spcAft>
-              <a:buSzPct val="111111"/>
-              <a:buNone/>
-            </a:pPr>
-            <a:r>
-              <a:rPr lang="en"/>
-              <a:t>Tokenizing Options</a:t>
-            </a:r>
-            <a:endParaRPr/>
-          </a:p>
-        </p:txBody>
-      </p:sp>
-      <p:sp>
-        <p:nvSpPr>
-          <p:cNvPr id="203" name="Google Shape;203;p20"/>
-          <p:cNvSpPr txBox="1"/>
-          <p:nvPr>
-            <p:ph idx="1" type="body"/>
-          </p:nvPr>
-        </p:nvSpPr>
-        <p:spPr>
-          <a:xfrm>
-            <a:off x="311700" y="1152475"/>
-            <a:ext cx="8520600" cy="3416400"/>
-          </a:xfrm>
-          <a:prstGeom prst="rect">
-            <a:avLst/>
-          </a:prstGeom>
-          <a:noFill/>
-          <a:ln>
-            <a:noFill/>
-          </a:ln>
-        </p:spPr>
-        <p:txBody>
-          <a:bodyPr anchorCtr="0" anchor="t" bIns="91425" lIns="91425" spcFirstLastPara="1" rIns="91425" wrap="square" tIns="91425">
-            <a:normAutofit fontScale="92500" lnSpcReduction="20000"/>
-          </a:bodyPr>
-          <a:lstStyle/>
-          <a:p>
-            <a:pPr indent="0" lvl="0" marL="0" rtl="0" algn="l">
-              <a:lnSpc>
-                <a:spcPct val="115000"/>
-              </a:lnSpc>
-              <a:spcBef>
-                <a:spcPts val="0"/>
-              </a:spcBef>
-              <a:spcAft>
-                <a:spcPts val="0"/>
-              </a:spcAft>
-              <a:buSzPct val="108108"/>
-              <a:buNone/>
-            </a:pPr>
-            <a:r>
-              <a:rPr b="1" lang="en">
-                <a:solidFill>
-                  <a:srgbClr val="4B5563"/>
-                </a:solidFill>
-                <a:highlight>
-                  <a:srgbClr val="FFFFFF"/>
-                </a:highlight>
-              </a:rPr>
-              <a:t>Word Tokenization:</a:t>
-            </a:r>
-            <a:r>
-              <a:rPr lang="en">
-                <a:solidFill>
-                  <a:srgbClr val="4B5563"/>
-                </a:solidFill>
-                <a:highlight>
-                  <a:srgbClr val="FFFFFF"/>
-                </a:highlight>
-              </a:rPr>
-              <a:t> Splitting text along word spaces and punctuation characters</a:t>
-            </a:r>
-            <a:endParaRPr>
-              <a:solidFill>
-                <a:srgbClr val="4B5563"/>
-              </a:solidFill>
-              <a:highlight>
-                <a:srgbClr val="FFFFFF"/>
-              </a:highlight>
-            </a:endParaRPr>
-          </a:p>
-          <a:p>
-            <a:pPr indent="0" lvl="0" marL="0" rtl="0" algn="l">
-              <a:lnSpc>
-                <a:spcPct val="115000"/>
-              </a:lnSpc>
-              <a:spcBef>
-                <a:spcPts val="1200"/>
-              </a:spcBef>
-              <a:spcAft>
-                <a:spcPts val="0"/>
-              </a:spcAft>
-              <a:buClr>
-                <a:schemeClr val="dk1"/>
-              </a:buClr>
-              <a:buSzPct val="61110"/>
-              <a:buFont typeface="Arial"/>
-              <a:buNone/>
-            </a:pPr>
-            <a:r>
-              <a:rPr lang="en">
-                <a:solidFill>
-                  <a:srgbClr val="FF0000"/>
-                </a:solidFill>
-                <a:highlight>
-                  <a:schemeClr val="lt1"/>
-                </a:highlight>
-              </a:rPr>
-              <a:t>(-) very large vocabulary size</a:t>
-            </a:r>
-            <a:endParaRPr>
-              <a:solidFill>
-                <a:srgbClr val="4B5563"/>
-              </a:solidFill>
-              <a:highlight>
-                <a:srgbClr val="FFFFFF"/>
-              </a:highlight>
-            </a:endParaRPr>
-          </a:p>
-          <a:p>
-            <a:pPr indent="0" lvl="0" marL="0" rtl="0" algn="l">
-              <a:lnSpc>
-                <a:spcPct val="115000"/>
-              </a:lnSpc>
-              <a:spcBef>
-                <a:spcPts val="1200"/>
-              </a:spcBef>
-              <a:spcAft>
-                <a:spcPts val="0"/>
-              </a:spcAft>
-              <a:buSzPct val="108108"/>
-              <a:buNone/>
-            </a:pPr>
-            <a:r>
-              <a:rPr b="1" lang="en">
-                <a:solidFill>
-                  <a:srgbClr val="4B5563"/>
-                </a:solidFill>
-                <a:highlight>
-                  <a:srgbClr val="FFFFFF"/>
-                </a:highlight>
-              </a:rPr>
-              <a:t>Character tokenization</a:t>
-            </a:r>
-            <a:r>
-              <a:rPr lang="en">
-                <a:solidFill>
-                  <a:srgbClr val="4B5563"/>
-                </a:solidFill>
-                <a:highlight>
-                  <a:srgbClr val="FFFFFF"/>
-                </a:highlight>
-              </a:rPr>
-              <a:t>: Simple and would greatly reduce memory and time complexity.  </a:t>
-            </a:r>
-            <a:br>
-              <a:rPr lang="en">
-                <a:solidFill>
-                  <a:srgbClr val="4B5563"/>
-                </a:solidFill>
-                <a:highlight>
-                  <a:srgbClr val="FFFFFF"/>
-                </a:highlight>
-              </a:rPr>
-            </a:br>
-            <a:r>
-              <a:rPr lang="en">
-                <a:solidFill>
-                  <a:srgbClr val="FF0000"/>
-                </a:solidFill>
-                <a:highlight>
-                  <a:srgbClr val="FFFFFF"/>
-                </a:highlight>
-              </a:rPr>
-              <a:t>(-)</a:t>
-            </a:r>
-            <a:r>
-              <a:rPr lang="en">
-                <a:solidFill>
-                  <a:srgbClr val="4B5563"/>
-                </a:solidFill>
-                <a:highlight>
-                  <a:srgbClr val="FFFFFF"/>
-                </a:highlight>
-              </a:rPr>
-              <a:t> But </a:t>
-            </a:r>
-            <a:r>
-              <a:rPr lang="en">
-                <a:solidFill>
-                  <a:srgbClr val="FF0000"/>
-                </a:solidFill>
-                <a:highlight>
-                  <a:srgbClr val="FFFFFF"/>
-                </a:highlight>
-              </a:rPr>
-              <a:t>makes it  hard for the model to learn meaningful input representations</a:t>
-            </a:r>
-            <a:r>
-              <a:rPr lang="en">
-                <a:solidFill>
-                  <a:srgbClr val="4B5563"/>
-                </a:solidFill>
-                <a:highlight>
-                  <a:srgbClr val="FFFFFF"/>
-                </a:highlight>
-              </a:rPr>
-              <a:t>. ‘T’  in itself means nothing  compared to ‘Today’ . </a:t>
-            </a:r>
-            <a:br>
-              <a:rPr lang="en">
-                <a:solidFill>
-                  <a:srgbClr val="4B5563"/>
-                </a:solidFill>
-                <a:highlight>
-                  <a:srgbClr val="FFFFFF"/>
-                </a:highlight>
-              </a:rPr>
-            </a:br>
-            <a:r>
-              <a:rPr lang="en">
-                <a:solidFill>
-                  <a:srgbClr val="FF0000"/>
-                </a:solidFill>
-                <a:highlight>
-                  <a:srgbClr val="FFFFFF"/>
-                </a:highlight>
-              </a:rPr>
-              <a:t>(-) Very long sequences </a:t>
-            </a:r>
-            <a:endParaRPr>
-              <a:solidFill>
-                <a:srgbClr val="FF0000"/>
-              </a:solidFill>
-              <a:highlight>
-                <a:srgbClr val="FFFFFF"/>
-              </a:highlight>
-            </a:endParaRPr>
-          </a:p>
-          <a:p>
-            <a:pPr indent="0" lvl="0" marL="0" rtl="0" algn="l">
-              <a:lnSpc>
-                <a:spcPct val="115000"/>
-              </a:lnSpc>
-              <a:spcBef>
-                <a:spcPts val="1200"/>
-              </a:spcBef>
-              <a:spcAft>
-                <a:spcPts val="0"/>
-              </a:spcAft>
-              <a:buSzPct val="108108"/>
-              <a:buNone/>
-            </a:pPr>
-            <a:r>
-              <a:rPr b="1" lang="en">
-                <a:solidFill>
-                  <a:srgbClr val="4B5563"/>
-                </a:solidFill>
-                <a:highlight>
-                  <a:srgbClr val="FFFFFF"/>
-                </a:highlight>
-              </a:rPr>
-              <a:t>Subword tokenization</a:t>
-            </a:r>
-            <a:r>
-              <a:rPr lang="en">
-                <a:solidFill>
-                  <a:srgbClr val="4B5563"/>
-                </a:solidFill>
-                <a:highlight>
-                  <a:srgbClr val="FFFFFF"/>
-                </a:highlight>
-              </a:rPr>
-              <a:t> Frequently used words should not be split into smaller subwords but rare words should be decomposed into meaningful subwords</a:t>
-            </a:r>
-            <a:endParaRPr>
-              <a:solidFill>
-                <a:srgbClr val="4B5563"/>
-              </a:solidFill>
-              <a:highlight>
-                <a:srgbClr val="FFFFFF"/>
-              </a:highlight>
-            </a:endParaRPr>
-          </a:p>
-          <a:p>
-            <a:pPr indent="0" lvl="0" marL="0" rtl="0" algn="l">
-              <a:lnSpc>
-                <a:spcPct val="115000"/>
-              </a:lnSpc>
-              <a:spcBef>
-                <a:spcPts val="1200"/>
-              </a:spcBef>
-              <a:spcAft>
-                <a:spcPts val="1200"/>
-              </a:spcAft>
-              <a:buSzPct val="108108"/>
-              <a:buNone/>
-            </a:pPr>
-            <a:r>
-              <a:rPr b="1" lang="en">
-                <a:solidFill>
-                  <a:srgbClr val="4B5563"/>
-                </a:solidFill>
-                <a:highlight>
-                  <a:srgbClr val="FFFFFF"/>
-                </a:highlight>
-              </a:rPr>
-              <a:t>Unigram Lang Model Tokenization : </a:t>
-            </a:r>
-            <a:r>
-              <a:rPr lang="en">
-                <a:solidFill>
-                  <a:srgbClr val="4B5563"/>
-                </a:solidFill>
-                <a:highlight>
-                  <a:srgbClr val="FFFFFF"/>
-                </a:highlight>
-              </a:rPr>
-              <a:t>Begin with a superset of the final vocabulary, pruning it to desired size: (+)  Semantically relevant affixes</a:t>
-            </a:r>
-            <a:endParaRPr>
-              <a:solidFill>
-                <a:srgbClr val="4B5563"/>
-              </a:solidFill>
-              <a:highlight>
-                <a:srgbClr val="FFFFFF"/>
-              </a:highlight>
-            </a:endParaRPr>
-          </a:p>
-        </p:txBody>
-      </p:sp>
+      </p:pic>
     </p:spTree>
   </p:cSld>
   <p:clrMapOvr>
@@ -16320,7 +16478,7 @@
       </p:grpSpPr>
       <p:sp>
         <p:nvSpPr>
-          <p:cNvPr id="208" name="Google Shape;208;p21"/>
+          <p:cNvPr id="208" name="Google Shape;208;p19"/>
           <p:cNvSpPr txBox="1"/>
           <p:nvPr>
             <p:ph type="title"/>
@@ -16360,7 +16518,7 @@
             </a:pPr>
             <a:r>
               <a:rPr lang="en"/>
-              <a:t>What are Large language Models?</a:t>
+              <a:t>Tokenizing Text input </a:t>
             </a:r>
             <a:endParaRPr/>
           </a:p>
@@ -16368,7 +16526,7 @@
       </p:sp>
       <p:sp>
         <p:nvSpPr>
-          <p:cNvPr id="209" name="Google Shape;209;p21"/>
+          <p:cNvPr id="209" name="Google Shape;209;p19"/>
           <p:cNvSpPr txBox="1"/>
           <p:nvPr>
             <p:ph idx="1" type="body"/>
@@ -16395,42 +16553,44 @@
           <a:p>
             <a:pPr indent="0" lvl="0" marL="0" rtl="0" algn="l">
               <a:lnSpc>
-                <a:spcPct val="100000"/>
-              </a:lnSpc>
-              <a:spcBef>
-                <a:spcPts val="0"/>
-              </a:spcBef>
-              <a:spcAft>
-                <a:spcPts val="0"/>
-              </a:spcAft>
-              <a:buClr>
-                <a:schemeClr val="dk1"/>
-              </a:buClr>
-              <a:buSzPts val="1100"/>
-              <a:buFont typeface="Arial"/>
+                <a:spcPct val="115000"/>
+              </a:lnSpc>
+              <a:spcBef>
+                <a:spcPts val="0"/>
+              </a:spcBef>
+              <a:spcAft>
+                <a:spcPts val="0"/>
+              </a:spcAft>
+              <a:buSzPts val="1800"/>
               <a:buNone/>
             </a:pPr>
             <a:r>
-              <a:rPr lang="en" sz="1400">
-                <a:solidFill>
-                  <a:srgbClr val="7F7F7F"/>
-                </a:solidFill>
+              <a:rPr lang="en">
+                <a:solidFill>
+                  <a:schemeClr val="dk1"/>
+                </a:solidFill>
+                <a:highlight>
+                  <a:srgbClr val="FFFFFF"/>
+                </a:highlight>
               </a:rPr>
-              <a:t>Language Models are models that are  trained   without supervision on sentence completion tasks, where a partial string is fed as input and it predicts the output: </a:t>
+              <a:t>Tokenizing a text is splitting it into words or subwords, which then are converted to ids through a look-up table</a:t>
             </a:r>
-            <a:endParaRPr sz="1400">
+            <a:endParaRPr>
               <a:solidFill>
-                <a:srgbClr val="7F7F7F"/>
+                <a:schemeClr val="dk1"/>
               </a:solidFill>
+              <a:highlight>
+                <a:srgbClr val="FFFFFF"/>
+              </a:highlight>
             </a:endParaRPr>
           </a:p>
           <a:p>
             <a:pPr indent="0" lvl="0" marL="0" rtl="0" algn="l">
               <a:lnSpc>
-                <a:spcPct val="100000"/>
-              </a:lnSpc>
-              <a:spcBef>
-                <a:spcPts val="0"/>
+                <a:spcPct val="115000"/>
+              </a:lnSpc>
+              <a:spcBef>
+                <a:spcPts val="1200"/>
               </a:spcBef>
               <a:spcAft>
                 <a:spcPts val="0"/>
@@ -16439,193 +16599,57 @@
               <a:buNone/>
             </a:pPr>
             <a:r>
-              <a:rPr lang="en" sz="1400">
-                <a:solidFill>
-                  <a:srgbClr val="7F7F7F"/>
-                </a:solidFill>
+              <a:rPr lang="en">
+                <a:solidFill>
+                  <a:schemeClr val="dk1"/>
+                </a:solidFill>
+                <a:highlight>
+                  <a:srgbClr val="FFFFFF"/>
+                </a:highlight>
               </a:rPr>
-              <a:t>“A stitch in time _____________”     </a:t>
+              <a:t>The tokenizer does this compression by constructing a one-to-one map of token strings (combinations of characters) to token IDs (a number).</a:t>
             </a:r>
-            <a:endParaRPr sz="1400">
+            <a:endParaRPr>
               <a:solidFill>
-                <a:srgbClr val="7F7F7F"/>
+                <a:schemeClr val="dk1"/>
               </a:solidFill>
+              <a:highlight>
+                <a:srgbClr val="FFFFFF"/>
+              </a:highlight>
             </a:endParaRPr>
           </a:p>
           <a:p>
             <a:pPr indent="0" lvl="0" marL="0" rtl="0" algn="l">
               <a:lnSpc>
-                <a:spcPct val="100000"/>
-              </a:lnSpc>
-              <a:spcBef>
-                <a:spcPts val="0"/>
-              </a:spcBef>
-              <a:spcAft>
-                <a:spcPts val="0"/>
+                <a:spcPct val="115000"/>
+              </a:lnSpc>
+              <a:spcBef>
+                <a:spcPts val="1200"/>
+              </a:spcBef>
+              <a:spcAft>
+                <a:spcPts val="1200"/>
               </a:spcAft>
               <a:buSzPts val="1800"/>
               <a:buNone/>
             </a:pPr>
             <a:r>
-              <a:t/>
+              <a:rPr lang="en">
+                <a:solidFill>
+                  <a:schemeClr val="dk1"/>
+                </a:solidFill>
+                <a:highlight>
+                  <a:srgbClr val="FFFFFF"/>
+                </a:highlight>
+              </a:rPr>
+              <a:t>A pretrained language model’s subword vocabulary cannot be altered: any downstream application of these models must tokenize input or generate output using the original subword vocabulary, </a:t>
             </a:r>
-            <a:endParaRPr sz="1400">
+            <a:endParaRPr>
               <a:solidFill>
-                <a:srgbClr val="7F7F7F"/>
+                <a:schemeClr val="dk1"/>
               </a:solidFill>
-            </a:endParaRPr>
-          </a:p>
-          <a:p>
-            <a:pPr indent="0" lvl="0" marL="0" rtl="0" algn="l">
-              <a:lnSpc>
-                <a:spcPct val="100000"/>
-              </a:lnSpc>
-              <a:spcBef>
-                <a:spcPts val="0"/>
-              </a:spcBef>
-              <a:spcAft>
-                <a:spcPts val="0"/>
-              </a:spcAft>
-              <a:buSzPts val="1800"/>
-              <a:buNone/>
-            </a:pPr>
-            <a:r>
-              <a:rPr lang="en" sz="1400">
-                <a:solidFill>
-                  <a:srgbClr val="7F7F7F"/>
-                </a:solidFill>
-              </a:rPr>
-              <a:t>This is called ‘pre training’., and typically uses data consisting of Wikipedia or other internet pages.</a:t>
-            </a:r>
-            <a:endParaRPr sz="1400">
-              <a:solidFill>
-                <a:srgbClr val="7F7F7F"/>
-              </a:solidFill>
-            </a:endParaRPr>
-          </a:p>
-          <a:p>
-            <a:pPr indent="0" lvl="0" marL="0" rtl="0" algn="l">
-              <a:lnSpc>
-                <a:spcPct val="100000"/>
-              </a:lnSpc>
-              <a:spcBef>
-                <a:spcPts val="0"/>
-              </a:spcBef>
-              <a:spcAft>
-                <a:spcPts val="0"/>
-              </a:spcAft>
-              <a:buSzPts val="1800"/>
-              <a:buNone/>
-            </a:pPr>
-            <a:r>
-              <a:t/>
-            </a:r>
-            <a:endParaRPr sz="1400">
-              <a:solidFill>
-                <a:srgbClr val="7F7F7F"/>
-              </a:solidFill>
-            </a:endParaRPr>
-          </a:p>
-          <a:p>
-            <a:pPr indent="0" lvl="0" marL="0" rtl="0" algn="l">
-              <a:lnSpc>
-                <a:spcPct val="100000"/>
-              </a:lnSpc>
-              <a:spcBef>
-                <a:spcPts val="0"/>
-              </a:spcBef>
-              <a:spcAft>
-                <a:spcPts val="0"/>
-              </a:spcAft>
-              <a:buSzPts val="1800"/>
-              <a:buNone/>
-            </a:pPr>
-            <a:r>
-              <a:rPr lang="en" sz="1400">
-                <a:solidFill>
-                  <a:srgbClr val="7F7F7F"/>
-                </a:solidFill>
-              </a:rPr>
-              <a:t>The introduction of Transformers (Vaswani in 2017), allowed these models to understand a word in context of the whole sentence,, allowing  for more accurate completions.</a:t>
-            </a:r>
-            <a:endParaRPr sz="1400">
-              <a:solidFill>
-                <a:srgbClr val="7F7F7F"/>
-              </a:solidFill>
-            </a:endParaRPr>
-          </a:p>
-          <a:p>
-            <a:pPr indent="0" lvl="0" marL="0" rtl="0" algn="l">
-              <a:lnSpc>
-                <a:spcPct val="100000"/>
-              </a:lnSpc>
-              <a:spcBef>
-                <a:spcPts val="0"/>
-              </a:spcBef>
-              <a:spcAft>
-                <a:spcPts val="0"/>
-              </a:spcAft>
-              <a:buSzPts val="1800"/>
-              <a:buNone/>
-            </a:pPr>
-            <a:r>
-              <a:t/>
-            </a:r>
-            <a:endParaRPr sz="1400">
-              <a:solidFill>
-                <a:srgbClr val="7F7F7F"/>
-              </a:solidFill>
-            </a:endParaRPr>
-          </a:p>
-          <a:p>
-            <a:pPr indent="0" lvl="0" marL="0" rtl="0" algn="l">
-              <a:lnSpc>
-                <a:spcPct val="100000"/>
-              </a:lnSpc>
-              <a:spcBef>
-                <a:spcPts val="0"/>
-              </a:spcBef>
-              <a:spcAft>
-                <a:spcPts val="0"/>
-              </a:spcAft>
-              <a:buSzPts val="1800"/>
-              <a:buNone/>
-            </a:pPr>
-            <a:r>
-              <a:t/>
-            </a:r>
-            <a:endParaRPr sz="1400">
-              <a:solidFill>
-                <a:srgbClr val="7F7F7F"/>
-              </a:solidFill>
-            </a:endParaRPr>
-          </a:p>
-          <a:p>
-            <a:pPr indent="0" lvl="0" marL="0" rtl="0" algn="l">
-              <a:lnSpc>
-                <a:spcPct val="100000"/>
-              </a:lnSpc>
-              <a:spcBef>
-                <a:spcPts val="0"/>
-              </a:spcBef>
-              <a:spcAft>
-                <a:spcPts val="0"/>
-              </a:spcAft>
-              <a:buSzPts val="1800"/>
-              <a:buNone/>
-            </a:pPr>
-            <a:r>
-              <a:rPr lang="en" sz="1400">
-                <a:solidFill>
-                  <a:srgbClr val="7F7F7F"/>
-                </a:solidFill>
-              </a:rPr>
-              <a:t>Large Language Models are neural nets  that use the transformer architecture and have billions of parameters </a:t>
-            </a:r>
-            <a:endParaRPr sz="1400">
-              <a:solidFill>
-                <a:srgbClr val="7F7F7F"/>
-              </a:solidFill>
+              <a:highlight>
+                <a:srgbClr val="FFFFFF"/>
+              </a:highlight>
             </a:endParaRPr>
           </a:p>
         </p:txBody>
@@ -16657,7 +16681,7 @@
       </p:grpSpPr>
       <p:sp>
         <p:nvSpPr>
-          <p:cNvPr id="214" name="Google Shape;214;p22"/>
+          <p:cNvPr id="214" name="Google Shape;214;p20"/>
           <p:cNvSpPr txBox="1"/>
           <p:nvPr>
             <p:ph type="title"/>
@@ -16697,6 +16721,737 @@
             </a:pPr>
             <a:r>
               <a:rPr lang="en"/>
+              <a:t>Tokenizing Options</a:t>
+            </a:r>
+            <a:endParaRPr/>
+          </a:p>
+        </p:txBody>
+      </p:sp>
+      <p:sp>
+        <p:nvSpPr>
+          <p:cNvPr id="215" name="Google Shape;215;p20"/>
+          <p:cNvSpPr txBox="1"/>
+          <p:nvPr>
+            <p:ph idx="1" type="body"/>
+          </p:nvPr>
+        </p:nvSpPr>
+        <p:spPr>
+          <a:xfrm>
+            <a:off x="311700" y="1152475"/>
+            <a:ext cx="8520600" cy="3416400"/>
+          </a:xfrm>
+          <a:prstGeom prst="rect">
+            <a:avLst/>
+          </a:prstGeom>
+          <a:noFill/>
+          <a:ln>
+            <a:noFill/>
+          </a:ln>
+        </p:spPr>
+        <p:txBody>
+          <a:bodyPr anchorCtr="0" anchor="t" bIns="91425" lIns="91425" spcFirstLastPara="1" rIns="91425" wrap="square" tIns="91425">
+            <a:normAutofit fontScale="92500" lnSpcReduction="20000"/>
+          </a:bodyPr>
+          <a:lstStyle/>
+          <a:p>
+            <a:pPr indent="0" lvl="0" marL="0" rtl="0" algn="l">
+              <a:lnSpc>
+                <a:spcPct val="115000"/>
+              </a:lnSpc>
+              <a:spcBef>
+                <a:spcPts val="0"/>
+              </a:spcBef>
+              <a:spcAft>
+                <a:spcPts val="0"/>
+              </a:spcAft>
+              <a:buSzPct val="108108"/>
+              <a:buNone/>
+            </a:pPr>
+            <a:r>
+              <a:rPr b="1" lang="en">
+                <a:solidFill>
+                  <a:srgbClr val="4B5563"/>
+                </a:solidFill>
+                <a:highlight>
+                  <a:srgbClr val="FFFFFF"/>
+                </a:highlight>
+              </a:rPr>
+              <a:t>Word Tokenization:</a:t>
+            </a:r>
+            <a:r>
+              <a:rPr lang="en">
+                <a:solidFill>
+                  <a:srgbClr val="4B5563"/>
+                </a:solidFill>
+                <a:highlight>
+                  <a:srgbClr val="FFFFFF"/>
+                </a:highlight>
+              </a:rPr>
+              <a:t> Splitting text along word spaces and punctuation characters</a:t>
+            </a:r>
+            <a:endParaRPr>
+              <a:solidFill>
+                <a:srgbClr val="4B5563"/>
+              </a:solidFill>
+              <a:highlight>
+                <a:srgbClr val="FFFFFF"/>
+              </a:highlight>
+            </a:endParaRPr>
+          </a:p>
+          <a:p>
+            <a:pPr indent="0" lvl="0" marL="0" rtl="0" algn="l">
+              <a:lnSpc>
+                <a:spcPct val="115000"/>
+              </a:lnSpc>
+              <a:spcBef>
+                <a:spcPts val="1200"/>
+              </a:spcBef>
+              <a:spcAft>
+                <a:spcPts val="0"/>
+              </a:spcAft>
+              <a:buClr>
+                <a:schemeClr val="dk1"/>
+              </a:buClr>
+              <a:buSzPct val="61110"/>
+              <a:buFont typeface="Arial"/>
+              <a:buNone/>
+            </a:pPr>
+            <a:r>
+              <a:rPr lang="en">
+                <a:solidFill>
+                  <a:srgbClr val="FF0000"/>
+                </a:solidFill>
+                <a:highlight>
+                  <a:schemeClr val="lt1"/>
+                </a:highlight>
+              </a:rPr>
+              <a:t>(-) very large vocabulary size</a:t>
+            </a:r>
+            <a:endParaRPr>
+              <a:solidFill>
+                <a:srgbClr val="4B5563"/>
+              </a:solidFill>
+              <a:highlight>
+                <a:srgbClr val="FFFFFF"/>
+              </a:highlight>
+            </a:endParaRPr>
+          </a:p>
+          <a:p>
+            <a:pPr indent="0" lvl="0" marL="0" rtl="0" algn="l">
+              <a:lnSpc>
+                <a:spcPct val="115000"/>
+              </a:lnSpc>
+              <a:spcBef>
+                <a:spcPts val="1200"/>
+              </a:spcBef>
+              <a:spcAft>
+                <a:spcPts val="0"/>
+              </a:spcAft>
+              <a:buSzPct val="108108"/>
+              <a:buNone/>
+            </a:pPr>
+            <a:r>
+              <a:rPr b="1" lang="en">
+                <a:solidFill>
+                  <a:srgbClr val="4B5563"/>
+                </a:solidFill>
+                <a:highlight>
+                  <a:srgbClr val="FFFFFF"/>
+                </a:highlight>
+              </a:rPr>
+              <a:t>Character tokenization</a:t>
+            </a:r>
+            <a:r>
+              <a:rPr lang="en">
+                <a:solidFill>
+                  <a:srgbClr val="4B5563"/>
+                </a:solidFill>
+                <a:highlight>
+                  <a:srgbClr val="FFFFFF"/>
+                </a:highlight>
+              </a:rPr>
+              <a:t>: Simple and would greatly reduce memory and time complexity.  </a:t>
+            </a:r>
+            <a:br>
+              <a:rPr lang="en">
+                <a:solidFill>
+                  <a:srgbClr val="4B5563"/>
+                </a:solidFill>
+                <a:highlight>
+                  <a:srgbClr val="FFFFFF"/>
+                </a:highlight>
+              </a:rPr>
+            </a:br>
+            <a:r>
+              <a:rPr lang="en">
+                <a:solidFill>
+                  <a:srgbClr val="FF0000"/>
+                </a:solidFill>
+                <a:highlight>
+                  <a:srgbClr val="FFFFFF"/>
+                </a:highlight>
+              </a:rPr>
+              <a:t>(-)</a:t>
+            </a:r>
+            <a:r>
+              <a:rPr lang="en">
+                <a:solidFill>
+                  <a:srgbClr val="4B5563"/>
+                </a:solidFill>
+                <a:highlight>
+                  <a:srgbClr val="FFFFFF"/>
+                </a:highlight>
+              </a:rPr>
+              <a:t> But </a:t>
+            </a:r>
+            <a:r>
+              <a:rPr lang="en">
+                <a:solidFill>
+                  <a:srgbClr val="FF0000"/>
+                </a:solidFill>
+                <a:highlight>
+                  <a:srgbClr val="FFFFFF"/>
+                </a:highlight>
+              </a:rPr>
+              <a:t>makes it  hard for the model to learn meaningful input representations</a:t>
+            </a:r>
+            <a:r>
+              <a:rPr lang="en">
+                <a:solidFill>
+                  <a:srgbClr val="4B5563"/>
+                </a:solidFill>
+                <a:highlight>
+                  <a:srgbClr val="FFFFFF"/>
+                </a:highlight>
+              </a:rPr>
+              <a:t>. ‘T’  in itself means nothing  compared to ‘Today’ . </a:t>
+            </a:r>
+            <a:br>
+              <a:rPr lang="en">
+                <a:solidFill>
+                  <a:srgbClr val="4B5563"/>
+                </a:solidFill>
+                <a:highlight>
+                  <a:srgbClr val="FFFFFF"/>
+                </a:highlight>
+              </a:rPr>
+            </a:br>
+            <a:r>
+              <a:rPr lang="en">
+                <a:solidFill>
+                  <a:srgbClr val="FF0000"/>
+                </a:solidFill>
+                <a:highlight>
+                  <a:srgbClr val="FFFFFF"/>
+                </a:highlight>
+              </a:rPr>
+              <a:t>(-) Very long sequences </a:t>
+            </a:r>
+            <a:endParaRPr>
+              <a:solidFill>
+                <a:srgbClr val="FF0000"/>
+              </a:solidFill>
+              <a:highlight>
+                <a:srgbClr val="FFFFFF"/>
+              </a:highlight>
+            </a:endParaRPr>
+          </a:p>
+          <a:p>
+            <a:pPr indent="0" lvl="0" marL="0" rtl="0" algn="l">
+              <a:lnSpc>
+                <a:spcPct val="115000"/>
+              </a:lnSpc>
+              <a:spcBef>
+                <a:spcPts val="1200"/>
+              </a:spcBef>
+              <a:spcAft>
+                <a:spcPts val="0"/>
+              </a:spcAft>
+              <a:buSzPct val="108108"/>
+              <a:buNone/>
+            </a:pPr>
+            <a:r>
+              <a:rPr b="1" lang="en">
+                <a:solidFill>
+                  <a:srgbClr val="4B5563"/>
+                </a:solidFill>
+                <a:highlight>
+                  <a:srgbClr val="FFFFFF"/>
+                </a:highlight>
+              </a:rPr>
+              <a:t>Subword tokenization</a:t>
+            </a:r>
+            <a:r>
+              <a:rPr lang="en">
+                <a:solidFill>
+                  <a:srgbClr val="4B5563"/>
+                </a:solidFill>
+                <a:highlight>
+                  <a:srgbClr val="FFFFFF"/>
+                </a:highlight>
+              </a:rPr>
+              <a:t> Frequently used words should not be split into smaller subwords but rare words should be decomposed into meaningful subwords</a:t>
+            </a:r>
+            <a:endParaRPr>
+              <a:solidFill>
+                <a:srgbClr val="4B5563"/>
+              </a:solidFill>
+              <a:highlight>
+                <a:srgbClr val="FFFFFF"/>
+              </a:highlight>
+            </a:endParaRPr>
+          </a:p>
+          <a:p>
+            <a:pPr indent="0" lvl="0" marL="0" rtl="0" algn="l">
+              <a:lnSpc>
+                <a:spcPct val="115000"/>
+              </a:lnSpc>
+              <a:spcBef>
+                <a:spcPts val="1200"/>
+              </a:spcBef>
+              <a:spcAft>
+                <a:spcPts val="1200"/>
+              </a:spcAft>
+              <a:buSzPct val="108108"/>
+              <a:buNone/>
+            </a:pPr>
+            <a:r>
+              <a:rPr b="1" lang="en">
+                <a:solidFill>
+                  <a:srgbClr val="4B5563"/>
+                </a:solidFill>
+                <a:highlight>
+                  <a:srgbClr val="FFFFFF"/>
+                </a:highlight>
+              </a:rPr>
+              <a:t>Unigram Lang Model Tokenization : </a:t>
+            </a:r>
+            <a:r>
+              <a:rPr lang="en">
+                <a:solidFill>
+                  <a:srgbClr val="4B5563"/>
+                </a:solidFill>
+                <a:highlight>
+                  <a:srgbClr val="FFFFFF"/>
+                </a:highlight>
+              </a:rPr>
+              <a:t>Begin with a superset of the final vocabulary, pruning it to desired size: (+)  Semantically relevant affixes</a:t>
+            </a:r>
+            <a:endParaRPr>
+              <a:solidFill>
+                <a:srgbClr val="4B5563"/>
+              </a:solidFill>
+              <a:highlight>
+                <a:srgbClr val="FFFFFF"/>
+              </a:highlight>
+            </a:endParaRPr>
+          </a:p>
+        </p:txBody>
+      </p:sp>
+    </p:spTree>
+  </p:cSld>
+  <p:clrMapOvr>
+    <a:masterClrMapping/>
+  </p:clrMapOvr>
+</p:sld>
+</file>
+
+<file path=ppt/slides/slide23.xml><?xml version="1.0" encoding="utf-8"?>
+<p:sld xmlns:a="http://schemas.openxmlformats.org/drawingml/2006/main" xmlns:r="http://schemas.openxmlformats.org/officeDocument/2006/relationships" xmlns:mc="http://schemas.openxmlformats.org/markup-compatibility/2006" xmlns:mv="urn:schemas-microsoft-com:mac:vml" xmlns:p="http://schemas.openxmlformats.org/presentationml/2006/main" xmlns:c="http://schemas.openxmlformats.org/drawingml/2006/chart" xmlns:dgm="http://schemas.openxmlformats.org/drawingml/2006/diagram" xmlns:o="urn:schemas-microsoft-com:office:office" xmlns:v="urn:schemas-microsoft-com:vml" xmlns:pvml="urn:schemas-microsoft-com:office:powerpoint" xmlns:com="http://schemas.openxmlformats.org/drawingml/2006/compatibility" xmlns:p14="http://schemas.microsoft.com/office/powerpoint/2010/main" xmlns:p15="http://schemas.microsoft.com/office/powerpoint/2012/main" xmlns:ahyp="http://schemas.microsoft.com/office/drawing/2018/hyperlinkcolor">
+  <p:cSld>
+    <p:spTree>
+      <p:nvGrpSpPr>
+        <p:cNvPr id="219" name="Shape 219"/>
+        <p:cNvGrpSpPr/>
+        <p:nvPr/>
+      </p:nvGrpSpPr>
+      <p:grpSpPr>
+        <a:xfrm>
+          <a:off x="0" y="0"/>
+          <a:ext cx="0" cy="0"/>
+          <a:chOff x="0" y="0"/>
+          <a:chExt cx="0" cy="0"/>
+        </a:xfrm>
+      </p:grpSpPr>
+      <p:sp>
+        <p:nvSpPr>
+          <p:cNvPr id="220" name="Google Shape;220;p21"/>
+          <p:cNvSpPr txBox="1"/>
+          <p:nvPr>
+            <p:ph type="title"/>
+          </p:nvPr>
+        </p:nvSpPr>
+        <p:spPr>
+          <a:xfrm>
+            <a:off x="311700" y="445025"/>
+            <a:ext cx="8520600" cy="572700"/>
+          </a:xfrm>
+          <a:prstGeom prst="rect">
+            <a:avLst/>
+          </a:prstGeom>
+          <a:noFill/>
+          <a:ln>
+            <a:noFill/>
+          </a:ln>
+        </p:spPr>
+        <p:txBody>
+          <a:bodyPr anchorCtr="0" anchor="t" bIns="91425" lIns="91425" spcFirstLastPara="1" rIns="91425" wrap="square" tIns="91425">
+            <a:normAutofit fontScale="90000"/>
+          </a:bodyPr>
+          <a:lstStyle/>
+          <a:p>
+            <a:pPr indent="0" lvl="0" marL="0" rtl="0" algn="l">
+              <a:lnSpc>
+                <a:spcPct val="100000"/>
+              </a:lnSpc>
+              <a:spcBef>
+                <a:spcPts val="0"/>
+              </a:spcBef>
+              <a:spcAft>
+                <a:spcPts val="0"/>
+              </a:spcAft>
+              <a:buSzPct val="111111"/>
+              <a:buNone/>
+            </a:pPr>
+            <a:r>
+              <a:rPr lang="en"/>
+              <a:t>What are Large language Models?</a:t>
+            </a:r>
+            <a:endParaRPr/>
+          </a:p>
+        </p:txBody>
+      </p:sp>
+      <p:sp>
+        <p:nvSpPr>
+          <p:cNvPr id="221" name="Google Shape;221;p21"/>
+          <p:cNvSpPr txBox="1"/>
+          <p:nvPr>
+            <p:ph idx="1" type="body"/>
+          </p:nvPr>
+        </p:nvSpPr>
+        <p:spPr>
+          <a:xfrm>
+            <a:off x="311700" y="1152475"/>
+            <a:ext cx="8520600" cy="3416400"/>
+          </a:xfrm>
+          <a:prstGeom prst="rect">
+            <a:avLst/>
+          </a:prstGeom>
+          <a:noFill/>
+          <a:ln>
+            <a:noFill/>
+          </a:ln>
+        </p:spPr>
+        <p:txBody>
+          <a:bodyPr anchorCtr="0" anchor="t" bIns="91425" lIns="91425" spcFirstLastPara="1" rIns="91425" wrap="square" tIns="91425">
+            <a:normAutofit/>
+          </a:bodyPr>
+          <a:lstStyle/>
+          <a:p>
+            <a:pPr indent="0" lvl="0" marL="0" rtl="0" algn="l">
+              <a:lnSpc>
+                <a:spcPct val="100000"/>
+              </a:lnSpc>
+              <a:spcBef>
+                <a:spcPts val="0"/>
+              </a:spcBef>
+              <a:spcAft>
+                <a:spcPts val="0"/>
+              </a:spcAft>
+              <a:buClr>
+                <a:schemeClr val="dk1"/>
+              </a:buClr>
+              <a:buSzPts val="1100"/>
+              <a:buFont typeface="Arial"/>
+              <a:buNone/>
+            </a:pPr>
+            <a:r>
+              <a:rPr lang="en" sz="1400">
+                <a:solidFill>
+                  <a:srgbClr val="7F7F7F"/>
+                </a:solidFill>
+              </a:rPr>
+              <a:t>Language Models are models that are  trained   without supervision on sentence completion tasks, where a partial string is fed as input and it predicts the output: </a:t>
+            </a:r>
+            <a:endParaRPr sz="1400">
+              <a:solidFill>
+                <a:srgbClr val="7F7F7F"/>
+              </a:solidFill>
+            </a:endParaRPr>
+          </a:p>
+          <a:p>
+            <a:pPr indent="0" lvl="0" marL="0" rtl="0" algn="l">
+              <a:lnSpc>
+                <a:spcPct val="100000"/>
+              </a:lnSpc>
+              <a:spcBef>
+                <a:spcPts val="0"/>
+              </a:spcBef>
+              <a:spcAft>
+                <a:spcPts val="0"/>
+              </a:spcAft>
+              <a:buSzPts val="1800"/>
+              <a:buNone/>
+            </a:pPr>
+            <a:r>
+              <a:rPr lang="en" sz="1400">
+                <a:solidFill>
+                  <a:srgbClr val="7F7F7F"/>
+                </a:solidFill>
+              </a:rPr>
+              <a:t>“A stitch in time _____________”     </a:t>
+            </a:r>
+            <a:endParaRPr sz="1400">
+              <a:solidFill>
+                <a:srgbClr val="7F7F7F"/>
+              </a:solidFill>
+            </a:endParaRPr>
+          </a:p>
+          <a:p>
+            <a:pPr indent="0" lvl="0" marL="0" rtl="0" algn="l">
+              <a:lnSpc>
+                <a:spcPct val="100000"/>
+              </a:lnSpc>
+              <a:spcBef>
+                <a:spcPts val="0"/>
+              </a:spcBef>
+              <a:spcAft>
+                <a:spcPts val="0"/>
+              </a:spcAft>
+              <a:buSzPts val="1800"/>
+              <a:buNone/>
+            </a:pPr>
+            <a:r>
+              <a:t/>
+            </a:r>
+            <a:endParaRPr sz="1400">
+              <a:solidFill>
+                <a:srgbClr val="7F7F7F"/>
+              </a:solidFill>
+            </a:endParaRPr>
+          </a:p>
+          <a:p>
+            <a:pPr indent="0" lvl="0" marL="0" rtl="0" algn="l">
+              <a:lnSpc>
+                <a:spcPct val="100000"/>
+              </a:lnSpc>
+              <a:spcBef>
+                <a:spcPts val="0"/>
+              </a:spcBef>
+              <a:spcAft>
+                <a:spcPts val="0"/>
+              </a:spcAft>
+              <a:buSzPts val="1800"/>
+              <a:buNone/>
+            </a:pPr>
+            <a:r>
+              <a:rPr lang="en" sz="1400">
+                <a:solidFill>
+                  <a:srgbClr val="7F7F7F"/>
+                </a:solidFill>
+              </a:rPr>
+              <a:t>This is called ‘pre training’., and typically uses data consisting of Wikipedia or other internet pages.</a:t>
+            </a:r>
+            <a:endParaRPr sz="1400">
+              <a:solidFill>
+                <a:srgbClr val="7F7F7F"/>
+              </a:solidFill>
+            </a:endParaRPr>
+          </a:p>
+          <a:p>
+            <a:pPr indent="0" lvl="0" marL="0" rtl="0" algn="l">
+              <a:lnSpc>
+                <a:spcPct val="100000"/>
+              </a:lnSpc>
+              <a:spcBef>
+                <a:spcPts val="0"/>
+              </a:spcBef>
+              <a:spcAft>
+                <a:spcPts val="0"/>
+              </a:spcAft>
+              <a:buSzPts val="1800"/>
+              <a:buNone/>
+            </a:pPr>
+            <a:r>
+              <a:t/>
+            </a:r>
+            <a:endParaRPr sz="1400">
+              <a:solidFill>
+                <a:srgbClr val="7F7F7F"/>
+              </a:solidFill>
+            </a:endParaRPr>
+          </a:p>
+          <a:p>
+            <a:pPr indent="0" lvl="0" marL="0" rtl="0" algn="l">
+              <a:lnSpc>
+                <a:spcPct val="100000"/>
+              </a:lnSpc>
+              <a:spcBef>
+                <a:spcPts val="0"/>
+              </a:spcBef>
+              <a:spcAft>
+                <a:spcPts val="0"/>
+              </a:spcAft>
+              <a:buSzPts val="1800"/>
+              <a:buNone/>
+            </a:pPr>
+            <a:r>
+              <a:rPr lang="en" sz="1400">
+                <a:solidFill>
+                  <a:srgbClr val="7F7F7F"/>
+                </a:solidFill>
+              </a:rPr>
+              <a:t>The introduction of Transformers (Vaswani in 2017), allowed these models to understand a word in context of the whole sentence,, allowing  for more accurate completions.</a:t>
+            </a:r>
+            <a:endParaRPr sz="1400">
+              <a:solidFill>
+                <a:srgbClr val="7F7F7F"/>
+              </a:solidFill>
+            </a:endParaRPr>
+          </a:p>
+          <a:p>
+            <a:pPr indent="0" lvl="0" marL="0" rtl="0" algn="l">
+              <a:lnSpc>
+                <a:spcPct val="100000"/>
+              </a:lnSpc>
+              <a:spcBef>
+                <a:spcPts val="0"/>
+              </a:spcBef>
+              <a:spcAft>
+                <a:spcPts val="0"/>
+              </a:spcAft>
+              <a:buSzPts val="1800"/>
+              <a:buNone/>
+            </a:pPr>
+            <a:r>
+              <a:t/>
+            </a:r>
+            <a:endParaRPr sz="1400">
+              <a:solidFill>
+                <a:srgbClr val="7F7F7F"/>
+              </a:solidFill>
+            </a:endParaRPr>
+          </a:p>
+          <a:p>
+            <a:pPr indent="0" lvl="0" marL="0" rtl="0" algn="l">
+              <a:lnSpc>
+                <a:spcPct val="100000"/>
+              </a:lnSpc>
+              <a:spcBef>
+                <a:spcPts val="0"/>
+              </a:spcBef>
+              <a:spcAft>
+                <a:spcPts val="0"/>
+              </a:spcAft>
+              <a:buSzPts val="1800"/>
+              <a:buNone/>
+            </a:pPr>
+            <a:r>
+              <a:t/>
+            </a:r>
+            <a:endParaRPr sz="1400">
+              <a:solidFill>
+                <a:srgbClr val="7F7F7F"/>
+              </a:solidFill>
+            </a:endParaRPr>
+          </a:p>
+          <a:p>
+            <a:pPr indent="0" lvl="0" marL="0" rtl="0" algn="l">
+              <a:lnSpc>
+                <a:spcPct val="100000"/>
+              </a:lnSpc>
+              <a:spcBef>
+                <a:spcPts val="0"/>
+              </a:spcBef>
+              <a:spcAft>
+                <a:spcPts val="0"/>
+              </a:spcAft>
+              <a:buSzPts val="1800"/>
+              <a:buNone/>
+            </a:pPr>
+            <a:r>
+              <a:rPr lang="en" sz="1400">
+                <a:solidFill>
+                  <a:srgbClr val="7F7F7F"/>
+                </a:solidFill>
+              </a:rPr>
+              <a:t>Large Language Models are neural nets  that use the transformer architecture and have billions of parameters </a:t>
+            </a:r>
+            <a:endParaRPr sz="1400">
+              <a:solidFill>
+                <a:srgbClr val="7F7F7F"/>
+              </a:solidFill>
+            </a:endParaRPr>
+          </a:p>
+        </p:txBody>
+      </p:sp>
+    </p:spTree>
+  </p:cSld>
+  <p:clrMapOvr>
+    <a:masterClrMapping/>
+  </p:clrMapOvr>
+</p:sld>
+</file>
+
+<file path=ppt/slides/slide24.xml><?xml version="1.0" encoding="utf-8"?>
+<p:sld xmlns:a="http://schemas.openxmlformats.org/drawingml/2006/main" xmlns:r="http://schemas.openxmlformats.org/officeDocument/2006/relationships" xmlns:mc="http://schemas.openxmlformats.org/markup-compatibility/2006" xmlns:mv="urn:schemas-microsoft-com:mac:vml" xmlns:p="http://schemas.openxmlformats.org/presentationml/2006/main" xmlns:c="http://schemas.openxmlformats.org/drawingml/2006/chart" xmlns:dgm="http://schemas.openxmlformats.org/drawingml/2006/diagram" xmlns:o="urn:schemas-microsoft-com:office:office" xmlns:v="urn:schemas-microsoft-com:vml" xmlns:pvml="urn:schemas-microsoft-com:office:powerpoint" xmlns:com="http://schemas.openxmlformats.org/drawingml/2006/compatibility" xmlns:p14="http://schemas.microsoft.com/office/powerpoint/2010/main" xmlns:p15="http://schemas.microsoft.com/office/powerpoint/2012/main" xmlns:ahyp="http://schemas.microsoft.com/office/drawing/2018/hyperlinkcolor">
+  <p:cSld>
+    <p:spTree>
+      <p:nvGrpSpPr>
+        <p:cNvPr id="225" name="Shape 225"/>
+        <p:cNvGrpSpPr/>
+        <p:nvPr/>
+      </p:nvGrpSpPr>
+      <p:grpSpPr>
+        <a:xfrm>
+          <a:off x="0" y="0"/>
+          <a:ext cx="0" cy="0"/>
+          <a:chOff x="0" y="0"/>
+          <a:chExt cx="0" cy="0"/>
+        </a:xfrm>
+      </p:grpSpPr>
+      <p:sp>
+        <p:nvSpPr>
+          <p:cNvPr id="226" name="Google Shape;226;p22"/>
+          <p:cNvSpPr txBox="1"/>
+          <p:nvPr>
+            <p:ph type="title"/>
+          </p:nvPr>
+        </p:nvSpPr>
+        <p:spPr>
+          <a:xfrm>
+            <a:off x="311700" y="445025"/>
+            <a:ext cx="8520600" cy="572700"/>
+          </a:xfrm>
+          <a:prstGeom prst="rect">
+            <a:avLst/>
+          </a:prstGeom>
+          <a:noFill/>
+          <a:ln>
+            <a:noFill/>
+          </a:ln>
+        </p:spPr>
+        <p:txBody>
+          <a:bodyPr anchorCtr="0" anchor="t" bIns="91425" lIns="91425" spcFirstLastPara="1" rIns="91425" wrap="square" tIns="91425">
+            <a:normAutofit fontScale="90000"/>
+          </a:bodyPr>
+          <a:lstStyle/>
+          <a:p>
+            <a:pPr indent="0" lvl="0" marL="0" rtl="0" algn="l">
+              <a:lnSpc>
+                <a:spcPct val="100000"/>
+              </a:lnSpc>
+              <a:spcBef>
+                <a:spcPts val="0"/>
+              </a:spcBef>
+              <a:spcAft>
+                <a:spcPts val="0"/>
+              </a:spcAft>
+              <a:buSzPct val="111111"/>
+              <a:buNone/>
+            </a:pPr>
+            <a:r>
+              <a:rPr lang="en"/>
               <a:t>Text processing steps in a Large language Model</a:t>
             </a:r>
             <a:endParaRPr/>
@@ -16705,7 +17460,7 @@
       </p:sp>
       <p:pic>
         <p:nvPicPr>
-          <p:cNvPr id="215" name="Google Shape;215;p22"/>
+          <p:cNvPr id="227" name="Google Shape;227;p22"/>
           <p:cNvPicPr preferRelativeResize="0"/>
           <p:nvPr/>
         </p:nvPicPr>
@@ -16738,12 +17493,12 @@
 </p:sld>
 </file>
 
-<file path=ppt/slides/slide23.xml><?xml version="1.0" encoding="utf-8"?>
+<file path=ppt/slides/slide25.xml><?xml version="1.0" encoding="utf-8"?>
 <p:sld xmlns:a="http://schemas.openxmlformats.org/drawingml/2006/main" xmlns:r="http://schemas.openxmlformats.org/officeDocument/2006/relationships" xmlns:mc="http://schemas.openxmlformats.org/markup-compatibility/2006" xmlns:mv="urn:schemas-microsoft-com:mac:vml" xmlns:p="http://schemas.openxmlformats.org/presentationml/2006/main" xmlns:c="http://schemas.openxmlformats.org/drawingml/2006/chart" xmlns:dgm="http://schemas.openxmlformats.org/drawingml/2006/diagram" xmlns:o="urn:schemas-microsoft-com:office:office" xmlns:v="urn:schemas-microsoft-com:vml" xmlns:pvml="urn:schemas-microsoft-com:office:powerpoint" xmlns:com="http://schemas.openxmlformats.org/drawingml/2006/compatibility" xmlns:p14="http://schemas.microsoft.com/office/powerpoint/2010/main" xmlns:p15="http://schemas.microsoft.com/office/powerpoint/2012/main" xmlns:ahyp="http://schemas.microsoft.com/office/drawing/2018/hyperlinkcolor">
   <p:cSld>
     <p:spTree>
       <p:nvGrpSpPr>
-        <p:cNvPr id="219" name="Shape 219"/>
+        <p:cNvPr id="231" name="Shape 231"/>
         <p:cNvGrpSpPr/>
         <p:nvPr/>
       </p:nvGrpSpPr>
@@ -16757,7 +17512,7 @@
       </p:grpSpPr>
       <p:sp>
         <p:nvSpPr>
-          <p:cNvPr id="220" name="Google Shape;220;p23"/>
+          <p:cNvPr id="232" name="Google Shape;232;p23"/>
           <p:cNvSpPr txBox="1"/>
           <p:nvPr>
             <p:ph type="title"/>
@@ -16805,7 +17560,7 @@
       </p:sp>
       <p:pic>
         <p:nvPicPr>
-          <p:cNvPr id="221" name="Google Shape;221;p23"/>
+          <p:cNvPr id="233" name="Google Shape;233;p23"/>
           <p:cNvPicPr preferRelativeResize="0"/>
           <p:nvPr/>
         </p:nvPicPr>
@@ -16838,12 +17593,12 @@
 </p:sld>
 </file>
 
-<file path=ppt/slides/slide24.xml><?xml version="1.0" encoding="utf-8"?>
+<file path=ppt/slides/slide26.xml><?xml version="1.0" encoding="utf-8"?>
 <p:sld xmlns:a="http://schemas.openxmlformats.org/drawingml/2006/main" xmlns:r="http://schemas.openxmlformats.org/officeDocument/2006/relationships" xmlns:mc="http://schemas.openxmlformats.org/markup-compatibility/2006" xmlns:mv="urn:schemas-microsoft-com:mac:vml" xmlns:p="http://schemas.openxmlformats.org/presentationml/2006/main" xmlns:c="http://schemas.openxmlformats.org/drawingml/2006/chart" xmlns:dgm="http://schemas.openxmlformats.org/drawingml/2006/diagram" xmlns:o="urn:schemas-microsoft-com:office:office" xmlns:v="urn:schemas-microsoft-com:vml" xmlns:pvml="urn:schemas-microsoft-com:office:powerpoint" xmlns:com="http://schemas.openxmlformats.org/drawingml/2006/compatibility" xmlns:p14="http://schemas.microsoft.com/office/powerpoint/2010/main" xmlns:p15="http://schemas.microsoft.com/office/powerpoint/2012/main" xmlns:ahyp="http://schemas.microsoft.com/office/drawing/2018/hyperlinkcolor">
   <p:cSld>
     <p:spTree>
       <p:nvGrpSpPr>
-        <p:cNvPr id="225" name="Shape 225"/>
+        <p:cNvPr id="237" name="Shape 237"/>
         <p:cNvGrpSpPr/>
         <p:nvPr/>
       </p:nvGrpSpPr>
@@ -16857,7 +17612,7 @@
       </p:grpSpPr>
       <p:sp>
         <p:nvSpPr>
-          <p:cNvPr id="226" name="Google Shape;226;p24"/>
+          <p:cNvPr id="238" name="Google Shape;238;p24"/>
           <p:cNvSpPr txBox="1"/>
           <p:nvPr>
             <p:ph type="title"/>
@@ -16905,7 +17660,7 @@
       </p:sp>
       <p:pic>
         <p:nvPicPr>
-          <p:cNvPr id="227" name="Google Shape;227;p24"/>
+          <p:cNvPr id="239" name="Google Shape;239;p24"/>
           <p:cNvPicPr preferRelativeResize="0"/>
           <p:nvPr/>
         </p:nvPicPr>
@@ -16957,7 +17712,476 @@
       </p:grpSpPr>
       <p:sp>
         <p:nvSpPr>
-          <p:cNvPr id="89" name="Google Shape;89;p3"/>
+          <p:cNvPr id="89" name="Google Shape;89;g3b4a4261da7_0_5"/>
+          <p:cNvSpPr txBox="1"/>
+          <p:nvPr>
+            <p:ph type="title"/>
+          </p:nvPr>
+        </p:nvSpPr>
+        <p:spPr>
+          <a:xfrm>
+            <a:off x="311700" y="445025"/>
+            <a:ext cx="8520600" cy="572700"/>
+          </a:xfrm>
+          <a:prstGeom prst="rect">
+            <a:avLst/>
+          </a:prstGeom>
+          <a:noFill/>
+          <a:ln>
+            <a:noFill/>
+          </a:ln>
+        </p:spPr>
+        <p:txBody>
+          <a:bodyPr anchorCtr="0" anchor="t" bIns="91425" lIns="91425" spcFirstLastPara="1" rIns="91425" wrap="square" tIns="91425">
+            <a:normAutofit fontScale="90000"/>
+          </a:bodyPr>
+          <a:lstStyle/>
+          <a:p>
+            <a:pPr indent="0" lvl="0" marL="0" rtl="0" algn="l">
+              <a:lnSpc>
+                <a:spcPct val="100000"/>
+              </a:lnSpc>
+              <a:spcBef>
+                <a:spcPts val="0"/>
+              </a:spcBef>
+              <a:spcAft>
+                <a:spcPts val="0"/>
+              </a:spcAft>
+              <a:buSzPct val="111111"/>
+              <a:buNone/>
+            </a:pPr>
+            <a:r>
+              <a:rPr lang="en"/>
+              <a:t>What will we cover ?</a:t>
+            </a:r>
+            <a:endParaRPr/>
+          </a:p>
+        </p:txBody>
+      </p:sp>
+      <p:sp>
+        <p:nvSpPr>
+          <p:cNvPr id="90" name="Google Shape;90;g3b4a4261da7_0_5"/>
+          <p:cNvSpPr txBox="1"/>
+          <p:nvPr>
+            <p:ph idx="1" type="body"/>
+          </p:nvPr>
+        </p:nvSpPr>
+        <p:spPr>
+          <a:xfrm>
+            <a:off x="311700" y="1152475"/>
+            <a:ext cx="8520600" cy="3416400"/>
+          </a:xfrm>
+          <a:prstGeom prst="rect">
+            <a:avLst/>
+          </a:prstGeom>
+          <a:noFill/>
+          <a:ln>
+            <a:noFill/>
+          </a:ln>
+        </p:spPr>
+        <p:txBody>
+          <a:bodyPr anchorCtr="0" anchor="t" bIns="91425" lIns="91425" spcFirstLastPara="1" rIns="91425" wrap="square" tIns="91425">
+            <a:normAutofit/>
+          </a:bodyPr>
+          <a:lstStyle/>
+          <a:p>
+            <a:pPr indent="0" lvl="0" marL="0" rtl="0" algn="l">
+              <a:lnSpc>
+                <a:spcPct val="115000"/>
+              </a:lnSpc>
+              <a:spcBef>
+                <a:spcPts val="0"/>
+              </a:spcBef>
+              <a:spcAft>
+                <a:spcPts val="0"/>
+              </a:spcAft>
+              <a:buSzPts val="1800"/>
+              <a:buNone/>
+            </a:pPr>
+            <a:r>
+              <a:rPr lang="en"/>
+              <a:t>Session 1:  Quick review of ML, Neural  networks, Text Processing , environment setup</a:t>
+            </a:r>
+            <a:endParaRPr/>
+          </a:p>
+          <a:p>
+            <a:pPr indent="0" lvl="0" marL="0" rtl="0" algn="l">
+              <a:lnSpc>
+                <a:spcPct val="115000"/>
+              </a:lnSpc>
+              <a:spcBef>
+                <a:spcPts val="0"/>
+              </a:spcBef>
+              <a:spcAft>
+                <a:spcPts val="0"/>
+              </a:spcAft>
+              <a:buSzPts val="1800"/>
+              <a:buNone/>
+            </a:pPr>
+            <a:r>
+              <a:rPr lang="en"/>
+              <a:t>Session 2:  LLM inference using Open AI and Ollama Jupyter notebook</a:t>
+            </a:r>
+            <a:endParaRPr/>
+          </a:p>
+          <a:p>
+            <a:pPr indent="0" lvl="0" marL="0" rtl="0" algn="l">
+              <a:lnSpc>
+                <a:spcPct val="115000"/>
+              </a:lnSpc>
+              <a:spcBef>
+                <a:spcPts val="1200"/>
+              </a:spcBef>
+              <a:spcAft>
+                <a:spcPts val="0"/>
+              </a:spcAft>
+              <a:buSzPts val="1800"/>
+              <a:buNone/>
+            </a:pPr>
+            <a:r>
+              <a:rPr lang="en"/>
+              <a:t>Session 3:  Gradio, Function calling LLMs </a:t>
+            </a:r>
+            <a:endParaRPr/>
+          </a:p>
+          <a:p>
+            <a:pPr indent="0" lvl="0" marL="0" rtl="0" algn="l">
+              <a:lnSpc>
+                <a:spcPct val="115000"/>
+              </a:lnSpc>
+              <a:spcBef>
+                <a:spcPts val="1200"/>
+              </a:spcBef>
+              <a:spcAft>
+                <a:spcPts val="0"/>
+              </a:spcAft>
+              <a:buSzPts val="1800"/>
+              <a:buNone/>
+            </a:pPr>
+            <a:r>
+              <a:rPr lang="en"/>
+              <a:t>Session 4: HuggingFace Open source LLMs</a:t>
+            </a:r>
+            <a:endParaRPr/>
+          </a:p>
+          <a:p>
+            <a:pPr indent="0" lvl="0" marL="0" rtl="0" algn="l">
+              <a:lnSpc>
+                <a:spcPct val="115000"/>
+              </a:lnSpc>
+              <a:spcBef>
+                <a:spcPts val="1200"/>
+              </a:spcBef>
+              <a:spcAft>
+                <a:spcPts val="0"/>
+              </a:spcAft>
+              <a:buSzPts val="1800"/>
+              <a:buNone/>
+            </a:pPr>
+            <a:r>
+              <a:rPr lang="en"/>
+              <a:t>Session 5: RAG</a:t>
+            </a:r>
+            <a:endParaRPr/>
+          </a:p>
+          <a:p>
+            <a:pPr indent="0" lvl="0" marL="0" rtl="0" algn="l">
+              <a:lnSpc>
+                <a:spcPct val="115000"/>
+              </a:lnSpc>
+              <a:spcBef>
+                <a:spcPts val="1200"/>
+              </a:spcBef>
+              <a:spcAft>
+                <a:spcPts val="1200"/>
+              </a:spcAft>
+              <a:buSzPts val="1800"/>
+              <a:buNone/>
+            </a:pPr>
+            <a:r>
+              <a:rPr lang="en"/>
+              <a:t>Session 6:  LLM fine tuning</a:t>
+            </a:r>
+            <a:endParaRPr/>
+          </a:p>
+        </p:txBody>
+      </p:sp>
+    </p:spTree>
+  </p:cSld>
+  <p:clrMapOvr>
+    <a:masterClrMapping/>
+  </p:clrMapOvr>
+</p:sld>
+</file>
+
+<file path=ppt/slides/slide4.xml><?xml version="1.0" encoding="utf-8"?>
+<p:sld xmlns:a="http://schemas.openxmlformats.org/drawingml/2006/main" xmlns:r="http://schemas.openxmlformats.org/officeDocument/2006/relationships" xmlns:mc="http://schemas.openxmlformats.org/markup-compatibility/2006" xmlns:mv="urn:schemas-microsoft-com:mac:vml" xmlns:p="http://schemas.openxmlformats.org/presentationml/2006/main" xmlns:c="http://schemas.openxmlformats.org/drawingml/2006/chart" xmlns:dgm="http://schemas.openxmlformats.org/drawingml/2006/diagram" xmlns:o="urn:schemas-microsoft-com:office:office" xmlns:v="urn:schemas-microsoft-com:vml" xmlns:pvml="urn:schemas-microsoft-com:office:powerpoint" xmlns:com="http://schemas.openxmlformats.org/drawingml/2006/compatibility" xmlns:p14="http://schemas.microsoft.com/office/powerpoint/2010/main" xmlns:p15="http://schemas.microsoft.com/office/powerpoint/2012/main" xmlns:ahyp="http://schemas.microsoft.com/office/drawing/2018/hyperlinkcolor">
+  <p:cSld>
+    <p:spTree>
+      <p:nvGrpSpPr>
+        <p:cNvPr id="94" name="Shape 94"/>
+        <p:cNvGrpSpPr/>
+        <p:nvPr/>
+      </p:nvGrpSpPr>
+      <p:grpSpPr>
+        <a:xfrm>
+          <a:off x="0" y="0"/>
+          <a:ext cx="0" cy="0"/>
+          <a:chOff x="0" y="0"/>
+          <a:chExt cx="0" cy="0"/>
+        </a:xfrm>
+      </p:grpSpPr>
+      <p:sp>
+        <p:nvSpPr>
+          <p:cNvPr id="95" name="Google Shape;95;g3b4a4261da7_0_0"/>
+          <p:cNvSpPr txBox="1"/>
+          <p:nvPr>
+            <p:ph type="title"/>
+          </p:nvPr>
+        </p:nvSpPr>
+        <p:spPr>
+          <a:xfrm>
+            <a:off x="311700" y="445025"/>
+            <a:ext cx="8520600" cy="572700"/>
+          </a:xfrm>
+          <a:prstGeom prst="rect">
+            <a:avLst/>
+          </a:prstGeom>
+        </p:spPr>
+        <p:txBody>
+          <a:bodyPr anchorCtr="0" anchor="t" bIns="91425" lIns="91425" spcFirstLastPara="1" rIns="91425" wrap="square" tIns="91425">
+            <a:normAutofit fontScale="90000"/>
+          </a:bodyPr>
+          <a:lstStyle/>
+          <a:p>
+            <a:pPr indent="0" lvl="0" marL="0" rtl="0" algn="l">
+              <a:spcBef>
+                <a:spcPts val="0"/>
+              </a:spcBef>
+              <a:spcAft>
+                <a:spcPts val="0"/>
+              </a:spcAft>
+              <a:buNone/>
+            </a:pPr>
+            <a:r>
+              <a:rPr lang="en"/>
+              <a:t>Environment and account setup</a:t>
+            </a:r>
+            <a:endParaRPr/>
+          </a:p>
+        </p:txBody>
+      </p:sp>
+      <p:sp>
+        <p:nvSpPr>
+          <p:cNvPr id="96" name="Google Shape;96;g3b4a4261da7_0_0"/>
+          <p:cNvSpPr txBox="1"/>
+          <p:nvPr>
+            <p:ph idx="1" type="body"/>
+          </p:nvPr>
+        </p:nvSpPr>
+        <p:spPr>
+          <a:xfrm>
+            <a:off x="311700" y="1152475"/>
+            <a:ext cx="8520600" cy="3416400"/>
+          </a:xfrm>
+          <a:prstGeom prst="rect">
+            <a:avLst/>
+          </a:prstGeom>
+        </p:spPr>
+        <p:txBody>
+          <a:bodyPr anchorCtr="0" anchor="t" bIns="91425" lIns="91425" spcFirstLastPara="1" rIns="91425" wrap="square" tIns="91425">
+            <a:normAutofit/>
+          </a:bodyPr>
+          <a:lstStyle/>
+          <a:p>
+            <a:pPr indent="0" lvl="0" marL="0" rtl="0" algn="l">
+              <a:spcBef>
+                <a:spcPts val="0"/>
+              </a:spcBef>
+              <a:spcAft>
+                <a:spcPts val="0"/>
+              </a:spcAft>
+              <a:buNone/>
+            </a:pPr>
+            <a:r>
+              <a:rPr lang="en"/>
+              <a:t>Follow instructions here: </a:t>
+            </a:r>
+            <a:r>
+              <a:rPr lang="en" u="sng">
+                <a:solidFill>
+                  <a:schemeClr val="hlink"/>
+                </a:solidFill>
+                <a:hlinkClick r:id="rId3"/>
+              </a:rPr>
+              <a:t>https://github.com/prizmaweb/llm_course/blob/main/install.txt</a:t>
+            </a:r>
+            <a:endParaRPr/>
+          </a:p>
+          <a:p>
+            <a:pPr indent="0" lvl="0" marL="0" rtl="0" algn="l">
+              <a:spcBef>
+                <a:spcPts val="0"/>
+              </a:spcBef>
+              <a:spcAft>
+                <a:spcPts val="0"/>
+              </a:spcAft>
+              <a:buClr>
+                <a:schemeClr val="dk1"/>
+              </a:buClr>
+              <a:buSzPts val="1100"/>
+              <a:buFont typeface="Arial"/>
+              <a:buNone/>
+            </a:pPr>
+            <a:r>
+              <a:rPr lang="en"/>
+              <a:t>Above includes step to p</a:t>
+            </a:r>
+            <a:r>
+              <a:rPr lang="en"/>
+              <a:t>ip install a list of needed packages given here: </a:t>
+            </a:r>
+            <a:endParaRPr/>
+          </a:p>
+          <a:p>
+            <a:pPr indent="0" lvl="0" marL="0" rtl="0" algn="l">
+              <a:spcBef>
+                <a:spcPts val="0"/>
+              </a:spcBef>
+              <a:spcAft>
+                <a:spcPts val="0"/>
+              </a:spcAft>
+              <a:buClr>
+                <a:schemeClr val="dk1"/>
+              </a:buClr>
+              <a:buSzPts val="1100"/>
+              <a:buFont typeface="Arial"/>
+              <a:buNone/>
+            </a:pPr>
+            <a:r>
+              <a:rPr lang="en" u="sng">
+                <a:solidFill>
+                  <a:schemeClr val="accent5"/>
+                </a:solidFill>
+                <a:hlinkClick r:id="rId4">
+                  <a:extLst>
+                    <a:ext uri="{A12FA001-AC4F-418D-AE19-62706E023703}">
+                      <ahyp:hlinkClr val="tx"/>
+                    </a:ext>
+                  </a:extLst>
+                </a:hlinkClick>
+              </a:rPr>
+              <a:t>https://github.com/prizmaweb/llm_course/blob/main/requirements.txt</a:t>
+            </a:r>
+            <a:endParaRPr/>
+          </a:p>
+          <a:p>
+            <a:pPr indent="0" lvl="0" marL="0" rtl="0" algn="l">
+              <a:spcBef>
+                <a:spcPts val="0"/>
+              </a:spcBef>
+              <a:spcAft>
+                <a:spcPts val="0"/>
+              </a:spcAft>
+              <a:buNone/>
+            </a:pPr>
+            <a:r>
+              <a:t/>
+            </a:r>
+            <a:endParaRPr/>
+          </a:p>
+          <a:p>
+            <a:pPr indent="0" lvl="0" marL="0" rtl="0" algn="l">
+              <a:spcBef>
+                <a:spcPts val="0"/>
+              </a:spcBef>
+              <a:spcAft>
+                <a:spcPts val="0"/>
+              </a:spcAft>
+              <a:buNone/>
+            </a:pPr>
+            <a:r>
+              <a:rPr lang="en"/>
+              <a:t>Download Ollama on your mac/PC.</a:t>
+            </a:r>
+            <a:endParaRPr/>
+          </a:p>
+          <a:p>
+            <a:pPr indent="0" lvl="0" marL="0" rtl="0" algn="l">
+              <a:spcBef>
+                <a:spcPts val="0"/>
+              </a:spcBef>
+              <a:spcAft>
+                <a:spcPts val="0"/>
+              </a:spcAft>
+              <a:buNone/>
+            </a:pPr>
+            <a:r>
+              <a:rPr lang="en"/>
+              <a:t>Create an Open AI account ( optional)</a:t>
+            </a:r>
+            <a:endParaRPr/>
+          </a:p>
+          <a:p>
+            <a:pPr indent="0" lvl="0" marL="0" rtl="0" algn="l">
+              <a:spcBef>
+                <a:spcPts val="0"/>
+              </a:spcBef>
+              <a:spcAft>
+                <a:spcPts val="0"/>
+              </a:spcAft>
+              <a:buNone/>
+            </a:pPr>
+            <a:r>
+              <a:t/>
+            </a:r>
+            <a:endParaRPr/>
+          </a:p>
+          <a:p>
+            <a:pPr indent="0" lvl="0" marL="0" rtl="0" algn="l">
+              <a:spcBef>
+                <a:spcPts val="0"/>
+              </a:spcBef>
+              <a:spcAft>
+                <a:spcPts val="0"/>
+              </a:spcAft>
+              <a:buNone/>
+            </a:pPr>
+            <a:r>
+              <a:t/>
+            </a:r>
+            <a:endParaRPr/>
+          </a:p>
+        </p:txBody>
+      </p:sp>
+    </p:spTree>
+  </p:cSld>
+  <p:clrMapOvr>
+    <a:masterClrMapping/>
+  </p:clrMapOvr>
+</p:sld>
+</file>
+
+<file path=ppt/slides/slide5.xml><?xml version="1.0" encoding="utf-8"?>
+<p:sld xmlns:a="http://schemas.openxmlformats.org/drawingml/2006/main" xmlns:r="http://schemas.openxmlformats.org/officeDocument/2006/relationships" xmlns:mc="http://schemas.openxmlformats.org/markup-compatibility/2006" xmlns:mv="urn:schemas-microsoft-com:mac:vml" xmlns:p="http://schemas.openxmlformats.org/presentationml/2006/main" xmlns:c="http://schemas.openxmlformats.org/drawingml/2006/chart" xmlns:dgm="http://schemas.openxmlformats.org/drawingml/2006/diagram" xmlns:o="urn:schemas-microsoft-com:office:office" xmlns:v="urn:schemas-microsoft-com:vml" xmlns:pvml="urn:schemas-microsoft-com:office:powerpoint" xmlns:com="http://schemas.openxmlformats.org/drawingml/2006/compatibility" xmlns:p14="http://schemas.microsoft.com/office/powerpoint/2010/main" xmlns:p15="http://schemas.microsoft.com/office/powerpoint/2012/main" xmlns:ahyp="http://schemas.microsoft.com/office/drawing/2018/hyperlinkcolor">
+  <p:cSld>
+    <p:spTree>
+      <p:nvGrpSpPr>
+        <p:cNvPr id="100" name="Shape 100"/>
+        <p:cNvGrpSpPr/>
+        <p:nvPr/>
+      </p:nvGrpSpPr>
+      <p:grpSpPr>
+        <a:xfrm>
+          <a:off x="0" y="0"/>
+          <a:ext cx="0" cy="0"/>
+          <a:chOff x="0" y="0"/>
+          <a:chExt cx="0" cy="0"/>
+        </a:xfrm>
+      </p:grpSpPr>
+      <p:sp>
+        <p:nvSpPr>
+          <p:cNvPr id="101" name="Google Shape;101;p3"/>
           <p:cNvSpPr txBox="1"/>
           <p:nvPr>
             <p:ph type="title"/>
@@ -17011,12 +18235,12 @@
 </p:sld>
 </file>
 
-<file path=ppt/slides/slide4.xml><?xml version="1.0" encoding="utf-8"?>
+<file path=ppt/slides/slide6.xml><?xml version="1.0" encoding="utf-8"?>
 <p:sld xmlns:a="http://schemas.openxmlformats.org/drawingml/2006/main" xmlns:r="http://schemas.openxmlformats.org/officeDocument/2006/relationships" xmlns:mc="http://schemas.openxmlformats.org/markup-compatibility/2006" xmlns:mv="urn:schemas-microsoft-com:mac:vml" xmlns:p="http://schemas.openxmlformats.org/presentationml/2006/main" xmlns:c="http://schemas.openxmlformats.org/drawingml/2006/chart" xmlns:dgm="http://schemas.openxmlformats.org/drawingml/2006/diagram" xmlns:o="urn:schemas-microsoft-com:office:office" xmlns:v="urn:schemas-microsoft-com:vml" xmlns:pvml="urn:schemas-microsoft-com:office:powerpoint" xmlns:com="http://schemas.openxmlformats.org/drawingml/2006/compatibility" xmlns:p14="http://schemas.microsoft.com/office/powerpoint/2010/main" xmlns:p15="http://schemas.microsoft.com/office/powerpoint/2012/main" xmlns:ahyp="http://schemas.microsoft.com/office/drawing/2018/hyperlinkcolor">
   <p:cSld>
     <p:spTree>
       <p:nvGrpSpPr>
-        <p:cNvPr id="93" name="Shape 93"/>
+        <p:cNvPr id="105" name="Shape 105"/>
         <p:cNvGrpSpPr/>
         <p:nvPr/>
       </p:nvGrpSpPr>
@@ -17030,7 +18254,7 @@
       </p:grpSpPr>
       <p:sp>
         <p:nvSpPr>
-          <p:cNvPr id="94" name="Google Shape;94;p4"/>
+          <p:cNvPr id="106" name="Google Shape;106;p4"/>
           <p:cNvSpPr txBox="1"/>
           <p:nvPr>
             <p:ph type="title"/>
@@ -17078,7 +18302,7 @@
       </p:sp>
       <p:graphicFrame>
         <p:nvGraphicFramePr>
-          <p:cNvPr id="95" name="Google Shape;95;p4"/>
+          <p:cNvPr id="107" name="Google Shape;107;p4"/>
           <p:cNvGraphicFramePr/>
           <p:nvPr/>
         </p:nvGraphicFramePr>
@@ -17091,7 +18315,7 @@
             <a:tbl>
               <a:tblPr>
                 <a:noFill/>
-                <a:tableStyleId>{BB2812EA-49BD-4344-9336-336B52A0F14E}</a:tableStyleId>
+                <a:tableStyleId>{2EF3DDD9-591A-4796-8D3F-99D379365EE9}</a:tableStyleId>
               </a:tblPr>
               <a:tblGrid>
                 <a:gridCol w="1510225"/>
@@ -17669,7 +18893,7 @@
       </p:graphicFrame>
       <p:pic>
         <p:nvPicPr>
-          <p:cNvPr id="96" name="Google Shape;96;p4"/>
+          <p:cNvPr id="108" name="Google Shape;108;p4"/>
           <p:cNvPicPr preferRelativeResize="0"/>
           <p:nvPr/>
         </p:nvPicPr>
@@ -17702,12 +18926,12 @@
 </p:sld>
 </file>
 
-<file path=ppt/slides/slide5.xml><?xml version="1.0" encoding="utf-8"?>
+<file path=ppt/slides/slide7.xml><?xml version="1.0" encoding="utf-8"?>
 <p:sld xmlns:a="http://schemas.openxmlformats.org/drawingml/2006/main" xmlns:r="http://schemas.openxmlformats.org/officeDocument/2006/relationships" xmlns:mc="http://schemas.openxmlformats.org/markup-compatibility/2006" xmlns:mv="urn:schemas-microsoft-com:mac:vml" xmlns:p="http://schemas.openxmlformats.org/presentationml/2006/main" xmlns:c="http://schemas.openxmlformats.org/drawingml/2006/chart" xmlns:dgm="http://schemas.openxmlformats.org/drawingml/2006/diagram" xmlns:o="urn:schemas-microsoft-com:office:office" xmlns:v="urn:schemas-microsoft-com:vml" xmlns:pvml="urn:schemas-microsoft-com:office:powerpoint" xmlns:com="http://schemas.openxmlformats.org/drawingml/2006/compatibility" xmlns:p14="http://schemas.microsoft.com/office/powerpoint/2010/main" xmlns:p15="http://schemas.microsoft.com/office/powerpoint/2012/main" xmlns:ahyp="http://schemas.microsoft.com/office/drawing/2018/hyperlinkcolor">
   <p:cSld>
     <p:spTree>
       <p:nvGrpSpPr>
-        <p:cNvPr id="100" name="Shape 100"/>
+        <p:cNvPr id="112" name="Shape 112"/>
         <p:cNvGrpSpPr/>
         <p:nvPr/>
       </p:nvGrpSpPr>
@@ -17721,7 +18945,7 @@
       </p:grpSpPr>
       <p:sp>
         <p:nvSpPr>
-          <p:cNvPr id="101" name="Google Shape;101;p5"/>
+          <p:cNvPr id="113" name="Google Shape;113;p5"/>
           <p:cNvSpPr txBox="1"/>
           <p:nvPr>
             <p:ph type="title"/>
@@ -17769,7 +18993,7 @@
       </p:sp>
       <p:pic>
         <p:nvPicPr>
-          <p:cNvPr id="102" name="Google Shape;102;p5"/>
+          <p:cNvPr id="114" name="Google Shape;114;p5"/>
           <p:cNvPicPr preferRelativeResize="0"/>
           <p:nvPr/>
         </p:nvPicPr>
@@ -17796,7 +19020,7 @@
       </p:pic>
       <p:sp>
         <p:nvSpPr>
-          <p:cNvPr id="103" name="Google Shape;103;p5"/>
+          <p:cNvPr id="115" name="Google Shape;115;p5"/>
           <p:cNvSpPr txBox="1"/>
           <p:nvPr>
             <p:ph idx="1" type="body"/>
@@ -17849,7 +19073,7 @@
 </p:sld>
 </file>
 
-<file path=ppt/slides/slide6.xml><?xml version="1.0" encoding="utf-8"?>
+<file path=ppt/slides/slide8.xml><?xml version="1.0" encoding="utf-8"?>
 <p:sld xmlns:a="http://schemas.openxmlformats.org/drawingml/2006/main" xmlns:r="http://schemas.openxmlformats.org/officeDocument/2006/relationships" xmlns:mc="http://schemas.openxmlformats.org/markup-compatibility/2006" xmlns:mv="urn:schemas-microsoft-com:mac:vml" xmlns:p="http://schemas.openxmlformats.org/presentationml/2006/main" xmlns:c="http://schemas.openxmlformats.org/drawingml/2006/chart" xmlns:dgm="http://schemas.openxmlformats.org/drawingml/2006/diagram" xmlns:o="urn:schemas-microsoft-com:office:office" xmlns:v="urn:schemas-microsoft-com:vml" xmlns:pvml="urn:schemas-microsoft-com:office:powerpoint" xmlns:com="http://schemas.openxmlformats.org/drawingml/2006/compatibility" xmlns:p14="http://schemas.microsoft.com/office/powerpoint/2010/main" xmlns:p15="http://schemas.microsoft.com/office/powerpoint/2012/main" xmlns:ahyp="http://schemas.microsoft.com/office/drawing/2018/hyperlinkcolor">
   <p:cSld>
     <p:bg>
@@ -17861,7 +19085,7 @@
     </p:bg>
     <p:spTree>
       <p:nvGrpSpPr>
-        <p:cNvPr id="107" name="Shape 107"/>
+        <p:cNvPr id="119" name="Shape 119"/>
         <p:cNvGrpSpPr/>
         <p:nvPr/>
       </p:nvGrpSpPr>
@@ -17875,7 +19099,7 @@
       </p:grpSpPr>
       <p:pic>
         <p:nvPicPr>
-          <p:cNvPr descr="media/image3.jpeg" id="108" name="Google Shape;108;p6"/>
+          <p:cNvPr descr="media/image3.jpeg" id="120" name="Google Shape;120;p6"/>
           <p:cNvPicPr preferRelativeResize="0"/>
           <p:nvPr/>
         </p:nvPicPr>
@@ -17902,7 +19126,7 @@
       </p:pic>
       <p:sp>
         <p:nvSpPr>
-          <p:cNvPr id="109" name="Google Shape;109;p6"/>
+          <p:cNvPr id="121" name="Google Shape;121;p6"/>
           <p:cNvSpPr txBox="1"/>
           <p:nvPr>
             <p:ph type="title"/>
@@ -17960,12 +19184,12 @@
 </p:sld>
 </file>
 
-<file path=ppt/slides/slide7.xml><?xml version="1.0" encoding="utf-8"?>
+<file path=ppt/slides/slide9.xml><?xml version="1.0" encoding="utf-8"?>
 <p:sld xmlns:a="http://schemas.openxmlformats.org/drawingml/2006/main" xmlns:r="http://schemas.openxmlformats.org/officeDocument/2006/relationships" xmlns:mc="http://schemas.openxmlformats.org/markup-compatibility/2006" xmlns:mv="urn:schemas-microsoft-com:mac:vml" xmlns:p="http://schemas.openxmlformats.org/presentationml/2006/main" xmlns:c="http://schemas.openxmlformats.org/drawingml/2006/chart" xmlns:dgm="http://schemas.openxmlformats.org/drawingml/2006/diagram" xmlns:o="urn:schemas-microsoft-com:office:office" xmlns:v="urn:schemas-microsoft-com:vml" xmlns:pvml="urn:schemas-microsoft-com:office:powerpoint" xmlns:com="http://schemas.openxmlformats.org/drawingml/2006/compatibility" xmlns:p14="http://schemas.microsoft.com/office/powerpoint/2010/main" xmlns:p15="http://schemas.microsoft.com/office/powerpoint/2012/main" xmlns:ahyp="http://schemas.microsoft.com/office/drawing/2018/hyperlinkcolor">
   <p:cSld>
     <p:spTree>
       <p:nvGrpSpPr>
-        <p:cNvPr id="113" name="Shape 113"/>
+        <p:cNvPr id="125" name="Shape 125"/>
         <p:cNvGrpSpPr/>
         <p:nvPr/>
       </p:nvGrpSpPr>
@@ -17979,7 +19203,7 @@
       </p:grpSpPr>
       <p:sp>
         <p:nvSpPr>
-          <p:cNvPr id="114" name="Google Shape;114;p7"/>
+          <p:cNvPr id="126" name="Google Shape;126;p7"/>
           <p:cNvSpPr txBox="1"/>
           <p:nvPr>
             <p:ph type="title"/>
@@ -18031,7 +19255,7 @@
       </p:sp>
       <p:sp>
         <p:nvSpPr>
-          <p:cNvPr id="115" name="Google Shape;115;p7"/>
+          <p:cNvPr id="127" name="Google Shape;127;p7"/>
           <p:cNvSpPr txBox="1"/>
           <p:nvPr>
             <p:ph idx="1" type="body"/>
@@ -18098,7 +19322,7 @@
       </p:sp>
       <p:pic>
         <p:nvPicPr>
-          <p:cNvPr descr="https://cdn-images-1.medium.com/max/800/1*XfDb8XhzTy1nVnwSy1mv6g.png" id="116" name="Google Shape;116;p7"/>
+          <p:cNvPr descr="https://cdn-images-1.medium.com/max/800/1*XfDb8XhzTy1nVnwSy1mv6g.png" id="128" name="Google Shape;128;p7"/>
           <p:cNvPicPr preferRelativeResize="0"/>
           <p:nvPr/>
         </p:nvPicPr>
@@ -18125,7 +19349,7 @@
       </p:pic>
       <p:sp>
         <p:nvSpPr>
-          <p:cNvPr id="117" name="Google Shape;117;p7"/>
+          <p:cNvPr id="129" name="Google Shape;129;p7"/>
           <p:cNvSpPr txBox="1"/>
           <p:nvPr/>
         </p:nvSpPr>
@@ -18233,7 +19457,7 @@
       </p:sp>
       <p:sp>
         <p:nvSpPr>
-          <p:cNvPr id="118" name="Google Shape;118;p7"/>
+          <p:cNvPr id="130" name="Google Shape;130;p7"/>
           <p:cNvSpPr txBox="1"/>
           <p:nvPr>
             <p:ph idx="1" type="body"/>
@@ -18320,7 +19544,7 @@
       </p:sp>
       <p:pic>
         <p:nvPicPr>
-          <p:cNvPr descr="https://cdn-images-1.medium.com/max/800/1*20m_U-H6EIcxlN2k07Z7oQ.png" id="119" name="Google Shape;119;p7"/>
+          <p:cNvPr descr="https://cdn-images-1.medium.com/max/800/1*20m_U-H6EIcxlN2k07Z7oQ.png" id="131" name="Google Shape;131;p7"/>
           <p:cNvPicPr preferRelativeResize="0"/>
           <p:nvPr/>
         </p:nvPicPr>
@@ -18345,570 +19569,6 @@
           </a:ln>
         </p:spPr>
       </p:pic>
-    </p:spTree>
-  </p:cSld>
-  <p:clrMapOvr>
-    <a:masterClrMapping/>
-  </p:clrMapOvr>
-</p:sld>
-</file>
-
-<file path=ppt/slides/slide8.xml><?xml version="1.0" encoding="utf-8"?>
-<p:sld xmlns:a="http://schemas.openxmlformats.org/drawingml/2006/main" xmlns:r="http://schemas.openxmlformats.org/officeDocument/2006/relationships" xmlns:mc="http://schemas.openxmlformats.org/markup-compatibility/2006" xmlns:mv="urn:schemas-microsoft-com:mac:vml" xmlns:p="http://schemas.openxmlformats.org/presentationml/2006/main" xmlns:c="http://schemas.openxmlformats.org/drawingml/2006/chart" xmlns:dgm="http://schemas.openxmlformats.org/drawingml/2006/diagram" xmlns:o="urn:schemas-microsoft-com:office:office" xmlns:v="urn:schemas-microsoft-com:vml" xmlns:pvml="urn:schemas-microsoft-com:office:powerpoint" xmlns:com="http://schemas.openxmlformats.org/drawingml/2006/compatibility" xmlns:p14="http://schemas.microsoft.com/office/powerpoint/2010/main" xmlns:p15="http://schemas.microsoft.com/office/powerpoint/2012/main" xmlns:ahyp="http://schemas.microsoft.com/office/drawing/2018/hyperlinkcolor">
-  <p:cSld>
-    <p:spTree>
-      <p:nvGrpSpPr>
-        <p:cNvPr id="123" name="Shape 123"/>
-        <p:cNvGrpSpPr/>
-        <p:nvPr/>
-      </p:nvGrpSpPr>
-      <p:grpSpPr>
-        <a:xfrm>
-          <a:off x="0" y="0"/>
-          <a:ext cx="0" cy="0"/>
-          <a:chOff x="0" y="0"/>
-          <a:chExt cx="0" cy="0"/>
-        </a:xfrm>
-      </p:grpSpPr>
-      <p:pic>
-        <p:nvPicPr>
-          <p:cNvPr id="124" name="Google Shape;124;p8"/>
-          <p:cNvPicPr preferRelativeResize="0"/>
-          <p:nvPr/>
-        </p:nvPicPr>
-        <p:blipFill rotWithShape="1">
-          <a:blip r:embed="rId3">
-            <a:alphaModFix/>
-          </a:blip>
-          <a:srcRect b="0" l="0" r="0" t="0"/>
-          <a:stretch/>
-        </p:blipFill>
-        <p:spPr>
-          <a:xfrm>
-            <a:off x="4898432" y="1539061"/>
-            <a:ext cx="4248058" cy="2272711"/>
-          </a:xfrm>
-          <a:prstGeom prst="rect">
-            <a:avLst/>
-          </a:prstGeom>
-          <a:noFill/>
-          <a:ln>
-            <a:noFill/>
-          </a:ln>
-        </p:spPr>
-      </p:pic>
-      <p:pic>
-        <p:nvPicPr>
-          <p:cNvPr id="125" name="Google Shape;125;p8"/>
-          <p:cNvPicPr preferRelativeResize="0"/>
-          <p:nvPr/>
-        </p:nvPicPr>
-        <p:blipFill rotWithShape="1">
-          <a:blip r:embed="rId4">
-            <a:alphaModFix/>
-          </a:blip>
-          <a:srcRect b="0" l="0" r="0" t="0"/>
-          <a:stretch/>
-        </p:blipFill>
-        <p:spPr>
-          <a:xfrm>
-            <a:off x="42947" y="1539062"/>
-            <a:ext cx="4789550" cy="2493564"/>
-          </a:xfrm>
-          <a:prstGeom prst="rect">
-            <a:avLst/>
-          </a:prstGeom>
-          <a:noFill/>
-          <a:ln>
-            <a:noFill/>
-          </a:ln>
-        </p:spPr>
-      </p:pic>
-      <p:sp>
-        <p:nvSpPr>
-          <p:cNvPr id="126" name="Google Shape;126;p8"/>
-          <p:cNvSpPr txBox="1"/>
-          <p:nvPr/>
-        </p:nvSpPr>
-        <p:spPr>
-          <a:xfrm>
-            <a:off x="733646" y="4218465"/>
-            <a:ext cx="3570900" cy="276900"/>
-          </a:xfrm>
-          <a:prstGeom prst="rect">
-            <a:avLst/>
-          </a:prstGeom>
-          <a:noFill/>
-          <a:ln>
-            <a:noFill/>
-          </a:ln>
-        </p:spPr>
-        <p:txBody>
-          <a:bodyPr anchorCtr="0" anchor="t" bIns="34275" lIns="68575" spcFirstLastPara="1" rIns="68575" wrap="square" tIns="34275">
-            <a:noAutofit/>
-          </a:bodyPr>
-          <a:lstStyle/>
-          <a:p>
-            <a:pPr indent="0" lvl="0" marL="0" marR="0" rtl="0" algn="l">
-              <a:lnSpc>
-                <a:spcPct val="100000"/>
-              </a:lnSpc>
-              <a:spcBef>
-                <a:spcPts val="0"/>
-              </a:spcBef>
-              <a:spcAft>
-                <a:spcPts val="0"/>
-              </a:spcAft>
-              <a:buClr>
-                <a:srgbClr val="000000"/>
-              </a:buClr>
-              <a:buSzPts val="1400"/>
-              <a:buFont typeface="Arial"/>
-              <a:buNone/>
-            </a:pPr>
-            <a:r>
-              <a:rPr b="0" i="0" lang="en" sz="1400" u="none" cap="none" strike="noStrike">
-                <a:solidFill>
-                  <a:schemeClr val="dk1"/>
-                </a:solidFill>
-                <a:latin typeface="Calibri"/>
-                <a:ea typeface="Calibri"/>
-                <a:cs typeface="Calibri"/>
-                <a:sym typeface="Calibri"/>
-              </a:rPr>
-              <a:t>Cost function plot with respect to input variables</a:t>
-            </a:r>
-            <a:endParaRPr b="0" i="0" sz="1100" u="none" cap="none" strike="noStrike">
-              <a:solidFill>
-                <a:srgbClr val="000000"/>
-              </a:solidFill>
-              <a:latin typeface="Arial"/>
-              <a:ea typeface="Arial"/>
-              <a:cs typeface="Arial"/>
-              <a:sym typeface="Arial"/>
-            </a:endParaRPr>
-          </a:p>
-        </p:txBody>
-      </p:sp>
-      <p:sp>
-        <p:nvSpPr>
-          <p:cNvPr id="127" name="Google Shape;127;p8"/>
-          <p:cNvSpPr txBox="1"/>
-          <p:nvPr/>
-        </p:nvSpPr>
-        <p:spPr>
-          <a:xfrm>
-            <a:off x="5236996" y="4218465"/>
-            <a:ext cx="3570900" cy="276900"/>
-          </a:xfrm>
-          <a:prstGeom prst="rect">
-            <a:avLst/>
-          </a:prstGeom>
-          <a:noFill/>
-          <a:ln>
-            <a:noFill/>
-          </a:ln>
-        </p:spPr>
-        <p:txBody>
-          <a:bodyPr anchorCtr="0" anchor="t" bIns="34275" lIns="68575" spcFirstLastPara="1" rIns="68575" wrap="square" tIns="34275">
-            <a:noAutofit/>
-          </a:bodyPr>
-          <a:lstStyle/>
-          <a:p>
-            <a:pPr indent="0" lvl="0" marL="0" marR="0" rtl="0" algn="l">
-              <a:lnSpc>
-                <a:spcPct val="100000"/>
-              </a:lnSpc>
-              <a:spcBef>
-                <a:spcPts val="0"/>
-              </a:spcBef>
-              <a:spcAft>
-                <a:spcPts val="0"/>
-              </a:spcAft>
-              <a:buClr>
-                <a:srgbClr val="000000"/>
-              </a:buClr>
-              <a:buSzPts val="1400"/>
-              <a:buFont typeface="Arial"/>
-              <a:buNone/>
-            </a:pPr>
-            <a:r>
-              <a:rPr b="0" i="0" lang="en" sz="1400" u="none" cap="none" strike="noStrike">
-                <a:solidFill>
-                  <a:schemeClr val="dk1"/>
-                </a:solidFill>
-                <a:latin typeface="Calibri"/>
-                <a:ea typeface="Calibri"/>
-                <a:cs typeface="Calibri"/>
-                <a:sym typeface="Calibri"/>
-              </a:rPr>
-              <a:t>Cost function plot with respect to input variables</a:t>
-            </a:r>
-            <a:endParaRPr b="0" i="0" sz="1100" u="none" cap="none" strike="noStrike">
-              <a:solidFill>
-                <a:srgbClr val="000000"/>
-              </a:solidFill>
-              <a:latin typeface="Arial"/>
-              <a:ea typeface="Arial"/>
-              <a:cs typeface="Arial"/>
-              <a:sym typeface="Arial"/>
-            </a:endParaRPr>
-          </a:p>
-        </p:txBody>
-      </p:sp>
-      <p:sp>
-        <p:nvSpPr>
-          <p:cNvPr id="128" name="Google Shape;128;p8"/>
-          <p:cNvSpPr txBox="1"/>
-          <p:nvPr/>
-        </p:nvSpPr>
-        <p:spPr>
-          <a:xfrm>
-            <a:off x="42947" y="4670081"/>
-            <a:ext cx="9028200" cy="392400"/>
-          </a:xfrm>
-          <a:prstGeom prst="rect">
-            <a:avLst/>
-          </a:prstGeom>
-          <a:noFill/>
-          <a:ln>
-            <a:noFill/>
-          </a:ln>
-        </p:spPr>
-        <p:txBody>
-          <a:bodyPr anchorCtr="0" anchor="t" bIns="34275" lIns="68575" spcFirstLastPara="1" rIns="68575" wrap="square" tIns="34275">
-            <a:noAutofit/>
-          </a:bodyPr>
-          <a:lstStyle/>
-          <a:p>
-            <a:pPr indent="0" lvl="0" marL="0" marR="0" rtl="0" algn="l">
-              <a:lnSpc>
-                <a:spcPct val="100000"/>
-              </a:lnSpc>
-              <a:spcBef>
-                <a:spcPts val="0"/>
-              </a:spcBef>
-              <a:spcAft>
-                <a:spcPts val="0"/>
-              </a:spcAft>
-              <a:buClr>
-                <a:srgbClr val="000000"/>
-              </a:buClr>
-              <a:buSzPts val="2100"/>
-              <a:buFont typeface="Arial"/>
-              <a:buNone/>
-            </a:pPr>
-            <a:r>
-              <a:rPr b="0" i="0" lang="en" sz="2100" u="none" cap="none" strike="noStrike">
-                <a:solidFill>
-                  <a:schemeClr val="dk1"/>
-                </a:solidFill>
-                <a:latin typeface="Calibri"/>
-                <a:ea typeface="Calibri"/>
-                <a:cs typeface="Calibri"/>
-                <a:sym typeface="Calibri"/>
-              </a:rPr>
-              <a:t>Moving in the opposite direction to gradient should lead us to the lowest point(s)!</a:t>
-            </a:r>
-            <a:endParaRPr b="0" i="0" sz="1100" u="none" cap="none" strike="noStrike">
-              <a:solidFill>
-                <a:srgbClr val="000000"/>
-              </a:solidFill>
-              <a:latin typeface="Arial"/>
-              <a:ea typeface="Arial"/>
-              <a:cs typeface="Arial"/>
-              <a:sym typeface="Arial"/>
-            </a:endParaRPr>
-          </a:p>
-        </p:txBody>
-      </p:sp>
-      <p:sp>
-        <p:nvSpPr>
-          <p:cNvPr id="129" name="Google Shape;129;p8"/>
-          <p:cNvSpPr txBox="1"/>
-          <p:nvPr>
-            <p:ph type="title"/>
-          </p:nvPr>
-        </p:nvSpPr>
-        <p:spPr>
-          <a:xfrm>
-            <a:off x="950700" y="432156"/>
-            <a:ext cx="7358400" cy="942300"/>
-          </a:xfrm>
-          <a:prstGeom prst="rect">
-            <a:avLst/>
-          </a:prstGeom>
-          <a:noFill/>
-          <a:ln>
-            <a:noFill/>
-          </a:ln>
-        </p:spPr>
-        <p:txBody>
-          <a:bodyPr anchorCtr="0" anchor="ctr" bIns="40800" lIns="81625" spcFirstLastPara="1" rIns="81625" wrap="square" tIns="40800">
-            <a:normAutofit fontScale="90000"/>
-          </a:bodyPr>
-          <a:lstStyle/>
-          <a:p>
-            <a:pPr indent="0" lvl="0" marL="0" rtl="0" algn="l">
-              <a:lnSpc>
-                <a:spcPct val="100000"/>
-              </a:lnSpc>
-              <a:spcBef>
-                <a:spcPts val="0"/>
-              </a:spcBef>
-              <a:spcAft>
-                <a:spcPts val="0"/>
-              </a:spcAft>
-              <a:buClr>
-                <a:schemeClr val="dk1"/>
-              </a:buClr>
-              <a:buSzPct val="39285"/>
-              <a:buFont typeface="Arial"/>
-              <a:buNone/>
-            </a:pPr>
-            <a:r>
-              <a:rPr lang="en"/>
-              <a:t>Gradient Descent: The best solution lies where cost function is lowest</a:t>
-            </a:r>
-            <a:endParaRPr/>
-          </a:p>
-          <a:p>
-            <a:pPr indent="0" lvl="0" marL="0" rtl="0" algn="l">
-              <a:lnSpc>
-                <a:spcPct val="100000"/>
-              </a:lnSpc>
-              <a:spcBef>
-                <a:spcPts val="0"/>
-              </a:spcBef>
-              <a:spcAft>
-                <a:spcPts val="0"/>
-              </a:spcAft>
-              <a:buClr>
-                <a:schemeClr val="dk1"/>
-              </a:buClr>
-              <a:buSzPct val="39285"/>
-              <a:buFont typeface="Arial"/>
-              <a:buNone/>
-            </a:pPr>
-            <a:r>
-              <a:t/>
-            </a:r>
-            <a:endParaRPr/>
-          </a:p>
-          <a:p>
-            <a:pPr indent="0" lvl="0" marL="0" rtl="0" algn="l">
-              <a:lnSpc>
-                <a:spcPct val="100000"/>
-              </a:lnSpc>
-              <a:spcBef>
-                <a:spcPts val="0"/>
-              </a:spcBef>
-              <a:spcAft>
-                <a:spcPts val="0"/>
-              </a:spcAft>
-              <a:buSzPct val="111111"/>
-              <a:buNone/>
-            </a:pPr>
-            <a:r>
-              <a:t/>
-            </a:r>
-            <a:endParaRPr/>
-          </a:p>
-        </p:txBody>
-      </p:sp>
-    </p:spTree>
-  </p:cSld>
-  <p:clrMapOvr>
-    <a:masterClrMapping/>
-  </p:clrMapOvr>
-</p:sld>
-</file>
-
-<file path=ppt/slides/slide9.xml><?xml version="1.0" encoding="utf-8"?>
-<p:sld xmlns:a="http://schemas.openxmlformats.org/drawingml/2006/main" xmlns:r="http://schemas.openxmlformats.org/officeDocument/2006/relationships" xmlns:mc="http://schemas.openxmlformats.org/markup-compatibility/2006" xmlns:mv="urn:schemas-microsoft-com:mac:vml" xmlns:p="http://schemas.openxmlformats.org/presentationml/2006/main" xmlns:c="http://schemas.openxmlformats.org/drawingml/2006/chart" xmlns:dgm="http://schemas.openxmlformats.org/drawingml/2006/diagram" xmlns:o="urn:schemas-microsoft-com:office:office" xmlns:v="urn:schemas-microsoft-com:vml" xmlns:pvml="urn:schemas-microsoft-com:office:powerpoint" xmlns:com="http://schemas.openxmlformats.org/drawingml/2006/compatibility" xmlns:p14="http://schemas.microsoft.com/office/powerpoint/2010/main" xmlns:p15="http://schemas.microsoft.com/office/powerpoint/2012/main" xmlns:ahyp="http://schemas.microsoft.com/office/drawing/2018/hyperlinkcolor">
-  <p:cSld>
-    <p:spTree>
-      <p:nvGrpSpPr>
-        <p:cNvPr id="133" name="Shape 133"/>
-        <p:cNvGrpSpPr/>
-        <p:nvPr/>
-      </p:nvGrpSpPr>
-      <p:grpSpPr>
-        <a:xfrm>
-          <a:off x="0" y="0"/>
-          <a:ext cx="0" cy="0"/>
-          <a:chOff x="0" y="0"/>
-          <a:chExt cx="0" cy="0"/>
-        </a:xfrm>
-      </p:grpSpPr>
-      <p:sp>
-        <p:nvSpPr>
-          <p:cNvPr id="134" name="Google Shape;134;p9"/>
-          <p:cNvSpPr txBox="1"/>
-          <p:nvPr>
-            <p:ph type="title"/>
-          </p:nvPr>
-        </p:nvSpPr>
-        <p:spPr>
-          <a:xfrm>
-            <a:off x="950708" y="432186"/>
-            <a:ext cx="7358400" cy="342900"/>
-          </a:xfrm>
-          <a:prstGeom prst="rect">
-            <a:avLst/>
-          </a:prstGeom>
-          <a:noFill/>
-          <a:ln>
-            <a:noFill/>
-          </a:ln>
-        </p:spPr>
-        <p:txBody>
-          <a:bodyPr anchorCtr="0" anchor="ctr" bIns="40800" lIns="81625" spcFirstLastPara="1" rIns="81625" wrap="square" tIns="40800">
-            <a:normAutofit fontScale="90000"/>
-          </a:bodyPr>
-          <a:lstStyle/>
-          <a:p>
-            <a:pPr indent="0" lvl="0" marL="0" rtl="0" algn="l">
-              <a:lnSpc>
-                <a:spcPct val="100000"/>
-              </a:lnSpc>
-              <a:spcBef>
-                <a:spcPts val="0"/>
-              </a:spcBef>
-              <a:spcAft>
-                <a:spcPts val="0"/>
-              </a:spcAft>
-              <a:buSzPct val="111111"/>
-              <a:buNone/>
-            </a:pPr>
-            <a:r>
-              <a:rPr lang="en"/>
-              <a:t>A mathematical model of a  single neuron</a:t>
-            </a:r>
-            <a:endParaRPr/>
-          </a:p>
-        </p:txBody>
-      </p:sp>
-      <p:pic>
-        <p:nvPicPr>
-          <p:cNvPr id="135" name="Google Shape;135;p9"/>
-          <p:cNvPicPr preferRelativeResize="0"/>
-          <p:nvPr/>
-        </p:nvPicPr>
-        <p:blipFill rotWithShape="1">
-          <a:blip r:embed="rId3">
-            <a:alphaModFix/>
-          </a:blip>
-          <a:srcRect b="0" l="0" r="0" t="0"/>
-          <a:stretch/>
-        </p:blipFill>
-        <p:spPr>
-          <a:xfrm>
-            <a:off x="4718600" y="1901850"/>
-            <a:ext cx="3860195" cy="2202475"/>
-          </a:xfrm>
-          <a:prstGeom prst="rect">
-            <a:avLst/>
-          </a:prstGeom>
-          <a:noFill/>
-          <a:ln>
-            <a:noFill/>
-          </a:ln>
-        </p:spPr>
-      </p:pic>
-      <p:pic>
-        <p:nvPicPr>
-          <p:cNvPr id="136" name="Google Shape;136;p9"/>
-          <p:cNvPicPr preferRelativeResize="0"/>
-          <p:nvPr/>
-        </p:nvPicPr>
-        <p:blipFill rotWithShape="1">
-          <a:blip r:embed="rId4">
-            <a:alphaModFix/>
-          </a:blip>
-          <a:srcRect b="0" l="0" r="0" t="0"/>
-          <a:stretch/>
-        </p:blipFill>
-        <p:spPr>
-          <a:xfrm>
-            <a:off x="314800" y="1901850"/>
-            <a:ext cx="4415274" cy="2278675"/>
-          </a:xfrm>
-          <a:prstGeom prst="rect">
-            <a:avLst/>
-          </a:prstGeom>
-          <a:noFill/>
-          <a:ln>
-            <a:noFill/>
-          </a:ln>
-        </p:spPr>
-      </p:pic>
-      <p:sp>
-        <p:nvSpPr>
-          <p:cNvPr id="137" name="Google Shape;137;p9"/>
-          <p:cNvSpPr txBox="1"/>
-          <p:nvPr/>
-        </p:nvSpPr>
-        <p:spPr>
-          <a:xfrm>
-            <a:off x="1937700" y="4389125"/>
-            <a:ext cx="5268600" cy="572700"/>
-          </a:xfrm>
-          <a:prstGeom prst="rect">
-            <a:avLst/>
-          </a:prstGeom>
-          <a:noFill/>
-          <a:ln>
-            <a:noFill/>
-          </a:ln>
-        </p:spPr>
-        <p:txBody>
-          <a:bodyPr anchorCtr="0" anchor="ctr" bIns="91425" lIns="91425" spcFirstLastPara="1" rIns="91425" wrap="square" tIns="91425">
-            <a:noAutofit/>
-          </a:bodyPr>
-          <a:lstStyle/>
-          <a:p>
-            <a:pPr indent="0" lvl="0" marL="38100" marR="38100" rtl="0" algn="just">
-              <a:lnSpc>
-                <a:spcPct val="115000"/>
-              </a:lnSpc>
-              <a:spcBef>
-                <a:spcPts val="1500"/>
-              </a:spcBef>
-              <a:spcAft>
-                <a:spcPts val="1500"/>
-              </a:spcAft>
-              <a:buClr>
-                <a:srgbClr val="000000"/>
-              </a:buClr>
-              <a:buSzPts val="1200"/>
-              <a:buFont typeface="Arial"/>
-              <a:buNone/>
-            </a:pPr>
-            <a:r>
-              <a:rPr b="0" i="0" lang="en" sz="1200" u="none" cap="none" strike="noStrike">
-                <a:solidFill>
-                  <a:srgbClr val="575651"/>
-                </a:solidFill>
-                <a:latin typeface="Arial"/>
-                <a:ea typeface="Arial"/>
-                <a:cs typeface="Arial"/>
-                <a:sym typeface="Arial"/>
-              </a:rPr>
-              <a:t>A drawing of a biological neuron (left) and its mathematical model (right).</a:t>
-            </a:r>
-            <a:endParaRPr b="0" i="0" sz="1050" u="none" cap="none" strike="noStrike">
-              <a:solidFill>
-                <a:srgbClr val="575651"/>
-              </a:solidFill>
-              <a:latin typeface="Roboto"/>
-              <a:ea typeface="Roboto"/>
-              <a:cs typeface="Roboto"/>
-              <a:sym typeface="Roboto"/>
-            </a:endParaRPr>
-          </a:p>
-        </p:txBody>
-      </p:sp>
     </p:spTree>
   </p:cSld>
   <p:clrMapOvr>
